--- a/Final Project/FinalProject/Access Control.pptx
+++ b/Final Project/FinalProject/Access Control.pptx
@@ -5,16 +5,15 @@
     <p:sldMasterId id="2147483648" r:id="rId2"/>
     <p:sldMasterId id="2147483661" r:id="rId3"/>
     <p:sldMasterId id="2147483674" r:id="rId4"/>
-    <p:sldMasterId id="2147483687" r:id="rId5"/>
   </p:sldMasterIdLst>
   <p:sldIdLst>
-    <p:sldId id="256" r:id="rId6"/>
-    <p:sldId id="257" r:id="rId7"/>
-    <p:sldId id="258" r:id="rId8"/>
-    <p:sldId id="259" r:id="rId9"/>
+    <p:sldId id="256" r:id="rId5"/>
+    <p:sldId id="257" r:id="rId6"/>
+    <p:sldId id="258" r:id="rId7"/>
+    <p:sldId id="259" r:id="rId8"/>
   </p:sldIdLst>
   <p:sldSz cx="10080625" cy="5670550"/>
-  <p:notesSz cx="7559675" cy="10691813"/>
+  <p:notesSz cx="7772400" cy="10058400"/>
 </p:presentation>
 </file>
 
@@ -42,7 +41,7 @@
             <a:spLocks noGrp="1"/>
           </p:cNvSpPr>
           <p:nvPr>
-            <p:ph type="ftr" idx="2"/>
+            <p:ph type="ftr" idx="1"/>
           </p:nvPr>
         </p:nvSpPr>
         <p:spPr/>
@@ -62,14 +61,14 @@
             <a:spLocks noGrp="1"/>
           </p:cNvSpPr>
           <p:nvPr>
-            <p:ph type="sldNum" idx="3"/>
-          </p:nvPr>
-        </p:nvSpPr>
-        <p:spPr/>
-        <p:txBody>
-          <a:bodyPr/>
-          <a:p>
-            <a:fld id="{10E22AB1-B8FA-4510-BFAD-707D301D5B13}" type="slidenum">
+            <p:ph type="sldNum" idx="2"/>
+          </p:nvPr>
+        </p:nvSpPr>
+        <p:spPr/>
+        <p:txBody>
+          <a:bodyPr/>
+          <a:p>
+            <a:fld id="{2E061F81-A742-4D52-8B72-79C39A95126C}" type="slidenum">
               <a:t>&lt;#&gt;</a:t>
             </a:fld>
           </a:p>
@@ -82,7 +81,7 @@
             <a:spLocks noGrp="1"/>
           </p:cNvSpPr>
           <p:nvPr>
-            <p:ph type="dt" idx="1"/>
+            <p:ph type="dt" idx="3"/>
           </p:nvPr>
         </p:nvSpPr>
         <p:spPr/>
@@ -130,8 +129,8 @@
         </p:nvSpPr>
         <p:spPr>
           <a:xfrm>
-            <a:off x="504000" y="810000"/>
-            <a:ext cx="9071640" cy="1296000"/>
+            <a:off x="504000" y="226080"/>
+            <a:ext cx="9072000" cy="946440"/>
           </a:xfrm>
           <a:prstGeom prst="rect">
             <a:avLst/>
@@ -150,9 +149,6 @@
               <a:buNone/>
             </a:pPr>
             <a:endParaRPr b="0" lang="en-US" sz="4400" spc="-1" strike="noStrike">
-              <a:solidFill>
-                <a:srgbClr val="ffffff"/>
-              </a:solidFill>
               <a:latin typeface="Arial"/>
             </a:endParaRPr>
           </a:p>
@@ -170,8 +166,8 @@
         </p:nvSpPr>
         <p:spPr>
           <a:xfrm>
-            <a:off x="504000" y="2376000"/>
-            <a:ext cx="9071640" cy="1313640"/>
+            <a:off x="504000" y="1326600"/>
+            <a:ext cx="9072000" cy="1568520"/>
           </a:xfrm>
           <a:prstGeom prst="rect">
             <a:avLst/>
@@ -186,10 +182,7 @@
             <a:normAutofit/>
           </a:bodyPr>
           <a:p>
-            <a:endParaRPr b="0" lang="en-US" sz="3150" spc="-1" strike="noStrike">
-              <a:solidFill>
-                <a:srgbClr val="ffffff"/>
-              </a:solidFill>
+            <a:endParaRPr b="0" lang="en-US" sz="3200" spc="-1" strike="noStrike">
               <a:latin typeface="Arial"/>
             </a:endParaRPr>
           </a:p>
@@ -207,8 +200,8 @@
         </p:nvSpPr>
         <p:spPr>
           <a:xfrm>
-            <a:off x="504000" y="3814920"/>
-            <a:ext cx="9071640" cy="1313640"/>
+            <a:off x="504000" y="3044520"/>
+            <a:ext cx="9072000" cy="1568520"/>
           </a:xfrm>
           <a:prstGeom prst="rect">
             <a:avLst/>
@@ -223,10 +216,7 @@
             <a:normAutofit/>
           </a:bodyPr>
           <a:p>
-            <a:endParaRPr b="0" lang="en-US" sz="3150" spc="-1" strike="noStrike">
-              <a:solidFill>
-                <a:srgbClr val="ffffff"/>
-              </a:solidFill>
+            <a:endParaRPr b="0" lang="en-US" sz="3200" spc="-1" strike="noStrike">
               <a:latin typeface="Arial"/>
             </a:endParaRPr>
           </a:p>
@@ -239,7 +229,7 @@
             <a:spLocks noGrp="1"/>
           </p:cNvSpPr>
           <p:nvPr>
-            <p:ph type="ftr" idx="2"/>
+            <p:ph type="ftr" idx="1"/>
           </p:nvPr>
         </p:nvSpPr>
         <p:spPr/>
@@ -259,14 +249,14 @@
             <a:spLocks noGrp="1"/>
           </p:cNvSpPr>
           <p:nvPr>
-            <p:ph type="sldNum" idx="3"/>
-          </p:nvPr>
-        </p:nvSpPr>
-        <p:spPr/>
-        <p:txBody>
-          <a:bodyPr/>
-          <a:p>
-            <a:fld id="{719A1F77-9202-4FA8-B8BD-294B68FF7142}" type="slidenum">
+            <p:ph type="sldNum" idx="2"/>
+          </p:nvPr>
+        </p:nvSpPr>
+        <p:spPr/>
+        <p:txBody>
+          <a:bodyPr/>
+          <a:p>
+            <a:fld id="{3BFC48DF-B6C1-4EDC-928F-64FD973B00D6}" type="slidenum">
               <a:t>&lt;#&gt;</a:t>
             </a:fld>
           </a:p>
@@ -279,7 +269,7 @@
             <a:spLocks noGrp="1"/>
           </p:cNvSpPr>
           <p:nvPr>
-            <p:ph type="dt" idx="1"/>
+            <p:ph type="dt" idx="3"/>
           </p:nvPr>
         </p:nvSpPr>
         <p:spPr/>
@@ -327,8 +317,8 @@
         </p:nvSpPr>
         <p:spPr>
           <a:xfrm>
-            <a:off x="504000" y="810000"/>
-            <a:ext cx="9071640" cy="1296000"/>
+            <a:off x="504000" y="226080"/>
+            <a:ext cx="9072000" cy="946440"/>
           </a:xfrm>
           <a:prstGeom prst="rect">
             <a:avLst/>
@@ -347,9 +337,6 @@
               <a:buNone/>
             </a:pPr>
             <a:endParaRPr b="0" lang="en-US" sz="4400" spc="-1" strike="noStrike">
-              <a:solidFill>
-                <a:srgbClr val="ffffff"/>
-              </a:solidFill>
               <a:latin typeface="Arial"/>
             </a:endParaRPr>
           </a:p>
@@ -367,8 +354,8 @@
         </p:nvSpPr>
         <p:spPr>
           <a:xfrm>
-            <a:off x="504000" y="2376000"/>
-            <a:ext cx="4426920" cy="1313640"/>
+            <a:off x="504000" y="1326600"/>
+            <a:ext cx="4426920" cy="1568520"/>
           </a:xfrm>
           <a:prstGeom prst="rect">
             <a:avLst/>
@@ -383,10 +370,7 @@
             <a:normAutofit/>
           </a:bodyPr>
           <a:p>
-            <a:endParaRPr b="0" lang="en-US" sz="3150" spc="-1" strike="noStrike">
-              <a:solidFill>
-                <a:srgbClr val="ffffff"/>
-              </a:solidFill>
+            <a:endParaRPr b="0" lang="en-US" sz="3200" spc="-1" strike="noStrike">
               <a:latin typeface="Arial"/>
             </a:endParaRPr>
           </a:p>
@@ -404,8 +388,8 @@
         </p:nvSpPr>
         <p:spPr>
           <a:xfrm>
-            <a:off x="5152680" y="2376000"/>
-            <a:ext cx="4426920" cy="1313640"/>
+            <a:off x="5152680" y="1326600"/>
+            <a:ext cx="4426920" cy="1568520"/>
           </a:xfrm>
           <a:prstGeom prst="rect">
             <a:avLst/>
@@ -420,10 +404,7 @@
             <a:normAutofit/>
           </a:bodyPr>
           <a:p>
-            <a:endParaRPr b="0" lang="en-US" sz="3150" spc="-1" strike="noStrike">
-              <a:solidFill>
-                <a:srgbClr val="ffffff"/>
-              </a:solidFill>
+            <a:endParaRPr b="0" lang="en-US" sz="3200" spc="-1" strike="noStrike">
               <a:latin typeface="Arial"/>
             </a:endParaRPr>
           </a:p>
@@ -441,8 +422,8 @@
         </p:nvSpPr>
         <p:spPr>
           <a:xfrm>
-            <a:off x="504000" y="3814920"/>
-            <a:ext cx="4426920" cy="1313640"/>
+            <a:off x="504000" y="3044520"/>
+            <a:ext cx="4426920" cy="1568520"/>
           </a:xfrm>
           <a:prstGeom prst="rect">
             <a:avLst/>
@@ -457,10 +438,7 @@
             <a:normAutofit/>
           </a:bodyPr>
           <a:p>
-            <a:endParaRPr b="0" lang="en-US" sz="3150" spc="-1" strike="noStrike">
-              <a:solidFill>
-                <a:srgbClr val="ffffff"/>
-              </a:solidFill>
+            <a:endParaRPr b="0" lang="en-US" sz="3200" spc="-1" strike="noStrike">
               <a:latin typeface="Arial"/>
             </a:endParaRPr>
           </a:p>
@@ -478,8 +456,8 @@
         </p:nvSpPr>
         <p:spPr>
           <a:xfrm>
-            <a:off x="5152680" y="3814920"/>
-            <a:ext cx="4426920" cy="1313640"/>
+            <a:off x="5152680" y="3044520"/>
+            <a:ext cx="4426920" cy="1568520"/>
           </a:xfrm>
           <a:prstGeom prst="rect">
             <a:avLst/>
@@ -494,10 +472,7 @@
             <a:normAutofit/>
           </a:bodyPr>
           <a:p>
-            <a:endParaRPr b="0" lang="en-US" sz="3150" spc="-1" strike="noStrike">
-              <a:solidFill>
-                <a:srgbClr val="ffffff"/>
-              </a:solidFill>
+            <a:endParaRPr b="0" lang="en-US" sz="3200" spc="-1" strike="noStrike">
               <a:latin typeface="Arial"/>
             </a:endParaRPr>
           </a:p>
@@ -510,7 +485,7 @@
             <a:spLocks noGrp="1"/>
           </p:cNvSpPr>
           <p:nvPr>
-            <p:ph type="ftr" idx="2"/>
+            <p:ph type="ftr" idx="1"/>
           </p:nvPr>
         </p:nvSpPr>
         <p:spPr/>
@@ -530,14 +505,14 @@
             <a:spLocks noGrp="1"/>
           </p:cNvSpPr>
           <p:nvPr>
-            <p:ph type="sldNum" idx="3"/>
-          </p:nvPr>
-        </p:nvSpPr>
-        <p:spPr/>
-        <p:txBody>
-          <a:bodyPr/>
-          <a:p>
-            <a:fld id="{50B15431-2684-4658-8A4C-F9B1949C29D0}" type="slidenum">
+            <p:ph type="sldNum" idx="2"/>
+          </p:nvPr>
+        </p:nvSpPr>
+        <p:spPr/>
+        <p:txBody>
+          <a:bodyPr/>
+          <a:p>
+            <a:fld id="{804EBCDB-BD30-4656-BF91-9A0B2DA2EB38}" type="slidenum">
               <a:t>&lt;#&gt;</a:t>
             </a:fld>
           </a:p>
@@ -550,7 +525,7 @@
             <a:spLocks noGrp="1"/>
           </p:cNvSpPr>
           <p:nvPr>
-            <p:ph type="dt" idx="1"/>
+            <p:ph type="dt" idx="3"/>
           </p:nvPr>
         </p:nvSpPr>
         <p:spPr/>
@@ -598,8 +573,8 @@
         </p:nvSpPr>
         <p:spPr>
           <a:xfrm>
-            <a:off x="504000" y="810000"/>
-            <a:ext cx="9071640" cy="1296000"/>
+            <a:off x="504000" y="226080"/>
+            <a:ext cx="9072000" cy="946440"/>
           </a:xfrm>
           <a:prstGeom prst="rect">
             <a:avLst/>
@@ -618,9 +593,6 @@
               <a:buNone/>
             </a:pPr>
             <a:endParaRPr b="0" lang="en-US" sz="4400" spc="-1" strike="noStrike">
-              <a:solidFill>
-                <a:srgbClr val="ffffff"/>
-              </a:solidFill>
               <a:latin typeface="Arial"/>
             </a:endParaRPr>
           </a:p>
@@ -638,8 +610,8 @@
         </p:nvSpPr>
         <p:spPr>
           <a:xfrm>
-            <a:off x="504000" y="2376000"/>
-            <a:ext cx="2920680" cy="1313640"/>
+            <a:off x="504000" y="1326600"/>
+            <a:ext cx="2921040" cy="1568520"/>
           </a:xfrm>
           <a:prstGeom prst="rect">
             <a:avLst/>
@@ -654,10 +626,7 @@
             <a:normAutofit/>
           </a:bodyPr>
           <a:p>
-            <a:endParaRPr b="0" lang="en-US" sz="3150" spc="-1" strike="noStrike">
-              <a:solidFill>
-                <a:srgbClr val="ffffff"/>
-              </a:solidFill>
+            <a:endParaRPr b="0" lang="en-US" sz="3200" spc="-1" strike="noStrike">
               <a:latin typeface="Arial"/>
             </a:endParaRPr>
           </a:p>
@@ -675,8 +644,8 @@
         </p:nvSpPr>
         <p:spPr>
           <a:xfrm>
-            <a:off x="3571200" y="2376000"/>
-            <a:ext cx="2920680" cy="1313640"/>
+            <a:off x="3571560" y="1326600"/>
+            <a:ext cx="2921040" cy="1568520"/>
           </a:xfrm>
           <a:prstGeom prst="rect">
             <a:avLst/>
@@ -691,10 +660,7 @@
             <a:normAutofit/>
           </a:bodyPr>
           <a:p>
-            <a:endParaRPr b="0" lang="en-US" sz="3150" spc="-1" strike="noStrike">
-              <a:solidFill>
-                <a:srgbClr val="ffffff"/>
-              </a:solidFill>
+            <a:endParaRPr b="0" lang="en-US" sz="3200" spc="-1" strike="noStrike">
               <a:latin typeface="Arial"/>
             </a:endParaRPr>
           </a:p>
@@ -712,8 +678,8 @@
         </p:nvSpPr>
         <p:spPr>
           <a:xfrm>
-            <a:off x="6638040" y="2376000"/>
-            <a:ext cx="2920680" cy="1313640"/>
+            <a:off x="6639120" y="1326600"/>
+            <a:ext cx="2921040" cy="1568520"/>
           </a:xfrm>
           <a:prstGeom prst="rect">
             <a:avLst/>
@@ -728,10 +694,7 @@
             <a:normAutofit/>
           </a:bodyPr>
           <a:p>
-            <a:endParaRPr b="0" lang="en-US" sz="3150" spc="-1" strike="noStrike">
-              <a:solidFill>
-                <a:srgbClr val="ffffff"/>
-              </a:solidFill>
+            <a:endParaRPr b="0" lang="en-US" sz="3200" spc="-1" strike="noStrike">
               <a:latin typeface="Arial"/>
             </a:endParaRPr>
           </a:p>
@@ -749,8 +712,8 @@
         </p:nvSpPr>
         <p:spPr>
           <a:xfrm>
-            <a:off x="504000" y="3814920"/>
-            <a:ext cx="2920680" cy="1313640"/>
+            <a:off x="504000" y="3044520"/>
+            <a:ext cx="2921040" cy="1568520"/>
           </a:xfrm>
           <a:prstGeom prst="rect">
             <a:avLst/>
@@ -765,10 +728,7 @@
             <a:normAutofit/>
           </a:bodyPr>
           <a:p>
-            <a:endParaRPr b="0" lang="en-US" sz="3150" spc="-1" strike="noStrike">
-              <a:solidFill>
-                <a:srgbClr val="ffffff"/>
-              </a:solidFill>
+            <a:endParaRPr b="0" lang="en-US" sz="3200" spc="-1" strike="noStrike">
               <a:latin typeface="Arial"/>
             </a:endParaRPr>
           </a:p>
@@ -786,8 +746,8 @@
         </p:nvSpPr>
         <p:spPr>
           <a:xfrm>
-            <a:off x="3571200" y="3814920"/>
-            <a:ext cx="2920680" cy="1313640"/>
+            <a:off x="3571560" y="3044520"/>
+            <a:ext cx="2921040" cy="1568520"/>
           </a:xfrm>
           <a:prstGeom prst="rect">
             <a:avLst/>
@@ -802,10 +762,7 @@
             <a:normAutofit/>
           </a:bodyPr>
           <a:p>
-            <a:endParaRPr b="0" lang="en-US" sz="3150" spc="-1" strike="noStrike">
-              <a:solidFill>
-                <a:srgbClr val="ffffff"/>
-              </a:solidFill>
+            <a:endParaRPr b="0" lang="en-US" sz="3200" spc="-1" strike="noStrike">
               <a:latin typeface="Arial"/>
             </a:endParaRPr>
           </a:p>
@@ -823,8 +780,8 @@
         </p:nvSpPr>
         <p:spPr>
           <a:xfrm>
-            <a:off x="6638040" y="3814920"/>
-            <a:ext cx="2920680" cy="1313640"/>
+            <a:off x="6639120" y="3044520"/>
+            <a:ext cx="2921040" cy="1568520"/>
           </a:xfrm>
           <a:prstGeom prst="rect">
             <a:avLst/>
@@ -839,10 +796,7 @@
             <a:normAutofit/>
           </a:bodyPr>
           <a:p>
-            <a:endParaRPr b="0" lang="en-US" sz="3150" spc="-1" strike="noStrike">
-              <a:solidFill>
-                <a:srgbClr val="ffffff"/>
-              </a:solidFill>
+            <a:endParaRPr b="0" lang="en-US" sz="3200" spc="-1" strike="noStrike">
               <a:latin typeface="Arial"/>
             </a:endParaRPr>
           </a:p>
@@ -855,7 +809,7 @@
             <a:spLocks noGrp="1"/>
           </p:cNvSpPr>
           <p:nvPr>
-            <p:ph type="ftr" idx="2"/>
+            <p:ph type="ftr" idx="1"/>
           </p:nvPr>
         </p:nvSpPr>
         <p:spPr/>
@@ -875,14 +829,14 @@
             <a:spLocks noGrp="1"/>
           </p:cNvSpPr>
           <p:nvPr>
-            <p:ph type="sldNum" idx="3"/>
-          </p:nvPr>
-        </p:nvSpPr>
-        <p:spPr/>
-        <p:txBody>
-          <a:bodyPr/>
-          <a:p>
-            <a:fld id="{0E6AA7BF-36EE-4405-8DC1-324E74F41BF8}" type="slidenum">
+            <p:ph type="sldNum" idx="2"/>
+          </p:nvPr>
+        </p:nvSpPr>
+        <p:spPr/>
+        <p:txBody>
+          <a:bodyPr/>
+          <a:p>
+            <a:fld id="{AF9D57B4-F51C-4CBD-9871-815CAE4090B7}" type="slidenum">
               <a:t>&lt;#&gt;</a:t>
             </a:fld>
           </a:p>
@@ -895,7 +849,7 @@
             <a:spLocks noGrp="1"/>
           </p:cNvSpPr>
           <p:nvPr>
-            <p:ph type="dt" idx="1"/>
+            <p:ph type="dt" idx="3"/>
           </p:nvPr>
         </p:nvSpPr>
         <p:spPr/>
@@ -938,7 +892,7 @@
             <a:spLocks noGrp="1"/>
           </p:cNvSpPr>
           <p:nvPr>
-            <p:ph type="ftr" idx="5"/>
+            <p:ph type="ftr" idx="4"/>
           </p:nvPr>
         </p:nvSpPr>
         <p:spPr/>
@@ -958,14 +912,14 @@
             <a:spLocks noGrp="1"/>
           </p:cNvSpPr>
           <p:nvPr>
-            <p:ph type="sldNum" idx="6"/>
-          </p:nvPr>
-        </p:nvSpPr>
-        <p:spPr/>
-        <p:txBody>
-          <a:bodyPr/>
-          <a:p>
-            <a:fld id="{545F8F3C-1281-4143-9B70-46378A3FDACE}" type="slidenum">
+            <p:ph type="sldNum" idx="5"/>
+          </p:nvPr>
+        </p:nvSpPr>
+        <p:spPr/>
+        <p:txBody>
+          <a:bodyPr/>
+          <a:p>
+            <a:fld id="{6125D686-4D86-4F8E-8519-826316CBEA2A}" type="slidenum">
               <a:t>&lt;#&gt;</a:t>
             </a:fld>
           </a:p>
@@ -978,7 +932,7 @@
             <a:spLocks noGrp="1"/>
           </p:cNvSpPr>
           <p:nvPr>
-            <p:ph type="dt" idx="4"/>
+            <p:ph type="dt" idx="6"/>
           </p:nvPr>
         </p:nvSpPr>
         <p:spPr/>
@@ -1026,8 +980,8 @@
         </p:nvSpPr>
         <p:spPr>
           <a:xfrm>
-            <a:off x="504000" y="810000"/>
-            <a:ext cx="9071640" cy="1296000"/>
+            <a:off x="504000" y="226080"/>
+            <a:ext cx="9072000" cy="946440"/>
           </a:xfrm>
           <a:prstGeom prst="rect">
             <a:avLst/>
@@ -1046,9 +1000,6 @@
               <a:buNone/>
             </a:pPr>
             <a:endParaRPr b="0" lang="en-US" sz="4400" spc="-1" strike="noStrike">
-              <a:solidFill>
-                <a:srgbClr val="ffffff"/>
-              </a:solidFill>
               <a:latin typeface="Arial"/>
             </a:endParaRPr>
           </a:p>
@@ -1066,8 +1017,8 @@
         </p:nvSpPr>
         <p:spPr>
           <a:xfrm>
-            <a:off x="504000" y="2376000"/>
-            <a:ext cx="9071640" cy="2754000"/>
+            <a:off x="504000" y="1326600"/>
+            <a:ext cx="9072000" cy="3288600"/>
           </a:xfrm>
           <a:prstGeom prst="rect">
             <a:avLst/>
@@ -1086,9 +1037,6 @@
               <a:buNone/>
             </a:pPr>
             <a:endParaRPr b="0" lang="en-US" sz="3200" spc="-1" strike="noStrike">
-              <a:solidFill>
-                <a:srgbClr val="ffffff"/>
-              </a:solidFill>
               <a:latin typeface="Arial"/>
             </a:endParaRPr>
           </a:p>
@@ -1101,7 +1049,7 @@
             <a:spLocks noGrp="1"/>
           </p:cNvSpPr>
           <p:nvPr>
-            <p:ph type="ftr" idx="5"/>
+            <p:ph type="ftr" idx="4"/>
           </p:nvPr>
         </p:nvSpPr>
         <p:spPr/>
@@ -1121,14 +1069,14 @@
             <a:spLocks noGrp="1"/>
           </p:cNvSpPr>
           <p:nvPr>
-            <p:ph type="sldNum" idx="6"/>
-          </p:nvPr>
-        </p:nvSpPr>
-        <p:spPr/>
-        <p:txBody>
-          <a:bodyPr/>
-          <a:p>
-            <a:fld id="{431F012D-38FD-46D1-BEFD-6A48F244927E}" type="slidenum">
+            <p:ph type="sldNum" idx="5"/>
+          </p:nvPr>
+        </p:nvSpPr>
+        <p:spPr/>
+        <p:txBody>
+          <a:bodyPr/>
+          <a:p>
+            <a:fld id="{9E58BBFF-7D32-4385-8635-06ABFD86FAA6}" type="slidenum">
               <a:t>&lt;#&gt;</a:t>
             </a:fld>
           </a:p>
@@ -1141,7 +1089,7 @@
             <a:spLocks noGrp="1"/>
           </p:cNvSpPr>
           <p:nvPr>
-            <p:ph type="dt" idx="4"/>
+            <p:ph type="dt" idx="6"/>
           </p:nvPr>
         </p:nvSpPr>
         <p:spPr/>
@@ -1189,8 +1137,8 @@
         </p:nvSpPr>
         <p:spPr>
           <a:xfrm>
-            <a:off x="504000" y="810000"/>
-            <a:ext cx="9071640" cy="1296000"/>
+            <a:off x="504000" y="226080"/>
+            <a:ext cx="9072000" cy="946440"/>
           </a:xfrm>
           <a:prstGeom prst="rect">
             <a:avLst/>
@@ -1209,9 +1157,6 @@
               <a:buNone/>
             </a:pPr>
             <a:endParaRPr b="0" lang="en-US" sz="4400" spc="-1" strike="noStrike">
-              <a:solidFill>
-                <a:srgbClr val="ffffff"/>
-              </a:solidFill>
               <a:latin typeface="Arial"/>
             </a:endParaRPr>
           </a:p>
@@ -1229,8 +1174,8 @@
         </p:nvSpPr>
         <p:spPr>
           <a:xfrm>
-            <a:off x="504000" y="2376000"/>
-            <a:ext cx="9071640" cy="2754000"/>
+            <a:off x="504000" y="1326600"/>
+            <a:ext cx="9072000" cy="3288600"/>
           </a:xfrm>
           <a:prstGeom prst="rect">
             <a:avLst/>
@@ -1245,10 +1190,7 @@
             <a:normAutofit/>
           </a:bodyPr>
           <a:p>
-            <a:endParaRPr b="0" lang="en-US" sz="3150" spc="-1" strike="noStrike">
-              <a:solidFill>
-                <a:srgbClr val="ffffff"/>
-              </a:solidFill>
+            <a:endParaRPr b="0" lang="en-US" sz="3200" spc="-1" strike="noStrike">
               <a:latin typeface="Arial"/>
             </a:endParaRPr>
           </a:p>
@@ -1261,7 +1203,7 @@
             <a:spLocks noGrp="1"/>
           </p:cNvSpPr>
           <p:nvPr>
-            <p:ph type="ftr" idx="5"/>
+            <p:ph type="ftr" idx="4"/>
           </p:nvPr>
         </p:nvSpPr>
         <p:spPr/>
@@ -1281,14 +1223,14 @@
             <a:spLocks noGrp="1"/>
           </p:cNvSpPr>
           <p:nvPr>
-            <p:ph type="sldNum" idx="6"/>
-          </p:nvPr>
-        </p:nvSpPr>
-        <p:spPr/>
-        <p:txBody>
-          <a:bodyPr/>
-          <a:p>
-            <a:fld id="{9D59E2FE-1ED6-498C-A8CE-C847943F97B2}" type="slidenum">
+            <p:ph type="sldNum" idx="5"/>
+          </p:nvPr>
+        </p:nvSpPr>
+        <p:spPr/>
+        <p:txBody>
+          <a:bodyPr/>
+          <a:p>
+            <a:fld id="{33677BB1-43B4-4F84-A81B-DCF2F39ECA64}" type="slidenum">
               <a:t>&lt;#&gt;</a:t>
             </a:fld>
           </a:p>
@@ -1301,7 +1243,7 @@
             <a:spLocks noGrp="1"/>
           </p:cNvSpPr>
           <p:nvPr>
-            <p:ph type="dt" idx="4"/>
+            <p:ph type="dt" idx="6"/>
           </p:nvPr>
         </p:nvSpPr>
         <p:spPr/>
@@ -1349,8 +1291,8 @@
         </p:nvSpPr>
         <p:spPr>
           <a:xfrm>
-            <a:off x="504000" y="810000"/>
-            <a:ext cx="9071640" cy="1296000"/>
+            <a:off x="504000" y="226080"/>
+            <a:ext cx="9072000" cy="946440"/>
           </a:xfrm>
           <a:prstGeom prst="rect">
             <a:avLst/>
@@ -1369,9 +1311,6 @@
               <a:buNone/>
             </a:pPr>
             <a:endParaRPr b="0" lang="en-US" sz="4400" spc="-1" strike="noStrike">
-              <a:solidFill>
-                <a:srgbClr val="ffffff"/>
-              </a:solidFill>
               <a:latin typeface="Arial"/>
             </a:endParaRPr>
           </a:p>
@@ -1389,8 +1328,8 @@
         </p:nvSpPr>
         <p:spPr>
           <a:xfrm>
-            <a:off x="504000" y="2376000"/>
-            <a:ext cx="4426920" cy="2754000"/>
+            <a:off x="504000" y="1326600"/>
+            <a:ext cx="4426920" cy="3288600"/>
           </a:xfrm>
           <a:prstGeom prst="rect">
             <a:avLst/>
@@ -1405,10 +1344,7 @@
             <a:normAutofit/>
           </a:bodyPr>
           <a:p>
-            <a:endParaRPr b="0" lang="en-US" sz="3150" spc="-1" strike="noStrike">
-              <a:solidFill>
-                <a:srgbClr val="ffffff"/>
-              </a:solidFill>
+            <a:endParaRPr b="0" lang="en-US" sz="3200" spc="-1" strike="noStrike">
               <a:latin typeface="Arial"/>
             </a:endParaRPr>
           </a:p>
@@ -1426,8 +1362,8 @@
         </p:nvSpPr>
         <p:spPr>
           <a:xfrm>
-            <a:off x="5152680" y="2376000"/>
-            <a:ext cx="4426920" cy="2754000"/>
+            <a:off x="5152680" y="1326600"/>
+            <a:ext cx="4426920" cy="3288600"/>
           </a:xfrm>
           <a:prstGeom prst="rect">
             <a:avLst/>
@@ -1442,10 +1378,7 @@
             <a:normAutofit/>
           </a:bodyPr>
           <a:p>
-            <a:endParaRPr b="0" lang="en-US" sz="3150" spc="-1" strike="noStrike">
-              <a:solidFill>
-                <a:srgbClr val="ffffff"/>
-              </a:solidFill>
+            <a:endParaRPr b="0" lang="en-US" sz="3200" spc="-1" strike="noStrike">
               <a:latin typeface="Arial"/>
             </a:endParaRPr>
           </a:p>
@@ -1458,7 +1391,7 @@
             <a:spLocks noGrp="1"/>
           </p:cNvSpPr>
           <p:nvPr>
-            <p:ph type="ftr" idx="5"/>
+            <p:ph type="ftr" idx="4"/>
           </p:nvPr>
         </p:nvSpPr>
         <p:spPr/>
@@ -1478,14 +1411,14 @@
             <a:spLocks noGrp="1"/>
           </p:cNvSpPr>
           <p:nvPr>
-            <p:ph type="sldNum" idx="6"/>
-          </p:nvPr>
-        </p:nvSpPr>
-        <p:spPr/>
-        <p:txBody>
-          <a:bodyPr/>
-          <a:p>
-            <a:fld id="{92666FD4-2897-4E85-84CD-D8B401039476}" type="slidenum">
+            <p:ph type="sldNum" idx="5"/>
+          </p:nvPr>
+        </p:nvSpPr>
+        <p:spPr/>
+        <p:txBody>
+          <a:bodyPr/>
+          <a:p>
+            <a:fld id="{7DCCD6E8-F155-44D4-B169-22C5A0E67080}" type="slidenum">
               <a:t>&lt;#&gt;</a:t>
             </a:fld>
           </a:p>
@@ -1498,7 +1431,7 @@
             <a:spLocks noGrp="1"/>
           </p:cNvSpPr>
           <p:nvPr>
-            <p:ph type="dt" idx="4"/>
+            <p:ph type="dt" idx="6"/>
           </p:nvPr>
         </p:nvSpPr>
         <p:spPr/>
@@ -1546,8 +1479,8 @@
         </p:nvSpPr>
         <p:spPr>
           <a:xfrm>
-            <a:off x="504000" y="810000"/>
-            <a:ext cx="9071640" cy="1296000"/>
+            <a:off x="504000" y="226080"/>
+            <a:ext cx="9072000" cy="946440"/>
           </a:xfrm>
           <a:prstGeom prst="rect">
             <a:avLst/>
@@ -1566,9 +1499,6 @@
               <a:buNone/>
             </a:pPr>
             <a:endParaRPr b="0" lang="en-US" sz="4400" spc="-1" strike="noStrike">
-              <a:solidFill>
-                <a:srgbClr val="ffffff"/>
-              </a:solidFill>
               <a:latin typeface="Arial"/>
             </a:endParaRPr>
           </a:p>
@@ -1581,7 +1511,7 @@
             <a:spLocks noGrp="1"/>
           </p:cNvSpPr>
           <p:nvPr>
-            <p:ph type="ftr" idx="5"/>
+            <p:ph type="ftr" idx="4"/>
           </p:nvPr>
         </p:nvSpPr>
         <p:spPr/>
@@ -1601,14 +1531,14 @@
             <a:spLocks noGrp="1"/>
           </p:cNvSpPr>
           <p:nvPr>
-            <p:ph type="sldNum" idx="6"/>
-          </p:nvPr>
-        </p:nvSpPr>
-        <p:spPr/>
-        <p:txBody>
-          <a:bodyPr/>
-          <a:p>
-            <a:fld id="{BE1AC82B-4F55-4917-AEC3-F109FF081685}" type="slidenum">
+            <p:ph type="sldNum" idx="5"/>
+          </p:nvPr>
+        </p:nvSpPr>
+        <p:spPr/>
+        <p:txBody>
+          <a:bodyPr/>
+          <a:p>
+            <a:fld id="{2A8090BA-FF7F-4A01-B08E-71269443B8F5}" type="slidenum">
               <a:t>&lt;#&gt;</a:t>
             </a:fld>
           </a:p>
@@ -1621,7 +1551,7 @@
             <a:spLocks noGrp="1"/>
           </p:cNvSpPr>
           <p:nvPr>
-            <p:ph type="dt" idx="4"/>
+            <p:ph type="dt" idx="6"/>
           </p:nvPr>
         </p:nvSpPr>
         <p:spPr/>
@@ -1669,8 +1599,8 @@
         </p:nvSpPr>
         <p:spPr>
           <a:xfrm>
-            <a:off x="504000" y="810000"/>
-            <a:ext cx="9071640" cy="6008760"/>
+            <a:off x="504000" y="226080"/>
+            <a:ext cx="9072000" cy="4388400"/>
           </a:xfrm>
           <a:prstGeom prst="rect">
             <a:avLst/>
@@ -1689,9 +1619,6 @@
               <a:buNone/>
             </a:pPr>
             <a:endParaRPr b="0" lang="en-US" sz="3200" spc="-1" strike="noStrike">
-              <a:solidFill>
-                <a:srgbClr val="ffffff"/>
-              </a:solidFill>
               <a:latin typeface="Arial"/>
             </a:endParaRPr>
           </a:p>
@@ -1704,7 +1631,7 @@
             <a:spLocks noGrp="1"/>
           </p:cNvSpPr>
           <p:nvPr>
-            <p:ph type="ftr" idx="5"/>
+            <p:ph type="ftr" idx="4"/>
           </p:nvPr>
         </p:nvSpPr>
         <p:spPr/>
@@ -1724,14 +1651,14 @@
             <a:spLocks noGrp="1"/>
           </p:cNvSpPr>
           <p:nvPr>
-            <p:ph type="sldNum" idx="6"/>
-          </p:nvPr>
-        </p:nvSpPr>
-        <p:spPr/>
-        <p:txBody>
-          <a:bodyPr/>
-          <a:p>
-            <a:fld id="{B0D412C7-A38E-4189-9B5E-2472B2F25652}" type="slidenum">
+            <p:ph type="sldNum" idx="5"/>
+          </p:nvPr>
+        </p:nvSpPr>
+        <p:spPr/>
+        <p:txBody>
+          <a:bodyPr/>
+          <a:p>
+            <a:fld id="{BA498A94-F54B-4123-85AA-E9C12A76ADA6}" type="slidenum">
               <a:t>&lt;#&gt;</a:t>
             </a:fld>
           </a:p>
@@ -1744,7 +1671,7 @@
             <a:spLocks noGrp="1"/>
           </p:cNvSpPr>
           <p:nvPr>
-            <p:ph type="dt" idx="4"/>
+            <p:ph type="dt" idx="6"/>
           </p:nvPr>
         </p:nvSpPr>
         <p:spPr/>
@@ -1792,8 +1719,8 @@
         </p:nvSpPr>
         <p:spPr>
           <a:xfrm>
-            <a:off x="504000" y="810000"/>
-            <a:ext cx="9071640" cy="1296000"/>
+            <a:off x="504000" y="226080"/>
+            <a:ext cx="9072000" cy="946440"/>
           </a:xfrm>
           <a:prstGeom prst="rect">
             <a:avLst/>
@@ -1812,9 +1739,6 @@
               <a:buNone/>
             </a:pPr>
             <a:endParaRPr b="0" lang="en-US" sz="4400" spc="-1" strike="noStrike">
-              <a:solidFill>
-                <a:srgbClr val="ffffff"/>
-              </a:solidFill>
               <a:latin typeface="Arial"/>
             </a:endParaRPr>
           </a:p>
@@ -1832,8 +1756,8 @@
         </p:nvSpPr>
         <p:spPr>
           <a:xfrm>
-            <a:off x="504000" y="2376000"/>
-            <a:ext cx="4426920" cy="1313640"/>
+            <a:off x="504000" y="1326600"/>
+            <a:ext cx="4426920" cy="1568520"/>
           </a:xfrm>
           <a:prstGeom prst="rect">
             <a:avLst/>
@@ -1848,10 +1772,7 @@
             <a:normAutofit/>
           </a:bodyPr>
           <a:p>
-            <a:endParaRPr b="0" lang="en-US" sz="3150" spc="-1" strike="noStrike">
-              <a:solidFill>
-                <a:srgbClr val="ffffff"/>
-              </a:solidFill>
+            <a:endParaRPr b="0" lang="en-US" sz="3200" spc="-1" strike="noStrike">
               <a:latin typeface="Arial"/>
             </a:endParaRPr>
           </a:p>
@@ -1869,8 +1790,8 @@
         </p:nvSpPr>
         <p:spPr>
           <a:xfrm>
-            <a:off x="5152680" y="2376000"/>
-            <a:ext cx="4426920" cy="2754000"/>
+            <a:off x="5152680" y="1326600"/>
+            <a:ext cx="4426920" cy="3288600"/>
           </a:xfrm>
           <a:prstGeom prst="rect">
             <a:avLst/>
@@ -1885,10 +1806,7 @@
             <a:normAutofit/>
           </a:bodyPr>
           <a:p>
-            <a:endParaRPr b="0" lang="en-US" sz="3150" spc="-1" strike="noStrike">
-              <a:solidFill>
-                <a:srgbClr val="ffffff"/>
-              </a:solidFill>
+            <a:endParaRPr b="0" lang="en-US" sz="3200" spc="-1" strike="noStrike">
               <a:latin typeface="Arial"/>
             </a:endParaRPr>
           </a:p>
@@ -1906,8 +1824,8 @@
         </p:nvSpPr>
         <p:spPr>
           <a:xfrm>
-            <a:off x="504000" y="3814920"/>
-            <a:ext cx="4426920" cy="1313640"/>
+            <a:off x="504000" y="3044520"/>
+            <a:ext cx="4426920" cy="1568520"/>
           </a:xfrm>
           <a:prstGeom prst="rect">
             <a:avLst/>
@@ -1922,10 +1840,7 @@
             <a:normAutofit/>
           </a:bodyPr>
           <a:p>
-            <a:endParaRPr b="0" lang="en-US" sz="3150" spc="-1" strike="noStrike">
-              <a:solidFill>
-                <a:srgbClr val="ffffff"/>
-              </a:solidFill>
+            <a:endParaRPr b="0" lang="en-US" sz="3200" spc="-1" strike="noStrike">
               <a:latin typeface="Arial"/>
             </a:endParaRPr>
           </a:p>
@@ -1938,7 +1853,7 @@
             <a:spLocks noGrp="1"/>
           </p:cNvSpPr>
           <p:nvPr>
-            <p:ph type="ftr" idx="5"/>
+            <p:ph type="ftr" idx="4"/>
           </p:nvPr>
         </p:nvSpPr>
         <p:spPr/>
@@ -1958,14 +1873,14 @@
             <a:spLocks noGrp="1"/>
           </p:cNvSpPr>
           <p:nvPr>
-            <p:ph type="sldNum" idx="6"/>
-          </p:nvPr>
-        </p:nvSpPr>
-        <p:spPr/>
-        <p:txBody>
-          <a:bodyPr/>
-          <a:p>
-            <a:fld id="{894DE968-9223-4C77-9250-5FE2A77547F8}" type="slidenum">
+            <p:ph type="sldNum" idx="5"/>
+          </p:nvPr>
+        </p:nvSpPr>
+        <p:spPr/>
+        <p:txBody>
+          <a:bodyPr/>
+          <a:p>
+            <a:fld id="{865D17A4-9EAB-477D-808B-6865A7E5E3B8}" type="slidenum">
               <a:t>&lt;#&gt;</a:t>
             </a:fld>
           </a:p>
@@ -1978,7 +1893,7 @@
             <a:spLocks noGrp="1"/>
           </p:cNvSpPr>
           <p:nvPr>
-            <p:ph type="dt" idx="4"/>
+            <p:ph type="dt" idx="6"/>
           </p:nvPr>
         </p:nvSpPr>
         <p:spPr/>
@@ -2026,8 +1941,8 @@
         </p:nvSpPr>
         <p:spPr>
           <a:xfrm>
-            <a:off x="504000" y="810000"/>
-            <a:ext cx="9071640" cy="1296000"/>
+            <a:off x="504000" y="226080"/>
+            <a:ext cx="9072000" cy="946440"/>
           </a:xfrm>
           <a:prstGeom prst="rect">
             <a:avLst/>
@@ -2046,9 +1961,6 @@
               <a:buNone/>
             </a:pPr>
             <a:endParaRPr b="0" lang="en-US" sz="4400" spc="-1" strike="noStrike">
-              <a:solidFill>
-                <a:srgbClr val="ffffff"/>
-              </a:solidFill>
               <a:latin typeface="Arial"/>
             </a:endParaRPr>
           </a:p>
@@ -2066,8 +1978,8 @@
         </p:nvSpPr>
         <p:spPr>
           <a:xfrm>
-            <a:off x="504000" y="2376000"/>
-            <a:ext cx="9071640" cy="2754000"/>
+            <a:off x="504000" y="1326600"/>
+            <a:ext cx="9072000" cy="3288600"/>
           </a:xfrm>
           <a:prstGeom prst="rect">
             <a:avLst/>
@@ -2086,9 +1998,6 @@
               <a:buNone/>
             </a:pPr>
             <a:endParaRPr b="0" lang="en-US" sz="3200" spc="-1" strike="noStrike">
-              <a:solidFill>
-                <a:srgbClr val="ffffff"/>
-              </a:solidFill>
               <a:latin typeface="Arial"/>
             </a:endParaRPr>
           </a:p>
@@ -2101,7 +2010,7 @@
             <a:spLocks noGrp="1"/>
           </p:cNvSpPr>
           <p:nvPr>
-            <p:ph type="ftr" idx="2"/>
+            <p:ph type="ftr" idx="1"/>
           </p:nvPr>
         </p:nvSpPr>
         <p:spPr/>
@@ -2121,14 +2030,14 @@
             <a:spLocks noGrp="1"/>
           </p:cNvSpPr>
           <p:nvPr>
-            <p:ph type="sldNum" idx="3"/>
-          </p:nvPr>
-        </p:nvSpPr>
-        <p:spPr/>
-        <p:txBody>
-          <a:bodyPr/>
-          <a:p>
-            <a:fld id="{228450A7-4A2B-441E-B374-BC37516AC047}" type="slidenum">
+            <p:ph type="sldNum" idx="2"/>
+          </p:nvPr>
+        </p:nvSpPr>
+        <p:spPr/>
+        <p:txBody>
+          <a:bodyPr/>
+          <a:p>
+            <a:fld id="{3243D8F2-F5C3-4483-AA45-47B1747E6E48}" type="slidenum">
               <a:t>&lt;#&gt;</a:t>
             </a:fld>
           </a:p>
@@ -2141,7 +2050,7 @@
             <a:spLocks noGrp="1"/>
           </p:cNvSpPr>
           <p:nvPr>
-            <p:ph type="dt" idx="1"/>
+            <p:ph type="dt" idx="3"/>
           </p:nvPr>
         </p:nvSpPr>
         <p:spPr/>
@@ -2189,8 +2098,8 @@
         </p:nvSpPr>
         <p:spPr>
           <a:xfrm>
-            <a:off x="504000" y="810000"/>
-            <a:ext cx="9071640" cy="1296000"/>
+            <a:off x="504000" y="226080"/>
+            <a:ext cx="9072000" cy="946440"/>
           </a:xfrm>
           <a:prstGeom prst="rect">
             <a:avLst/>
@@ -2209,9 +2118,6 @@
               <a:buNone/>
             </a:pPr>
             <a:endParaRPr b="0" lang="en-US" sz="4400" spc="-1" strike="noStrike">
-              <a:solidFill>
-                <a:srgbClr val="ffffff"/>
-              </a:solidFill>
               <a:latin typeface="Arial"/>
             </a:endParaRPr>
           </a:p>
@@ -2229,8 +2135,8 @@
         </p:nvSpPr>
         <p:spPr>
           <a:xfrm>
-            <a:off x="504000" y="2376000"/>
-            <a:ext cx="4426920" cy="2754000"/>
+            <a:off x="504000" y="1326600"/>
+            <a:ext cx="4426920" cy="3288600"/>
           </a:xfrm>
           <a:prstGeom prst="rect">
             <a:avLst/>
@@ -2245,10 +2151,7 @@
             <a:normAutofit/>
           </a:bodyPr>
           <a:p>
-            <a:endParaRPr b="0" lang="en-US" sz="3150" spc="-1" strike="noStrike">
-              <a:solidFill>
-                <a:srgbClr val="ffffff"/>
-              </a:solidFill>
+            <a:endParaRPr b="0" lang="en-US" sz="3200" spc="-1" strike="noStrike">
               <a:latin typeface="Arial"/>
             </a:endParaRPr>
           </a:p>
@@ -2266,8 +2169,8 @@
         </p:nvSpPr>
         <p:spPr>
           <a:xfrm>
-            <a:off x="5152680" y="2376000"/>
-            <a:ext cx="4426920" cy="1313640"/>
+            <a:off x="5152680" y="1326600"/>
+            <a:ext cx="4426920" cy="1568520"/>
           </a:xfrm>
           <a:prstGeom prst="rect">
             <a:avLst/>
@@ -2282,10 +2185,7 @@
             <a:normAutofit/>
           </a:bodyPr>
           <a:p>
-            <a:endParaRPr b="0" lang="en-US" sz="3150" spc="-1" strike="noStrike">
-              <a:solidFill>
-                <a:srgbClr val="ffffff"/>
-              </a:solidFill>
+            <a:endParaRPr b="0" lang="en-US" sz="3200" spc="-1" strike="noStrike">
               <a:latin typeface="Arial"/>
             </a:endParaRPr>
           </a:p>
@@ -2303,8 +2203,8 @@
         </p:nvSpPr>
         <p:spPr>
           <a:xfrm>
-            <a:off x="5152680" y="3814920"/>
-            <a:ext cx="4426920" cy="1313640"/>
+            <a:off x="5152680" y="3044520"/>
+            <a:ext cx="4426920" cy="1568520"/>
           </a:xfrm>
           <a:prstGeom prst="rect">
             <a:avLst/>
@@ -2319,10 +2219,7 @@
             <a:normAutofit/>
           </a:bodyPr>
           <a:p>
-            <a:endParaRPr b="0" lang="en-US" sz="3150" spc="-1" strike="noStrike">
-              <a:solidFill>
-                <a:srgbClr val="ffffff"/>
-              </a:solidFill>
+            <a:endParaRPr b="0" lang="en-US" sz="3200" spc="-1" strike="noStrike">
               <a:latin typeface="Arial"/>
             </a:endParaRPr>
           </a:p>
@@ -2335,7 +2232,7 @@
             <a:spLocks noGrp="1"/>
           </p:cNvSpPr>
           <p:nvPr>
-            <p:ph type="ftr" idx="5"/>
+            <p:ph type="ftr" idx="4"/>
           </p:nvPr>
         </p:nvSpPr>
         <p:spPr/>
@@ -2355,14 +2252,14 @@
             <a:spLocks noGrp="1"/>
           </p:cNvSpPr>
           <p:nvPr>
-            <p:ph type="sldNum" idx="6"/>
-          </p:nvPr>
-        </p:nvSpPr>
-        <p:spPr/>
-        <p:txBody>
-          <a:bodyPr/>
-          <a:p>
-            <a:fld id="{9785589B-5B4C-428D-BA76-A54637AD963D}" type="slidenum">
+            <p:ph type="sldNum" idx="5"/>
+          </p:nvPr>
+        </p:nvSpPr>
+        <p:spPr/>
+        <p:txBody>
+          <a:bodyPr/>
+          <a:p>
+            <a:fld id="{DFD24B8A-4901-4348-B905-C190FF684945}" type="slidenum">
               <a:t>&lt;#&gt;</a:t>
             </a:fld>
           </a:p>
@@ -2375,7 +2272,7 @@
             <a:spLocks noGrp="1"/>
           </p:cNvSpPr>
           <p:nvPr>
-            <p:ph type="dt" idx="4"/>
+            <p:ph type="dt" idx="6"/>
           </p:nvPr>
         </p:nvSpPr>
         <p:spPr/>
@@ -2423,8 +2320,8 @@
         </p:nvSpPr>
         <p:spPr>
           <a:xfrm>
-            <a:off x="504000" y="810000"/>
-            <a:ext cx="9071640" cy="1296000"/>
+            <a:off x="504000" y="226080"/>
+            <a:ext cx="9072000" cy="946440"/>
           </a:xfrm>
           <a:prstGeom prst="rect">
             <a:avLst/>
@@ -2443,9 +2340,6 @@
               <a:buNone/>
             </a:pPr>
             <a:endParaRPr b="0" lang="en-US" sz="4400" spc="-1" strike="noStrike">
-              <a:solidFill>
-                <a:srgbClr val="ffffff"/>
-              </a:solidFill>
               <a:latin typeface="Arial"/>
             </a:endParaRPr>
           </a:p>
@@ -2463,8 +2357,8 @@
         </p:nvSpPr>
         <p:spPr>
           <a:xfrm>
-            <a:off x="504000" y="2376000"/>
-            <a:ext cx="4426920" cy="1313640"/>
+            <a:off x="504000" y="1326600"/>
+            <a:ext cx="4426920" cy="1568520"/>
           </a:xfrm>
           <a:prstGeom prst="rect">
             <a:avLst/>
@@ -2479,10 +2373,7 @@
             <a:normAutofit/>
           </a:bodyPr>
           <a:p>
-            <a:endParaRPr b="0" lang="en-US" sz="3150" spc="-1" strike="noStrike">
-              <a:solidFill>
-                <a:srgbClr val="ffffff"/>
-              </a:solidFill>
+            <a:endParaRPr b="0" lang="en-US" sz="3200" spc="-1" strike="noStrike">
               <a:latin typeface="Arial"/>
             </a:endParaRPr>
           </a:p>
@@ -2500,8 +2391,8 @@
         </p:nvSpPr>
         <p:spPr>
           <a:xfrm>
-            <a:off x="5152680" y="2376000"/>
-            <a:ext cx="4426920" cy="1313640"/>
+            <a:off x="5152680" y="1326600"/>
+            <a:ext cx="4426920" cy="1568520"/>
           </a:xfrm>
           <a:prstGeom prst="rect">
             <a:avLst/>
@@ -2516,10 +2407,7 @@
             <a:normAutofit/>
           </a:bodyPr>
           <a:p>
-            <a:endParaRPr b="0" lang="en-US" sz="3150" spc="-1" strike="noStrike">
-              <a:solidFill>
-                <a:srgbClr val="ffffff"/>
-              </a:solidFill>
+            <a:endParaRPr b="0" lang="en-US" sz="3200" spc="-1" strike="noStrike">
               <a:latin typeface="Arial"/>
             </a:endParaRPr>
           </a:p>
@@ -2537,8 +2425,8 @@
         </p:nvSpPr>
         <p:spPr>
           <a:xfrm>
-            <a:off x="504000" y="3814920"/>
-            <a:ext cx="9071640" cy="1313640"/>
+            <a:off x="504000" y="3044520"/>
+            <a:ext cx="9072000" cy="1568520"/>
           </a:xfrm>
           <a:prstGeom prst="rect">
             <a:avLst/>
@@ -2553,10 +2441,7 @@
             <a:normAutofit/>
           </a:bodyPr>
           <a:p>
-            <a:endParaRPr b="0" lang="en-US" sz="3150" spc="-1" strike="noStrike">
-              <a:solidFill>
-                <a:srgbClr val="ffffff"/>
-              </a:solidFill>
+            <a:endParaRPr b="0" lang="en-US" sz="3200" spc="-1" strike="noStrike">
               <a:latin typeface="Arial"/>
             </a:endParaRPr>
           </a:p>
@@ -2569,7 +2454,7 @@
             <a:spLocks noGrp="1"/>
           </p:cNvSpPr>
           <p:nvPr>
-            <p:ph type="ftr" idx="5"/>
+            <p:ph type="ftr" idx="4"/>
           </p:nvPr>
         </p:nvSpPr>
         <p:spPr/>
@@ -2589,14 +2474,14 @@
             <a:spLocks noGrp="1"/>
           </p:cNvSpPr>
           <p:nvPr>
-            <p:ph type="sldNum" idx="6"/>
-          </p:nvPr>
-        </p:nvSpPr>
-        <p:spPr/>
-        <p:txBody>
-          <a:bodyPr/>
-          <a:p>
-            <a:fld id="{75115F2C-98A0-41BA-B2AF-EAF3BF52ABE2}" type="slidenum">
+            <p:ph type="sldNum" idx="5"/>
+          </p:nvPr>
+        </p:nvSpPr>
+        <p:spPr/>
+        <p:txBody>
+          <a:bodyPr/>
+          <a:p>
+            <a:fld id="{48FE59C5-70C7-48EE-A1F7-9ABE29438961}" type="slidenum">
               <a:t>&lt;#&gt;</a:t>
             </a:fld>
           </a:p>
@@ -2609,7 +2494,7 @@
             <a:spLocks noGrp="1"/>
           </p:cNvSpPr>
           <p:nvPr>
-            <p:ph type="dt" idx="4"/>
+            <p:ph type="dt" idx="6"/>
           </p:nvPr>
         </p:nvSpPr>
         <p:spPr/>
@@ -2657,8 +2542,8 @@
         </p:nvSpPr>
         <p:spPr>
           <a:xfrm>
-            <a:off x="504000" y="810000"/>
-            <a:ext cx="9071640" cy="1296000"/>
+            <a:off x="504000" y="226080"/>
+            <a:ext cx="9072000" cy="946440"/>
           </a:xfrm>
           <a:prstGeom prst="rect">
             <a:avLst/>
@@ -2677,9 +2562,6 @@
               <a:buNone/>
             </a:pPr>
             <a:endParaRPr b="0" lang="en-US" sz="4400" spc="-1" strike="noStrike">
-              <a:solidFill>
-                <a:srgbClr val="ffffff"/>
-              </a:solidFill>
               <a:latin typeface="Arial"/>
             </a:endParaRPr>
           </a:p>
@@ -2697,8 +2579,8 @@
         </p:nvSpPr>
         <p:spPr>
           <a:xfrm>
-            <a:off x="504000" y="2376000"/>
-            <a:ext cx="9071640" cy="1313640"/>
+            <a:off x="504000" y="1326600"/>
+            <a:ext cx="9072000" cy="1568520"/>
           </a:xfrm>
           <a:prstGeom prst="rect">
             <a:avLst/>
@@ -2713,10 +2595,7 @@
             <a:normAutofit/>
           </a:bodyPr>
           <a:p>
-            <a:endParaRPr b="0" lang="en-US" sz="3150" spc="-1" strike="noStrike">
-              <a:solidFill>
-                <a:srgbClr val="ffffff"/>
-              </a:solidFill>
+            <a:endParaRPr b="0" lang="en-US" sz="3200" spc="-1" strike="noStrike">
               <a:latin typeface="Arial"/>
             </a:endParaRPr>
           </a:p>
@@ -2734,8 +2613,8 @@
         </p:nvSpPr>
         <p:spPr>
           <a:xfrm>
-            <a:off x="504000" y="3814920"/>
-            <a:ext cx="9071640" cy="1313640"/>
+            <a:off x="504000" y="3044520"/>
+            <a:ext cx="9072000" cy="1568520"/>
           </a:xfrm>
           <a:prstGeom prst="rect">
             <a:avLst/>
@@ -2750,10 +2629,7 @@
             <a:normAutofit/>
           </a:bodyPr>
           <a:p>
-            <a:endParaRPr b="0" lang="en-US" sz="3150" spc="-1" strike="noStrike">
-              <a:solidFill>
-                <a:srgbClr val="ffffff"/>
-              </a:solidFill>
+            <a:endParaRPr b="0" lang="en-US" sz="3200" spc="-1" strike="noStrike">
               <a:latin typeface="Arial"/>
             </a:endParaRPr>
           </a:p>
@@ -2766,7 +2642,7 @@
             <a:spLocks noGrp="1"/>
           </p:cNvSpPr>
           <p:nvPr>
-            <p:ph type="ftr" idx="5"/>
+            <p:ph type="ftr" idx="4"/>
           </p:nvPr>
         </p:nvSpPr>
         <p:spPr/>
@@ -2786,14 +2662,14 @@
             <a:spLocks noGrp="1"/>
           </p:cNvSpPr>
           <p:nvPr>
-            <p:ph type="sldNum" idx="6"/>
-          </p:nvPr>
-        </p:nvSpPr>
-        <p:spPr/>
-        <p:txBody>
-          <a:bodyPr/>
-          <a:p>
-            <a:fld id="{9A59AB3A-5D53-4529-A7A8-B5AABDD57987}" type="slidenum">
+            <p:ph type="sldNum" idx="5"/>
+          </p:nvPr>
+        </p:nvSpPr>
+        <p:spPr/>
+        <p:txBody>
+          <a:bodyPr/>
+          <a:p>
+            <a:fld id="{F26CFA93-604A-4642-B6E6-F25BD30F55A1}" type="slidenum">
               <a:t>&lt;#&gt;</a:t>
             </a:fld>
           </a:p>
@@ -2806,7 +2682,7 @@
             <a:spLocks noGrp="1"/>
           </p:cNvSpPr>
           <p:nvPr>
-            <p:ph type="dt" idx="4"/>
+            <p:ph type="dt" idx="6"/>
           </p:nvPr>
         </p:nvSpPr>
         <p:spPr/>
@@ -2854,8 +2730,8 @@
         </p:nvSpPr>
         <p:spPr>
           <a:xfrm>
-            <a:off x="504000" y="810000"/>
-            <a:ext cx="9071640" cy="1296000"/>
+            <a:off x="504000" y="226080"/>
+            <a:ext cx="9072000" cy="946440"/>
           </a:xfrm>
           <a:prstGeom prst="rect">
             <a:avLst/>
@@ -2874,9 +2750,6 @@
               <a:buNone/>
             </a:pPr>
             <a:endParaRPr b="0" lang="en-US" sz="4400" spc="-1" strike="noStrike">
-              <a:solidFill>
-                <a:srgbClr val="ffffff"/>
-              </a:solidFill>
               <a:latin typeface="Arial"/>
             </a:endParaRPr>
           </a:p>
@@ -2894,8 +2767,8 @@
         </p:nvSpPr>
         <p:spPr>
           <a:xfrm>
-            <a:off x="504000" y="2376000"/>
-            <a:ext cx="4426920" cy="1313640"/>
+            <a:off x="504000" y="1326600"/>
+            <a:ext cx="4426920" cy="1568520"/>
           </a:xfrm>
           <a:prstGeom prst="rect">
             <a:avLst/>
@@ -2910,10 +2783,7 @@
             <a:normAutofit/>
           </a:bodyPr>
           <a:p>
-            <a:endParaRPr b="0" lang="en-US" sz="3150" spc="-1" strike="noStrike">
-              <a:solidFill>
-                <a:srgbClr val="ffffff"/>
-              </a:solidFill>
+            <a:endParaRPr b="0" lang="en-US" sz="3200" spc="-1" strike="noStrike">
               <a:latin typeface="Arial"/>
             </a:endParaRPr>
           </a:p>
@@ -2931,8 +2801,8 @@
         </p:nvSpPr>
         <p:spPr>
           <a:xfrm>
-            <a:off x="5152680" y="2376000"/>
-            <a:ext cx="4426920" cy="1313640"/>
+            <a:off x="5152680" y="1326600"/>
+            <a:ext cx="4426920" cy="1568520"/>
           </a:xfrm>
           <a:prstGeom prst="rect">
             <a:avLst/>
@@ -2947,10 +2817,7 @@
             <a:normAutofit/>
           </a:bodyPr>
           <a:p>
-            <a:endParaRPr b="0" lang="en-US" sz="3150" spc="-1" strike="noStrike">
-              <a:solidFill>
-                <a:srgbClr val="ffffff"/>
-              </a:solidFill>
+            <a:endParaRPr b="0" lang="en-US" sz="3200" spc="-1" strike="noStrike">
               <a:latin typeface="Arial"/>
             </a:endParaRPr>
           </a:p>
@@ -2968,8 +2835,8 @@
         </p:nvSpPr>
         <p:spPr>
           <a:xfrm>
-            <a:off x="504000" y="3814920"/>
-            <a:ext cx="4426920" cy="1313640"/>
+            <a:off x="504000" y="3044520"/>
+            <a:ext cx="4426920" cy="1568520"/>
           </a:xfrm>
           <a:prstGeom prst="rect">
             <a:avLst/>
@@ -2984,10 +2851,7 @@
             <a:normAutofit/>
           </a:bodyPr>
           <a:p>
-            <a:endParaRPr b="0" lang="en-US" sz="3150" spc="-1" strike="noStrike">
-              <a:solidFill>
-                <a:srgbClr val="ffffff"/>
-              </a:solidFill>
+            <a:endParaRPr b="0" lang="en-US" sz="3200" spc="-1" strike="noStrike">
               <a:latin typeface="Arial"/>
             </a:endParaRPr>
           </a:p>
@@ -3005,8 +2869,8 @@
         </p:nvSpPr>
         <p:spPr>
           <a:xfrm>
-            <a:off x="5152680" y="3814920"/>
-            <a:ext cx="4426920" cy="1313640"/>
+            <a:off x="5152680" y="3044520"/>
+            <a:ext cx="4426920" cy="1568520"/>
           </a:xfrm>
           <a:prstGeom prst="rect">
             <a:avLst/>
@@ -3021,10 +2885,7 @@
             <a:normAutofit/>
           </a:bodyPr>
           <a:p>
-            <a:endParaRPr b="0" lang="en-US" sz="3150" spc="-1" strike="noStrike">
-              <a:solidFill>
-                <a:srgbClr val="ffffff"/>
-              </a:solidFill>
+            <a:endParaRPr b="0" lang="en-US" sz="3200" spc="-1" strike="noStrike">
               <a:latin typeface="Arial"/>
             </a:endParaRPr>
           </a:p>
@@ -3037,7 +2898,7 @@
             <a:spLocks noGrp="1"/>
           </p:cNvSpPr>
           <p:nvPr>
-            <p:ph type="ftr" idx="5"/>
+            <p:ph type="ftr" idx="4"/>
           </p:nvPr>
         </p:nvSpPr>
         <p:spPr/>
@@ -3057,14 +2918,14 @@
             <a:spLocks noGrp="1"/>
           </p:cNvSpPr>
           <p:nvPr>
-            <p:ph type="sldNum" idx="6"/>
-          </p:nvPr>
-        </p:nvSpPr>
-        <p:spPr/>
-        <p:txBody>
-          <a:bodyPr/>
-          <a:p>
-            <a:fld id="{5188EEFF-FCD1-4031-9D4A-1B69F3FBD14B}" type="slidenum">
+            <p:ph type="sldNum" idx="5"/>
+          </p:nvPr>
+        </p:nvSpPr>
+        <p:spPr/>
+        <p:txBody>
+          <a:bodyPr/>
+          <a:p>
+            <a:fld id="{90824526-D091-4672-83FA-671DB006938C}" type="slidenum">
               <a:t>&lt;#&gt;</a:t>
             </a:fld>
           </a:p>
@@ -3077,7 +2938,7 @@
             <a:spLocks noGrp="1"/>
           </p:cNvSpPr>
           <p:nvPr>
-            <p:ph type="dt" idx="4"/>
+            <p:ph type="dt" idx="6"/>
           </p:nvPr>
         </p:nvSpPr>
         <p:spPr/>
@@ -3125,8 +2986,8 @@
         </p:nvSpPr>
         <p:spPr>
           <a:xfrm>
-            <a:off x="504000" y="810000"/>
-            <a:ext cx="9071640" cy="1296000"/>
+            <a:off x="504000" y="226080"/>
+            <a:ext cx="9072000" cy="946440"/>
           </a:xfrm>
           <a:prstGeom prst="rect">
             <a:avLst/>
@@ -3145,9 +3006,6 @@
               <a:buNone/>
             </a:pPr>
             <a:endParaRPr b="0" lang="en-US" sz="4400" spc="-1" strike="noStrike">
-              <a:solidFill>
-                <a:srgbClr val="ffffff"/>
-              </a:solidFill>
               <a:latin typeface="Arial"/>
             </a:endParaRPr>
           </a:p>
@@ -3165,8 +3023,8 @@
         </p:nvSpPr>
         <p:spPr>
           <a:xfrm>
-            <a:off x="504000" y="2376000"/>
-            <a:ext cx="2920680" cy="1313640"/>
+            <a:off x="504000" y="1326600"/>
+            <a:ext cx="2921040" cy="1568520"/>
           </a:xfrm>
           <a:prstGeom prst="rect">
             <a:avLst/>
@@ -3181,10 +3039,7 @@
             <a:normAutofit/>
           </a:bodyPr>
           <a:p>
-            <a:endParaRPr b="0" lang="en-US" sz="3150" spc="-1" strike="noStrike">
-              <a:solidFill>
-                <a:srgbClr val="ffffff"/>
-              </a:solidFill>
+            <a:endParaRPr b="0" lang="en-US" sz="3200" spc="-1" strike="noStrike">
               <a:latin typeface="Arial"/>
             </a:endParaRPr>
           </a:p>
@@ -3202,8 +3057,8 @@
         </p:nvSpPr>
         <p:spPr>
           <a:xfrm>
-            <a:off x="3571200" y="2376000"/>
-            <a:ext cx="2920680" cy="1313640"/>
+            <a:off x="3571560" y="1326600"/>
+            <a:ext cx="2921040" cy="1568520"/>
           </a:xfrm>
           <a:prstGeom prst="rect">
             <a:avLst/>
@@ -3218,10 +3073,7 @@
             <a:normAutofit/>
           </a:bodyPr>
           <a:p>
-            <a:endParaRPr b="0" lang="en-US" sz="3150" spc="-1" strike="noStrike">
-              <a:solidFill>
-                <a:srgbClr val="ffffff"/>
-              </a:solidFill>
+            <a:endParaRPr b="0" lang="en-US" sz="3200" spc="-1" strike="noStrike">
               <a:latin typeface="Arial"/>
             </a:endParaRPr>
           </a:p>
@@ -3239,8 +3091,8 @@
         </p:nvSpPr>
         <p:spPr>
           <a:xfrm>
-            <a:off x="6638040" y="2376000"/>
-            <a:ext cx="2920680" cy="1313640"/>
+            <a:off x="6639120" y="1326600"/>
+            <a:ext cx="2921040" cy="1568520"/>
           </a:xfrm>
           <a:prstGeom prst="rect">
             <a:avLst/>
@@ -3255,10 +3107,7 @@
             <a:normAutofit/>
           </a:bodyPr>
           <a:p>
-            <a:endParaRPr b="0" lang="en-US" sz="3150" spc="-1" strike="noStrike">
-              <a:solidFill>
-                <a:srgbClr val="ffffff"/>
-              </a:solidFill>
+            <a:endParaRPr b="0" lang="en-US" sz="3200" spc="-1" strike="noStrike">
               <a:latin typeface="Arial"/>
             </a:endParaRPr>
           </a:p>
@@ -3276,8 +3125,8 @@
         </p:nvSpPr>
         <p:spPr>
           <a:xfrm>
-            <a:off x="504000" y="3814920"/>
-            <a:ext cx="2920680" cy="1313640"/>
+            <a:off x="504000" y="3044520"/>
+            <a:ext cx="2921040" cy="1568520"/>
           </a:xfrm>
           <a:prstGeom prst="rect">
             <a:avLst/>
@@ -3292,10 +3141,7 @@
             <a:normAutofit/>
           </a:bodyPr>
           <a:p>
-            <a:endParaRPr b="0" lang="en-US" sz="3150" spc="-1" strike="noStrike">
-              <a:solidFill>
-                <a:srgbClr val="ffffff"/>
-              </a:solidFill>
+            <a:endParaRPr b="0" lang="en-US" sz="3200" spc="-1" strike="noStrike">
               <a:latin typeface="Arial"/>
             </a:endParaRPr>
           </a:p>
@@ -3313,8 +3159,8 @@
         </p:nvSpPr>
         <p:spPr>
           <a:xfrm>
-            <a:off x="3571200" y="3814920"/>
-            <a:ext cx="2920680" cy="1313640"/>
+            <a:off x="3571560" y="3044520"/>
+            <a:ext cx="2921040" cy="1568520"/>
           </a:xfrm>
           <a:prstGeom prst="rect">
             <a:avLst/>
@@ -3329,10 +3175,7 @@
             <a:normAutofit/>
           </a:bodyPr>
           <a:p>
-            <a:endParaRPr b="0" lang="en-US" sz="3150" spc="-1" strike="noStrike">
-              <a:solidFill>
-                <a:srgbClr val="ffffff"/>
-              </a:solidFill>
+            <a:endParaRPr b="0" lang="en-US" sz="3200" spc="-1" strike="noStrike">
               <a:latin typeface="Arial"/>
             </a:endParaRPr>
           </a:p>
@@ -3350,8 +3193,8 @@
         </p:nvSpPr>
         <p:spPr>
           <a:xfrm>
-            <a:off x="6638040" y="3814920"/>
-            <a:ext cx="2920680" cy="1313640"/>
+            <a:off x="6639120" y="3044520"/>
+            <a:ext cx="2921040" cy="1568520"/>
           </a:xfrm>
           <a:prstGeom prst="rect">
             <a:avLst/>
@@ -3366,10 +3209,7 @@
             <a:normAutofit/>
           </a:bodyPr>
           <a:p>
-            <a:endParaRPr b="0" lang="en-US" sz="3150" spc="-1" strike="noStrike">
-              <a:solidFill>
-                <a:srgbClr val="ffffff"/>
-              </a:solidFill>
+            <a:endParaRPr b="0" lang="en-US" sz="3200" spc="-1" strike="noStrike">
               <a:latin typeface="Arial"/>
             </a:endParaRPr>
           </a:p>
@@ -3382,7 +3222,7 @@
             <a:spLocks noGrp="1"/>
           </p:cNvSpPr>
           <p:nvPr>
-            <p:ph type="ftr" idx="5"/>
+            <p:ph type="ftr" idx="4"/>
           </p:nvPr>
         </p:nvSpPr>
         <p:spPr/>
@@ -3402,14 +3242,14 @@
             <a:spLocks noGrp="1"/>
           </p:cNvSpPr>
           <p:nvPr>
-            <p:ph type="sldNum" idx="6"/>
-          </p:nvPr>
-        </p:nvSpPr>
-        <p:spPr/>
-        <p:txBody>
-          <a:bodyPr/>
-          <a:p>
-            <a:fld id="{E589136B-8E26-45AD-B1BD-E1686DC1D5EB}" type="slidenum">
+            <p:ph type="sldNum" idx="5"/>
+          </p:nvPr>
+        </p:nvSpPr>
+        <p:spPr/>
+        <p:txBody>
+          <a:bodyPr/>
+          <a:p>
+            <a:fld id="{AF634786-7497-4F8F-8A62-7D392BFCDEFA}" type="slidenum">
               <a:t>&lt;#&gt;</a:t>
             </a:fld>
           </a:p>
@@ -3422,7 +3262,7 @@
             <a:spLocks noGrp="1"/>
           </p:cNvSpPr>
           <p:nvPr>
-            <p:ph type="dt" idx="4"/>
+            <p:ph type="dt" idx="6"/>
           </p:nvPr>
         </p:nvSpPr>
         <p:spPr/>
@@ -3465,7 +3305,7 @@
             <a:spLocks noGrp="1"/>
           </p:cNvSpPr>
           <p:nvPr>
-            <p:ph type="ftr" idx="8"/>
+            <p:ph type="ftr" idx="7"/>
           </p:nvPr>
         </p:nvSpPr>
         <p:spPr/>
@@ -3485,14 +3325,14 @@
             <a:spLocks noGrp="1"/>
           </p:cNvSpPr>
           <p:nvPr>
-            <p:ph type="sldNum" idx="9"/>
-          </p:nvPr>
-        </p:nvSpPr>
-        <p:spPr/>
-        <p:txBody>
-          <a:bodyPr/>
-          <a:p>
-            <a:fld id="{2186E0B0-B2A6-4E5E-BCF9-DB8652A202AA}" type="slidenum">
+            <p:ph type="sldNum" idx="8"/>
+          </p:nvPr>
+        </p:nvSpPr>
+        <p:spPr/>
+        <p:txBody>
+          <a:bodyPr/>
+          <a:p>
+            <a:fld id="{710707F9-6E58-4FFF-9445-22118B52CE75}" type="slidenum">
               <a:t>&lt;#&gt;</a:t>
             </a:fld>
           </a:p>
@@ -3505,7 +3345,7 @@
             <a:spLocks noGrp="1"/>
           </p:cNvSpPr>
           <p:nvPr>
-            <p:ph type="dt" idx="7"/>
+            <p:ph type="dt" idx="9"/>
           </p:nvPr>
         </p:nvSpPr>
         <p:spPr/>
@@ -3553,8 +3393,8 @@
         </p:nvSpPr>
         <p:spPr>
           <a:xfrm>
-            <a:off x="504000" y="810000"/>
-            <a:ext cx="9071640" cy="1296000"/>
+            <a:off x="504000" y="226080"/>
+            <a:ext cx="9072000" cy="946440"/>
           </a:xfrm>
           <a:prstGeom prst="rect">
             <a:avLst/>
@@ -3573,9 +3413,6 @@
               <a:buNone/>
             </a:pPr>
             <a:endParaRPr b="0" lang="en-US" sz="4400" spc="-1" strike="noStrike">
-              <a:solidFill>
-                <a:srgbClr val="ffffff"/>
-              </a:solidFill>
               <a:latin typeface="Arial"/>
             </a:endParaRPr>
           </a:p>
@@ -3593,8 +3430,8 @@
         </p:nvSpPr>
         <p:spPr>
           <a:xfrm>
-            <a:off x="504000" y="2376000"/>
-            <a:ext cx="9071640" cy="2754000"/>
+            <a:off x="504000" y="1326600"/>
+            <a:ext cx="9072000" cy="3288600"/>
           </a:xfrm>
           <a:prstGeom prst="rect">
             <a:avLst/>
@@ -3613,9 +3450,6 @@
               <a:buNone/>
             </a:pPr>
             <a:endParaRPr b="0" lang="en-US" sz="3200" spc="-1" strike="noStrike">
-              <a:solidFill>
-                <a:srgbClr val="ffffff"/>
-              </a:solidFill>
               <a:latin typeface="Arial"/>
             </a:endParaRPr>
           </a:p>
@@ -3628,7 +3462,7 @@
             <a:spLocks noGrp="1"/>
           </p:cNvSpPr>
           <p:nvPr>
-            <p:ph type="ftr" idx="8"/>
+            <p:ph type="ftr" idx="7"/>
           </p:nvPr>
         </p:nvSpPr>
         <p:spPr/>
@@ -3648,14 +3482,14 @@
             <a:spLocks noGrp="1"/>
           </p:cNvSpPr>
           <p:nvPr>
-            <p:ph type="sldNum" idx="9"/>
-          </p:nvPr>
-        </p:nvSpPr>
-        <p:spPr/>
-        <p:txBody>
-          <a:bodyPr/>
-          <a:p>
-            <a:fld id="{5B41B385-F9BC-40DB-A31C-2FA2FB3FC79A}" type="slidenum">
+            <p:ph type="sldNum" idx="8"/>
+          </p:nvPr>
+        </p:nvSpPr>
+        <p:spPr/>
+        <p:txBody>
+          <a:bodyPr/>
+          <a:p>
+            <a:fld id="{0FC93737-B33C-4C0D-A447-3D178C8BACA4}" type="slidenum">
               <a:t>&lt;#&gt;</a:t>
             </a:fld>
           </a:p>
@@ -3668,7 +3502,7 @@
             <a:spLocks noGrp="1"/>
           </p:cNvSpPr>
           <p:nvPr>
-            <p:ph type="dt" idx="7"/>
+            <p:ph type="dt" idx="9"/>
           </p:nvPr>
         </p:nvSpPr>
         <p:spPr/>
@@ -3716,8 +3550,8 @@
         </p:nvSpPr>
         <p:spPr>
           <a:xfrm>
-            <a:off x="504000" y="810000"/>
-            <a:ext cx="9071640" cy="1296000"/>
+            <a:off x="504000" y="226080"/>
+            <a:ext cx="9072000" cy="946440"/>
           </a:xfrm>
           <a:prstGeom prst="rect">
             <a:avLst/>
@@ -3736,9 +3570,6 @@
               <a:buNone/>
             </a:pPr>
             <a:endParaRPr b="0" lang="en-US" sz="4400" spc="-1" strike="noStrike">
-              <a:solidFill>
-                <a:srgbClr val="ffffff"/>
-              </a:solidFill>
               <a:latin typeface="Arial"/>
             </a:endParaRPr>
           </a:p>
@@ -3756,8 +3587,8 @@
         </p:nvSpPr>
         <p:spPr>
           <a:xfrm>
-            <a:off x="504000" y="2376000"/>
-            <a:ext cx="9071640" cy="2754000"/>
+            <a:off x="504000" y="1326600"/>
+            <a:ext cx="9072000" cy="3288600"/>
           </a:xfrm>
           <a:prstGeom prst="rect">
             <a:avLst/>
@@ -3772,10 +3603,7 @@
             <a:normAutofit/>
           </a:bodyPr>
           <a:p>
-            <a:endParaRPr b="0" lang="en-US" sz="3150" spc="-1" strike="noStrike">
-              <a:solidFill>
-                <a:srgbClr val="ffffff"/>
-              </a:solidFill>
+            <a:endParaRPr b="0" lang="en-US" sz="3200" spc="-1" strike="noStrike">
               <a:latin typeface="Arial"/>
             </a:endParaRPr>
           </a:p>
@@ -3788,7 +3616,7 @@
             <a:spLocks noGrp="1"/>
           </p:cNvSpPr>
           <p:nvPr>
-            <p:ph type="ftr" idx="8"/>
+            <p:ph type="ftr" idx="7"/>
           </p:nvPr>
         </p:nvSpPr>
         <p:spPr/>
@@ -3808,14 +3636,14 @@
             <a:spLocks noGrp="1"/>
           </p:cNvSpPr>
           <p:nvPr>
-            <p:ph type="sldNum" idx="9"/>
-          </p:nvPr>
-        </p:nvSpPr>
-        <p:spPr/>
-        <p:txBody>
-          <a:bodyPr/>
-          <a:p>
-            <a:fld id="{E11C110A-0615-4544-A6C0-F666B51084F8}" type="slidenum">
+            <p:ph type="sldNum" idx="8"/>
+          </p:nvPr>
+        </p:nvSpPr>
+        <p:spPr/>
+        <p:txBody>
+          <a:bodyPr/>
+          <a:p>
+            <a:fld id="{07E01011-B6B3-4328-B85E-7416FBD0FB0A}" type="slidenum">
               <a:t>&lt;#&gt;</a:t>
             </a:fld>
           </a:p>
@@ -3828,7 +3656,7 @@
             <a:spLocks noGrp="1"/>
           </p:cNvSpPr>
           <p:nvPr>
-            <p:ph type="dt" idx="7"/>
+            <p:ph type="dt" idx="9"/>
           </p:nvPr>
         </p:nvSpPr>
         <p:spPr/>
@@ -3876,8 +3704,8 @@
         </p:nvSpPr>
         <p:spPr>
           <a:xfrm>
-            <a:off x="504000" y="810000"/>
-            <a:ext cx="9071640" cy="1296000"/>
+            <a:off x="504000" y="226080"/>
+            <a:ext cx="9072000" cy="946440"/>
           </a:xfrm>
           <a:prstGeom prst="rect">
             <a:avLst/>
@@ -3896,9 +3724,6 @@
               <a:buNone/>
             </a:pPr>
             <a:endParaRPr b="0" lang="en-US" sz="4400" spc="-1" strike="noStrike">
-              <a:solidFill>
-                <a:srgbClr val="ffffff"/>
-              </a:solidFill>
               <a:latin typeface="Arial"/>
             </a:endParaRPr>
           </a:p>
@@ -3916,8 +3741,8 @@
         </p:nvSpPr>
         <p:spPr>
           <a:xfrm>
-            <a:off x="504000" y="2376000"/>
-            <a:ext cx="4426920" cy="2754000"/>
+            <a:off x="504000" y="1326600"/>
+            <a:ext cx="4426920" cy="3288600"/>
           </a:xfrm>
           <a:prstGeom prst="rect">
             <a:avLst/>
@@ -3932,10 +3757,7 @@
             <a:normAutofit/>
           </a:bodyPr>
           <a:p>
-            <a:endParaRPr b="0" lang="en-US" sz="3150" spc="-1" strike="noStrike">
-              <a:solidFill>
-                <a:srgbClr val="ffffff"/>
-              </a:solidFill>
+            <a:endParaRPr b="0" lang="en-US" sz="3200" spc="-1" strike="noStrike">
               <a:latin typeface="Arial"/>
             </a:endParaRPr>
           </a:p>
@@ -3953,8 +3775,8 @@
         </p:nvSpPr>
         <p:spPr>
           <a:xfrm>
-            <a:off x="5152680" y="2376000"/>
-            <a:ext cx="4426920" cy="2754000"/>
+            <a:off x="5152680" y="1326600"/>
+            <a:ext cx="4426920" cy="3288600"/>
           </a:xfrm>
           <a:prstGeom prst="rect">
             <a:avLst/>
@@ -3969,10 +3791,7 @@
             <a:normAutofit/>
           </a:bodyPr>
           <a:p>
-            <a:endParaRPr b="0" lang="en-US" sz="3150" spc="-1" strike="noStrike">
-              <a:solidFill>
-                <a:srgbClr val="ffffff"/>
-              </a:solidFill>
+            <a:endParaRPr b="0" lang="en-US" sz="3200" spc="-1" strike="noStrike">
               <a:latin typeface="Arial"/>
             </a:endParaRPr>
           </a:p>
@@ -3985,7 +3804,7 @@
             <a:spLocks noGrp="1"/>
           </p:cNvSpPr>
           <p:nvPr>
-            <p:ph type="ftr" idx="8"/>
+            <p:ph type="ftr" idx="7"/>
           </p:nvPr>
         </p:nvSpPr>
         <p:spPr/>
@@ -4005,14 +3824,14 @@
             <a:spLocks noGrp="1"/>
           </p:cNvSpPr>
           <p:nvPr>
-            <p:ph type="sldNum" idx="9"/>
-          </p:nvPr>
-        </p:nvSpPr>
-        <p:spPr/>
-        <p:txBody>
-          <a:bodyPr/>
-          <a:p>
-            <a:fld id="{A71E58B3-0A3F-4F4A-99BF-304135D0889B}" type="slidenum">
+            <p:ph type="sldNum" idx="8"/>
+          </p:nvPr>
+        </p:nvSpPr>
+        <p:spPr/>
+        <p:txBody>
+          <a:bodyPr/>
+          <a:p>
+            <a:fld id="{B6F1455E-46E8-4709-9667-002A2EFF160B}" type="slidenum">
               <a:t>&lt;#&gt;</a:t>
             </a:fld>
           </a:p>
@@ -4025,7 +3844,7 @@
             <a:spLocks noGrp="1"/>
           </p:cNvSpPr>
           <p:nvPr>
-            <p:ph type="dt" idx="7"/>
+            <p:ph type="dt" idx="9"/>
           </p:nvPr>
         </p:nvSpPr>
         <p:spPr/>
@@ -4073,8 +3892,8 @@
         </p:nvSpPr>
         <p:spPr>
           <a:xfrm>
-            <a:off x="504000" y="810000"/>
-            <a:ext cx="9071640" cy="1296000"/>
+            <a:off x="504000" y="226080"/>
+            <a:ext cx="9072000" cy="946440"/>
           </a:xfrm>
           <a:prstGeom prst="rect">
             <a:avLst/>
@@ -4093,9 +3912,6 @@
               <a:buNone/>
             </a:pPr>
             <a:endParaRPr b="0" lang="en-US" sz="4400" spc="-1" strike="noStrike">
-              <a:solidFill>
-                <a:srgbClr val="ffffff"/>
-              </a:solidFill>
               <a:latin typeface="Arial"/>
             </a:endParaRPr>
           </a:p>
@@ -4108,7 +3924,7 @@
             <a:spLocks noGrp="1"/>
           </p:cNvSpPr>
           <p:nvPr>
-            <p:ph type="ftr" idx="8"/>
+            <p:ph type="ftr" idx="7"/>
           </p:nvPr>
         </p:nvSpPr>
         <p:spPr/>
@@ -4128,14 +3944,14 @@
             <a:spLocks noGrp="1"/>
           </p:cNvSpPr>
           <p:nvPr>
-            <p:ph type="sldNum" idx="9"/>
-          </p:nvPr>
-        </p:nvSpPr>
-        <p:spPr/>
-        <p:txBody>
-          <a:bodyPr/>
-          <a:p>
-            <a:fld id="{0D36FC55-9C6A-4C4E-9743-04904251BC53}" type="slidenum">
+            <p:ph type="sldNum" idx="8"/>
+          </p:nvPr>
+        </p:nvSpPr>
+        <p:spPr/>
+        <p:txBody>
+          <a:bodyPr/>
+          <a:p>
+            <a:fld id="{BD60AE4B-7669-44CF-A131-74154072BB1B}" type="slidenum">
               <a:t>&lt;#&gt;</a:t>
             </a:fld>
           </a:p>
@@ -4148,7 +3964,7 @@
             <a:spLocks noGrp="1"/>
           </p:cNvSpPr>
           <p:nvPr>
-            <p:ph type="dt" idx="7"/>
+            <p:ph type="dt" idx="9"/>
           </p:nvPr>
         </p:nvSpPr>
         <p:spPr/>
@@ -4196,8 +4012,8 @@
         </p:nvSpPr>
         <p:spPr>
           <a:xfrm>
-            <a:off x="504000" y="810000"/>
-            <a:ext cx="9071640" cy="1296000"/>
+            <a:off x="504000" y="226080"/>
+            <a:ext cx="9072000" cy="946440"/>
           </a:xfrm>
           <a:prstGeom prst="rect">
             <a:avLst/>
@@ -4216,9 +4032,6 @@
               <a:buNone/>
             </a:pPr>
             <a:endParaRPr b="0" lang="en-US" sz="4400" spc="-1" strike="noStrike">
-              <a:solidFill>
-                <a:srgbClr val="ffffff"/>
-              </a:solidFill>
               <a:latin typeface="Arial"/>
             </a:endParaRPr>
           </a:p>
@@ -4236,8 +4049,8 @@
         </p:nvSpPr>
         <p:spPr>
           <a:xfrm>
-            <a:off x="504000" y="2376000"/>
-            <a:ext cx="9071640" cy="2754000"/>
+            <a:off x="504000" y="1326600"/>
+            <a:ext cx="9072000" cy="3288600"/>
           </a:xfrm>
           <a:prstGeom prst="rect">
             <a:avLst/>
@@ -4252,10 +4065,7 @@
             <a:normAutofit/>
           </a:bodyPr>
           <a:p>
-            <a:endParaRPr b="0" lang="en-US" sz="3150" spc="-1" strike="noStrike">
-              <a:solidFill>
-                <a:srgbClr val="ffffff"/>
-              </a:solidFill>
+            <a:endParaRPr b="0" lang="en-US" sz="3200" spc="-1" strike="noStrike">
               <a:latin typeface="Arial"/>
             </a:endParaRPr>
           </a:p>
@@ -4268,7 +4078,7 @@
             <a:spLocks noGrp="1"/>
           </p:cNvSpPr>
           <p:nvPr>
-            <p:ph type="ftr" idx="2"/>
+            <p:ph type="ftr" idx="1"/>
           </p:nvPr>
         </p:nvSpPr>
         <p:spPr/>
@@ -4288,14 +4098,14 @@
             <a:spLocks noGrp="1"/>
           </p:cNvSpPr>
           <p:nvPr>
-            <p:ph type="sldNum" idx="3"/>
-          </p:nvPr>
-        </p:nvSpPr>
-        <p:spPr/>
-        <p:txBody>
-          <a:bodyPr/>
-          <a:p>
-            <a:fld id="{F63A1BC2-01BC-48BA-8CC1-FC15052C2F41}" type="slidenum">
+            <p:ph type="sldNum" idx="2"/>
+          </p:nvPr>
+        </p:nvSpPr>
+        <p:spPr/>
+        <p:txBody>
+          <a:bodyPr/>
+          <a:p>
+            <a:fld id="{AC4047F8-17A3-4A45-87D5-F5FAF87F7152}" type="slidenum">
               <a:t>&lt;#&gt;</a:t>
             </a:fld>
           </a:p>
@@ -4308,7 +4118,7 @@
             <a:spLocks noGrp="1"/>
           </p:cNvSpPr>
           <p:nvPr>
-            <p:ph type="dt" idx="1"/>
+            <p:ph type="dt" idx="3"/>
           </p:nvPr>
         </p:nvSpPr>
         <p:spPr/>
@@ -4356,8 +4166,8 @@
         </p:nvSpPr>
         <p:spPr>
           <a:xfrm>
-            <a:off x="504000" y="810000"/>
-            <a:ext cx="9071640" cy="6008760"/>
+            <a:off x="504000" y="226080"/>
+            <a:ext cx="9072000" cy="4388400"/>
           </a:xfrm>
           <a:prstGeom prst="rect">
             <a:avLst/>
@@ -4376,9 +4186,6 @@
               <a:buNone/>
             </a:pPr>
             <a:endParaRPr b="0" lang="en-US" sz="3200" spc="-1" strike="noStrike">
-              <a:solidFill>
-                <a:srgbClr val="ffffff"/>
-              </a:solidFill>
               <a:latin typeface="Arial"/>
             </a:endParaRPr>
           </a:p>
@@ -4391,7 +4198,7 @@
             <a:spLocks noGrp="1"/>
           </p:cNvSpPr>
           <p:nvPr>
-            <p:ph type="ftr" idx="8"/>
+            <p:ph type="ftr" idx="7"/>
           </p:nvPr>
         </p:nvSpPr>
         <p:spPr/>
@@ -4411,14 +4218,14 @@
             <a:spLocks noGrp="1"/>
           </p:cNvSpPr>
           <p:nvPr>
-            <p:ph type="sldNum" idx="9"/>
-          </p:nvPr>
-        </p:nvSpPr>
-        <p:spPr/>
-        <p:txBody>
-          <a:bodyPr/>
-          <a:p>
-            <a:fld id="{F042A62A-7935-4D17-8599-7B6C88E00739}" type="slidenum">
+            <p:ph type="sldNum" idx="8"/>
+          </p:nvPr>
+        </p:nvSpPr>
+        <p:spPr/>
+        <p:txBody>
+          <a:bodyPr/>
+          <a:p>
+            <a:fld id="{FF76B05E-81D2-4577-9B7F-F2F8F8EF0044}" type="slidenum">
               <a:t>&lt;#&gt;</a:t>
             </a:fld>
           </a:p>
@@ -4431,7 +4238,7 @@
             <a:spLocks noGrp="1"/>
           </p:cNvSpPr>
           <p:nvPr>
-            <p:ph type="dt" idx="7"/>
+            <p:ph type="dt" idx="9"/>
           </p:nvPr>
         </p:nvSpPr>
         <p:spPr/>
@@ -4479,8 +4286,8 @@
         </p:nvSpPr>
         <p:spPr>
           <a:xfrm>
-            <a:off x="504000" y="810000"/>
-            <a:ext cx="9071640" cy="1296000"/>
+            <a:off x="504000" y="226080"/>
+            <a:ext cx="9072000" cy="946440"/>
           </a:xfrm>
           <a:prstGeom prst="rect">
             <a:avLst/>
@@ -4499,9 +4306,6 @@
               <a:buNone/>
             </a:pPr>
             <a:endParaRPr b="0" lang="en-US" sz="4400" spc="-1" strike="noStrike">
-              <a:solidFill>
-                <a:srgbClr val="ffffff"/>
-              </a:solidFill>
               <a:latin typeface="Arial"/>
             </a:endParaRPr>
           </a:p>
@@ -4519,8 +4323,8 @@
         </p:nvSpPr>
         <p:spPr>
           <a:xfrm>
-            <a:off x="504000" y="2376000"/>
-            <a:ext cx="4426920" cy="1313640"/>
+            <a:off x="504000" y="1326600"/>
+            <a:ext cx="4426920" cy="1568520"/>
           </a:xfrm>
           <a:prstGeom prst="rect">
             <a:avLst/>
@@ -4535,10 +4339,7 @@
             <a:normAutofit/>
           </a:bodyPr>
           <a:p>
-            <a:endParaRPr b="0" lang="en-US" sz="3150" spc="-1" strike="noStrike">
-              <a:solidFill>
-                <a:srgbClr val="ffffff"/>
-              </a:solidFill>
+            <a:endParaRPr b="0" lang="en-US" sz="3200" spc="-1" strike="noStrike">
               <a:latin typeface="Arial"/>
             </a:endParaRPr>
           </a:p>
@@ -4556,8 +4357,8 @@
         </p:nvSpPr>
         <p:spPr>
           <a:xfrm>
-            <a:off x="5152680" y="2376000"/>
-            <a:ext cx="4426920" cy="2754000"/>
+            <a:off x="5152680" y="1326600"/>
+            <a:ext cx="4426920" cy="3288600"/>
           </a:xfrm>
           <a:prstGeom prst="rect">
             <a:avLst/>
@@ -4572,10 +4373,7 @@
             <a:normAutofit/>
           </a:bodyPr>
           <a:p>
-            <a:endParaRPr b="0" lang="en-US" sz="3150" spc="-1" strike="noStrike">
-              <a:solidFill>
-                <a:srgbClr val="ffffff"/>
-              </a:solidFill>
+            <a:endParaRPr b="0" lang="en-US" sz="3200" spc="-1" strike="noStrike">
               <a:latin typeface="Arial"/>
             </a:endParaRPr>
           </a:p>
@@ -4593,8 +4391,8 @@
         </p:nvSpPr>
         <p:spPr>
           <a:xfrm>
-            <a:off x="504000" y="3814920"/>
-            <a:ext cx="4426920" cy="1313640"/>
+            <a:off x="504000" y="3044520"/>
+            <a:ext cx="4426920" cy="1568520"/>
           </a:xfrm>
           <a:prstGeom prst="rect">
             <a:avLst/>
@@ -4609,10 +4407,7 @@
             <a:normAutofit/>
           </a:bodyPr>
           <a:p>
-            <a:endParaRPr b="0" lang="en-US" sz="3150" spc="-1" strike="noStrike">
-              <a:solidFill>
-                <a:srgbClr val="ffffff"/>
-              </a:solidFill>
+            <a:endParaRPr b="0" lang="en-US" sz="3200" spc="-1" strike="noStrike">
               <a:latin typeface="Arial"/>
             </a:endParaRPr>
           </a:p>
@@ -4625,7 +4420,7 @@
             <a:spLocks noGrp="1"/>
           </p:cNvSpPr>
           <p:nvPr>
-            <p:ph type="ftr" idx="8"/>
+            <p:ph type="ftr" idx="7"/>
           </p:nvPr>
         </p:nvSpPr>
         <p:spPr/>
@@ -4645,14 +4440,14 @@
             <a:spLocks noGrp="1"/>
           </p:cNvSpPr>
           <p:nvPr>
-            <p:ph type="sldNum" idx="9"/>
-          </p:nvPr>
-        </p:nvSpPr>
-        <p:spPr/>
-        <p:txBody>
-          <a:bodyPr/>
-          <a:p>
-            <a:fld id="{32852309-5CC4-4FDE-90FE-C111E6433B30}" type="slidenum">
+            <p:ph type="sldNum" idx="8"/>
+          </p:nvPr>
+        </p:nvSpPr>
+        <p:spPr/>
+        <p:txBody>
+          <a:bodyPr/>
+          <a:p>
+            <a:fld id="{90592661-4AE3-4F8C-9C03-F8C4436FDA59}" type="slidenum">
               <a:t>&lt;#&gt;</a:t>
             </a:fld>
           </a:p>
@@ -4665,7 +4460,7 @@
             <a:spLocks noGrp="1"/>
           </p:cNvSpPr>
           <p:nvPr>
-            <p:ph type="dt" idx="7"/>
+            <p:ph type="dt" idx="9"/>
           </p:nvPr>
         </p:nvSpPr>
         <p:spPr/>
@@ -4713,8 +4508,8 @@
         </p:nvSpPr>
         <p:spPr>
           <a:xfrm>
-            <a:off x="504000" y="810000"/>
-            <a:ext cx="9071640" cy="1296000"/>
+            <a:off x="504000" y="226080"/>
+            <a:ext cx="9072000" cy="946440"/>
           </a:xfrm>
           <a:prstGeom prst="rect">
             <a:avLst/>
@@ -4733,9 +4528,6 @@
               <a:buNone/>
             </a:pPr>
             <a:endParaRPr b="0" lang="en-US" sz="4400" spc="-1" strike="noStrike">
-              <a:solidFill>
-                <a:srgbClr val="ffffff"/>
-              </a:solidFill>
               <a:latin typeface="Arial"/>
             </a:endParaRPr>
           </a:p>
@@ -4753,8 +4545,8 @@
         </p:nvSpPr>
         <p:spPr>
           <a:xfrm>
-            <a:off x="504000" y="2376000"/>
-            <a:ext cx="4426920" cy="2754000"/>
+            <a:off x="504000" y="1326600"/>
+            <a:ext cx="4426920" cy="3288600"/>
           </a:xfrm>
           <a:prstGeom prst="rect">
             <a:avLst/>
@@ -4769,10 +4561,7 @@
             <a:normAutofit/>
           </a:bodyPr>
           <a:p>
-            <a:endParaRPr b="0" lang="en-US" sz="3150" spc="-1" strike="noStrike">
-              <a:solidFill>
-                <a:srgbClr val="ffffff"/>
-              </a:solidFill>
+            <a:endParaRPr b="0" lang="en-US" sz="3200" spc="-1" strike="noStrike">
               <a:latin typeface="Arial"/>
             </a:endParaRPr>
           </a:p>
@@ -4790,8 +4579,8 @@
         </p:nvSpPr>
         <p:spPr>
           <a:xfrm>
-            <a:off x="5152680" y="2376000"/>
-            <a:ext cx="4426920" cy="1313640"/>
+            <a:off x="5152680" y="1326600"/>
+            <a:ext cx="4426920" cy="1568520"/>
           </a:xfrm>
           <a:prstGeom prst="rect">
             <a:avLst/>
@@ -4806,10 +4595,7 @@
             <a:normAutofit/>
           </a:bodyPr>
           <a:p>
-            <a:endParaRPr b="0" lang="en-US" sz="3150" spc="-1" strike="noStrike">
-              <a:solidFill>
-                <a:srgbClr val="ffffff"/>
-              </a:solidFill>
+            <a:endParaRPr b="0" lang="en-US" sz="3200" spc="-1" strike="noStrike">
               <a:latin typeface="Arial"/>
             </a:endParaRPr>
           </a:p>
@@ -4827,8 +4613,8 @@
         </p:nvSpPr>
         <p:spPr>
           <a:xfrm>
-            <a:off x="5152680" y="3814920"/>
-            <a:ext cx="4426920" cy="1313640"/>
+            <a:off x="5152680" y="3044520"/>
+            <a:ext cx="4426920" cy="1568520"/>
           </a:xfrm>
           <a:prstGeom prst="rect">
             <a:avLst/>
@@ -4843,10 +4629,7 @@
             <a:normAutofit/>
           </a:bodyPr>
           <a:p>
-            <a:endParaRPr b="0" lang="en-US" sz="3150" spc="-1" strike="noStrike">
-              <a:solidFill>
-                <a:srgbClr val="ffffff"/>
-              </a:solidFill>
+            <a:endParaRPr b="0" lang="en-US" sz="3200" spc="-1" strike="noStrike">
               <a:latin typeface="Arial"/>
             </a:endParaRPr>
           </a:p>
@@ -4859,7 +4642,7 @@
             <a:spLocks noGrp="1"/>
           </p:cNvSpPr>
           <p:nvPr>
-            <p:ph type="ftr" idx="8"/>
+            <p:ph type="ftr" idx="7"/>
           </p:nvPr>
         </p:nvSpPr>
         <p:spPr/>
@@ -4879,14 +4662,14 @@
             <a:spLocks noGrp="1"/>
           </p:cNvSpPr>
           <p:nvPr>
-            <p:ph type="sldNum" idx="9"/>
-          </p:nvPr>
-        </p:nvSpPr>
-        <p:spPr/>
-        <p:txBody>
-          <a:bodyPr/>
-          <a:p>
-            <a:fld id="{C35EA0A1-F4A9-4CAD-96FC-5648193F869C}" type="slidenum">
+            <p:ph type="sldNum" idx="8"/>
+          </p:nvPr>
+        </p:nvSpPr>
+        <p:spPr/>
+        <p:txBody>
+          <a:bodyPr/>
+          <a:p>
+            <a:fld id="{DC7C3A38-8F49-403C-9E2B-332B90B4E756}" type="slidenum">
               <a:t>&lt;#&gt;</a:t>
             </a:fld>
           </a:p>
@@ -4899,7 +4682,7 @@
             <a:spLocks noGrp="1"/>
           </p:cNvSpPr>
           <p:nvPr>
-            <p:ph type="dt" idx="7"/>
+            <p:ph type="dt" idx="9"/>
           </p:nvPr>
         </p:nvSpPr>
         <p:spPr/>
@@ -4947,8 +4730,8 @@
         </p:nvSpPr>
         <p:spPr>
           <a:xfrm>
-            <a:off x="504000" y="810000"/>
-            <a:ext cx="9071640" cy="1296000"/>
+            <a:off x="504000" y="226080"/>
+            <a:ext cx="9072000" cy="946440"/>
           </a:xfrm>
           <a:prstGeom prst="rect">
             <a:avLst/>
@@ -4967,9 +4750,6 @@
               <a:buNone/>
             </a:pPr>
             <a:endParaRPr b="0" lang="en-US" sz="4400" spc="-1" strike="noStrike">
-              <a:solidFill>
-                <a:srgbClr val="ffffff"/>
-              </a:solidFill>
               <a:latin typeface="Arial"/>
             </a:endParaRPr>
           </a:p>
@@ -4987,8 +4767,8 @@
         </p:nvSpPr>
         <p:spPr>
           <a:xfrm>
-            <a:off x="504000" y="2376000"/>
-            <a:ext cx="4426920" cy="1313640"/>
+            <a:off x="504000" y="1326600"/>
+            <a:ext cx="4426920" cy="1568520"/>
           </a:xfrm>
           <a:prstGeom prst="rect">
             <a:avLst/>
@@ -5003,10 +4783,7 @@
             <a:normAutofit/>
           </a:bodyPr>
           <a:p>
-            <a:endParaRPr b="0" lang="en-US" sz="3150" spc="-1" strike="noStrike">
-              <a:solidFill>
-                <a:srgbClr val="ffffff"/>
-              </a:solidFill>
+            <a:endParaRPr b="0" lang="en-US" sz="3200" spc="-1" strike="noStrike">
               <a:latin typeface="Arial"/>
             </a:endParaRPr>
           </a:p>
@@ -5024,8 +4801,8 @@
         </p:nvSpPr>
         <p:spPr>
           <a:xfrm>
-            <a:off x="5152680" y="2376000"/>
-            <a:ext cx="4426920" cy="1313640"/>
+            <a:off x="5152680" y="1326600"/>
+            <a:ext cx="4426920" cy="1568520"/>
           </a:xfrm>
           <a:prstGeom prst="rect">
             <a:avLst/>
@@ -5040,10 +4817,7 @@
             <a:normAutofit/>
           </a:bodyPr>
           <a:p>
-            <a:endParaRPr b="0" lang="en-US" sz="3150" spc="-1" strike="noStrike">
-              <a:solidFill>
-                <a:srgbClr val="ffffff"/>
-              </a:solidFill>
+            <a:endParaRPr b="0" lang="en-US" sz="3200" spc="-1" strike="noStrike">
               <a:latin typeface="Arial"/>
             </a:endParaRPr>
           </a:p>
@@ -5061,8 +4835,8 @@
         </p:nvSpPr>
         <p:spPr>
           <a:xfrm>
-            <a:off x="504000" y="3814920"/>
-            <a:ext cx="9071640" cy="1313640"/>
+            <a:off x="504000" y="3044520"/>
+            <a:ext cx="9072000" cy="1568520"/>
           </a:xfrm>
           <a:prstGeom prst="rect">
             <a:avLst/>
@@ -5077,10 +4851,7 @@
             <a:normAutofit/>
           </a:bodyPr>
           <a:p>
-            <a:endParaRPr b="0" lang="en-US" sz="3150" spc="-1" strike="noStrike">
-              <a:solidFill>
-                <a:srgbClr val="ffffff"/>
-              </a:solidFill>
+            <a:endParaRPr b="0" lang="en-US" sz="3200" spc="-1" strike="noStrike">
               <a:latin typeface="Arial"/>
             </a:endParaRPr>
           </a:p>
@@ -5093,7 +4864,7 @@
             <a:spLocks noGrp="1"/>
           </p:cNvSpPr>
           <p:nvPr>
-            <p:ph type="ftr" idx="8"/>
+            <p:ph type="ftr" idx="7"/>
           </p:nvPr>
         </p:nvSpPr>
         <p:spPr/>
@@ -5113,14 +4884,14 @@
             <a:spLocks noGrp="1"/>
           </p:cNvSpPr>
           <p:nvPr>
-            <p:ph type="sldNum" idx="9"/>
-          </p:nvPr>
-        </p:nvSpPr>
-        <p:spPr/>
-        <p:txBody>
-          <a:bodyPr/>
-          <a:p>
-            <a:fld id="{27931396-2BC9-4E8B-80B2-874243DD1E28}" type="slidenum">
+            <p:ph type="sldNum" idx="8"/>
+          </p:nvPr>
+        </p:nvSpPr>
+        <p:spPr/>
+        <p:txBody>
+          <a:bodyPr/>
+          <a:p>
+            <a:fld id="{00160993-9321-40F2-997E-297A94F99532}" type="slidenum">
               <a:t>&lt;#&gt;</a:t>
             </a:fld>
           </a:p>
@@ -5133,7 +4904,7 @@
             <a:spLocks noGrp="1"/>
           </p:cNvSpPr>
           <p:nvPr>
-            <p:ph type="dt" idx="7"/>
+            <p:ph type="dt" idx="9"/>
           </p:nvPr>
         </p:nvSpPr>
         <p:spPr/>
@@ -5181,8 +4952,8 @@
         </p:nvSpPr>
         <p:spPr>
           <a:xfrm>
-            <a:off x="504000" y="810000"/>
-            <a:ext cx="9071640" cy="1296000"/>
+            <a:off x="504000" y="226080"/>
+            <a:ext cx="9072000" cy="946440"/>
           </a:xfrm>
           <a:prstGeom prst="rect">
             <a:avLst/>
@@ -5201,9 +4972,6 @@
               <a:buNone/>
             </a:pPr>
             <a:endParaRPr b="0" lang="en-US" sz="4400" spc="-1" strike="noStrike">
-              <a:solidFill>
-                <a:srgbClr val="ffffff"/>
-              </a:solidFill>
               <a:latin typeface="Arial"/>
             </a:endParaRPr>
           </a:p>
@@ -5221,8 +4989,8 @@
         </p:nvSpPr>
         <p:spPr>
           <a:xfrm>
-            <a:off x="504000" y="2376000"/>
-            <a:ext cx="9071640" cy="1313640"/>
+            <a:off x="504000" y="1326600"/>
+            <a:ext cx="9072000" cy="1568520"/>
           </a:xfrm>
           <a:prstGeom prst="rect">
             <a:avLst/>
@@ -5237,10 +5005,7 @@
             <a:normAutofit/>
           </a:bodyPr>
           <a:p>
-            <a:endParaRPr b="0" lang="en-US" sz="3150" spc="-1" strike="noStrike">
-              <a:solidFill>
-                <a:srgbClr val="ffffff"/>
-              </a:solidFill>
+            <a:endParaRPr b="0" lang="en-US" sz="3200" spc="-1" strike="noStrike">
               <a:latin typeface="Arial"/>
             </a:endParaRPr>
           </a:p>
@@ -5258,8 +5023,8 @@
         </p:nvSpPr>
         <p:spPr>
           <a:xfrm>
-            <a:off x="504000" y="3814920"/>
-            <a:ext cx="9071640" cy="1313640"/>
+            <a:off x="504000" y="3044520"/>
+            <a:ext cx="9072000" cy="1568520"/>
           </a:xfrm>
           <a:prstGeom prst="rect">
             <a:avLst/>
@@ -5274,10 +5039,7 @@
             <a:normAutofit/>
           </a:bodyPr>
           <a:p>
-            <a:endParaRPr b="0" lang="en-US" sz="3150" spc="-1" strike="noStrike">
-              <a:solidFill>
-                <a:srgbClr val="ffffff"/>
-              </a:solidFill>
+            <a:endParaRPr b="0" lang="en-US" sz="3200" spc="-1" strike="noStrike">
               <a:latin typeface="Arial"/>
             </a:endParaRPr>
           </a:p>
@@ -5290,7 +5052,7 @@
             <a:spLocks noGrp="1"/>
           </p:cNvSpPr>
           <p:nvPr>
-            <p:ph type="ftr" idx="8"/>
+            <p:ph type="ftr" idx="7"/>
           </p:nvPr>
         </p:nvSpPr>
         <p:spPr/>
@@ -5310,14 +5072,14 @@
             <a:spLocks noGrp="1"/>
           </p:cNvSpPr>
           <p:nvPr>
-            <p:ph type="sldNum" idx="9"/>
-          </p:nvPr>
-        </p:nvSpPr>
-        <p:spPr/>
-        <p:txBody>
-          <a:bodyPr/>
-          <a:p>
-            <a:fld id="{6C07B9E0-058B-4B62-8667-C02DBF23FEC0}" type="slidenum">
+            <p:ph type="sldNum" idx="8"/>
+          </p:nvPr>
+        </p:nvSpPr>
+        <p:spPr/>
+        <p:txBody>
+          <a:bodyPr/>
+          <a:p>
+            <a:fld id="{EEEDDF44-A550-49BC-957B-F7B36C343575}" type="slidenum">
               <a:t>&lt;#&gt;</a:t>
             </a:fld>
           </a:p>
@@ -5330,7 +5092,7 @@
             <a:spLocks noGrp="1"/>
           </p:cNvSpPr>
           <p:nvPr>
-            <p:ph type="dt" idx="7"/>
+            <p:ph type="dt" idx="9"/>
           </p:nvPr>
         </p:nvSpPr>
         <p:spPr/>
@@ -5378,8 +5140,8 @@
         </p:nvSpPr>
         <p:spPr>
           <a:xfrm>
-            <a:off x="504000" y="810000"/>
-            <a:ext cx="9071640" cy="1296000"/>
+            <a:off x="504000" y="226080"/>
+            <a:ext cx="9072000" cy="946440"/>
           </a:xfrm>
           <a:prstGeom prst="rect">
             <a:avLst/>
@@ -5398,9 +5160,6 @@
               <a:buNone/>
             </a:pPr>
             <a:endParaRPr b="0" lang="en-US" sz="4400" spc="-1" strike="noStrike">
-              <a:solidFill>
-                <a:srgbClr val="ffffff"/>
-              </a:solidFill>
               <a:latin typeface="Arial"/>
             </a:endParaRPr>
           </a:p>
@@ -5418,8 +5177,8 @@
         </p:nvSpPr>
         <p:spPr>
           <a:xfrm>
-            <a:off x="504000" y="2376000"/>
-            <a:ext cx="4426920" cy="1313640"/>
+            <a:off x="504000" y="1326600"/>
+            <a:ext cx="4426920" cy="1568520"/>
           </a:xfrm>
           <a:prstGeom prst="rect">
             <a:avLst/>
@@ -5434,10 +5193,7 @@
             <a:normAutofit/>
           </a:bodyPr>
           <a:p>
-            <a:endParaRPr b="0" lang="en-US" sz="3150" spc="-1" strike="noStrike">
-              <a:solidFill>
-                <a:srgbClr val="ffffff"/>
-              </a:solidFill>
+            <a:endParaRPr b="0" lang="en-US" sz="3200" spc="-1" strike="noStrike">
               <a:latin typeface="Arial"/>
             </a:endParaRPr>
           </a:p>
@@ -5455,8 +5211,8 @@
         </p:nvSpPr>
         <p:spPr>
           <a:xfrm>
-            <a:off x="5152680" y="2376000"/>
-            <a:ext cx="4426920" cy="1313640"/>
+            <a:off x="5152680" y="1326600"/>
+            <a:ext cx="4426920" cy="1568520"/>
           </a:xfrm>
           <a:prstGeom prst="rect">
             <a:avLst/>
@@ -5471,10 +5227,7 @@
             <a:normAutofit/>
           </a:bodyPr>
           <a:p>
-            <a:endParaRPr b="0" lang="en-US" sz="3150" spc="-1" strike="noStrike">
-              <a:solidFill>
-                <a:srgbClr val="ffffff"/>
-              </a:solidFill>
+            <a:endParaRPr b="0" lang="en-US" sz="3200" spc="-1" strike="noStrike">
               <a:latin typeface="Arial"/>
             </a:endParaRPr>
           </a:p>
@@ -5492,8 +5245,8 @@
         </p:nvSpPr>
         <p:spPr>
           <a:xfrm>
-            <a:off x="504000" y="3814920"/>
-            <a:ext cx="4426920" cy="1313640"/>
+            <a:off x="504000" y="3044520"/>
+            <a:ext cx="4426920" cy="1568520"/>
           </a:xfrm>
           <a:prstGeom prst="rect">
             <a:avLst/>
@@ -5508,10 +5261,7 @@
             <a:normAutofit/>
           </a:bodyPr>
           <a:p>
-            <a:endParaRPr b="0" lang="en-US" sz="3150" spc="-1" strike="noStrike">
-              <a:solidFill>
-                <a:srgbClr val="ffffff"/>
-              </a:solidFill>
+            <a:endParaRPr b="0" lang="en-US" sz="3200" spc="-1" strike="noStrike">
               <a:latin typeface="Arial"/>
             </a:endParaRPr>
           </a:p>
@@ -5529,8 +5279,8 @@
         </p:nvSpPr>
         <p:spPr>
           <a:xfrm>
-            <a:off x="5152680" y="3814920"/>
-            <a:ext cx="4426920" cy="1313640"/>
+            <a:off x="5152680" y="3044520"/>
+            <a:ext cx="4426920" cy="1568520"/>
           </a:xfrm>
           <a:prstGeom prst="rect">
             <a:avLst/>
@@ -5545,10 +5295,7 @@
             <a:normAutofit/>
           </a:bodyPr>
           <a:p>
-            <a:endParaRPr b="0" lang="en-US" sz="3150" spc="-1" strike="noStrike">
-              <a:solidFill>
-                <a:srgbClr val="ffffff"/>
-              </a:solidFill>
+            <a:endParaRPr b="0" lang="en-US" sz="3200" spc="-1" strike="noStrike">
               <a:latin typeface="Arial"/>
             </a:endParaRPr>
           </a:p>
@@ -5561,7 +5308,7 @@
             <a:spLocks noGrp="1"/>
           </p:cNvSpPr>
           <p:nvPr>
-            <p:ph type="ftr" idx="8"/>
+            <p:ph type="ftr" idx="7"/>
           </p:nvPr>
         </p:nvSpPr>
         <p:spPr/>
@@ -5581,14 +5328,14 @@
             <a:spLocks noGrp="1"/>
           </p:cNvSpPr>
           <p:nvPr>
-            <p:ph type="sldNum" idx="9"/>
-          </p:nvPr>
-        </p:nvSpPr>
-        <p:spPr/>
-        <p:txBody>
-          <a:bodyPr/>
-          <a:p>
-            <a:fld id="{EE6C75D9-85C6-4EED-82B1-EFC3346C2A98}" type="slidenum">
+            <p:ph type="sldNum" idx="8"/>
+          </p:nvPr>
+        </p:nvSpPr>
+        <p:spPr/>
+        <p:txBody>
+          <a:bodyPr/>
+          <a:p>
+            <a:fld id="{2D8DA857-4BF4-4F73-8221-C0CB72323CB0}" type="slidenum">
               <a:t>&lt;#&gt;</a:t>
             </a:fld>
           </a:p>
@@ -5601,7 +5348,7 @@
             <a:spLocks noGrp="1"/>
           </p:cNvSpPr>
           <p:nvPr>
-            <p:ph type="dt" idx="7"/>
+            <p:ph type="dt" idx="9"/>
           </p:nvPr>
         </p:nvSpPr>
         <p:spPr/>
@@ -5649,8 +5396,8 @@
         </p:nvSpPr>
         <p:spPr>
           <a:xfrm>
-            <a:off x="504000" y="810000"/>
-            <a:ext cx="9071640" cy="1296000"/>
+            <a:off x="504000" y="226080"/>
+            <a:ext cx="9072000" cy="946440"/>
           </a:xfrm>
           <a:prstGeom prst="rect">
             <a:avLst/>
@@ -5669,9 +5416,6 @@
               <a:buNone/>
             </a:pPr>
             <a:endParaRPr b="0" lang="en-US" sz="4400" spc="-1" strike="noStrike">
-              <a:solidFill>
-                <a:srgbClr val="ffffff"/>
-              </a:solidFill>
               <a:latin typeface="Arial"/>
             </a:endParaRPr>
           </a:p>
@@ -5689,8 +5433,8 @@
         </p:nvSpPr>
         <p:spPr>
           <a:xfrm>
-            <a:off x="504000" y="2376000"/>
-            <a:ext cx="2920680" cy="1313640"/>
+            <a:off x="504000" y="1326600"/>
+            <a:ext cx="2921040" cy="1568520"/>
           </a:xfrm>
           <a:prstGeom prst="rect">
             <a:avLst/>
@@ -5705,10 +5449,7 @@
             <a:normAutofit/>
           </a:bodyPr>
           <a:p>
-            <a:endParaRPr b="0" lang="en-US" sz="3150" spc="-1" strike="noStrike">
-              <a:solidFill>
-                <a:srgbClr val="ffffff"/>
-              </a:solidFill>
+            <a:endParaRPr b="0" lang="en-US" sz="3200" spc="-1" strike="noStrike">
               <a:latin typeface="Arial"/>
             </a:endParaRPr>
           </a:p>
@@ -5726,8 +5467,8 @@
         </p:nvSpPr>
         <p:spPr>
           <a:xfrm>
-            <a:off x="3571200" y="2376000"/>
-            <a:ext cx="2920680" cy="1313640"/>
+            <a:off x="3571560" y="1326600"/>
+            <a:ext cx="2921040" cy="1568520"/>
           </a:xfrm>
           <a:prstGeom prst="rect">
             <a:avLst/>
@@ -5742,10 +5483,7 @@
             <a:normAutofit/>
           </a:bodyPr>
           <a:p>
-            <a:endParaRPr b="0" lang="en-US" sz="3150" spc="-1" strike="noStrike">
-              <a:solidFill>
-                <a:srgbClr val="ffffff"/>
-              </a:solidFill>
+            <a:endParaRPr b="0" lang="en-US" sz="3200" spc="-1" strike="noStrike">
               <a:latin typeface="Arial"/>
             </a:endParaRPr>
           </a:p>
@@ -5763,8 +5501,8 @@
         </p:nvSpPr>
         <p:spPr>
           <a:xfrm>
-            <a:off x="6638040" y="2376000"/>
-            <a:ext cx="2920680" cy="1313640"/>
+            <a:off x="6639120" y="1326600"/>
+            <a:ext cx="2921040" cy="1568520"/>
           </a:xfrm>
           <a:prstGeom prst="rect">
             <a:avLst/>
@@ -5779,10 +5517,7 @@
             <a:normAutofit/>
           </a:bodyPr>
           <a:p>
-            <a:endParaRPr b="0" lang="en-US" sz="3150" spc="-1" strike="noStrike">
-              <a:solidFill>
-                <a:srgbClr val="ffffff"/>
-              </a:solidFill>
+            <a:endParaRPr b="0" lang="en-US" sz="3200" spc="-1" strike="noStrike">
               <a:latin typeface="Arial"/>
             </a:endParaRPr>
           </a:p>
@@ -5800,8 +5535,8 @@
         </p:nvSpPr>
         <p:spPr>
           <a:xfrm>
-            <a:off x="504000" y="3814920"/>
-            <a:ext cx="2920680" cy="1313640"/>
+            <a:off x="504000" y="3044520"/>
+            <a:ext cx="2921040" cy="1568520"/>
           </a:xfrm>
           <a:prstGeom prst="rect">
             <a:avLst/>
@@ -5816,10 +5551,7 @@
             <a:normAutofit/>
           </a:bodyPr>
           <a:p>
-            <a:endParaRPr b="0" lang="en-US" sz="3150" spc="-1" strike="noStrike">
-              <a:solidFill>
-                <a:srgbClr val="ffffff"/>
-              </a:solidFill>
+            <a:endParaRPr b="0" lang="en-US" sz="3200" spc="-1" strike="noStrike">
               <a:latin typeface="Arial"/>
             </a:endParaRPr>
           </a:p>
@@ -5837,8 +5569,8 @@
         </p:nvSpPr>
         <p:spPr>
           <a:xfrm>
-            <a:off x="3571200" y="3814920"/>
-            <a:ext cx="2920680" cy="1313640"/>
+            <a:off x="3571560" y="3044520"/>
+            <a:ext cx="2921040" cy="1568520"/>
           </a:xfrm>
           <a:prstGeom prst="rect">
             <a:avLst/>
@@ -5853,10 +5585,7 @@
             <a:normAutofit/>
           </a:bodyPr>
           <a:p>
-            <a:endParaRPr b="0" lang="en-US" sz="3150" spc="-1" strike="noStrike">
-              <a:solidFill>
-                <a:srgbClr val="ffffff"/>
-              </a:solidFill>
+            <a:endParaRPr b="0" lang="en-US" sz="3200" spc="-1" strike="noStrike">
               <a:latin typeface="Arial"/>
             </a:endParaRPr>
           </a:p>
@@ -5874,8 +5603,8 @@
         </p:nvSpPr>
         <p:spPr>
           <a:xfrm>
-            <a:off x="6638040" y="3814920"/>
-            <a:ext cx="2920680" cy="1313640"/>
+            <a:off x="6639120" y="3044520"/>
+            <a:ext cx="2921040" cy="1568520"/>
           </a:xfrm>
           <a:prstGeom prst="rect">
             <a:avLst/>
@@ -5890,10 +5619,7 @@
             <a:normAutofit/>
           </a:bodyPr>
           <a:p>
-            <a:endParaRPr b="0" lang="en-US" sz="3150" spc="-1" strike="noStrike">
-              <a:solidFill>
-                <a:srgbClr val="ffffff"/>
-              </a:solidFill>
+            <a:endParaRPr b="0" lang="en-US" sz="3200" spc="-1" strike="noStrike">
               <a:latin typeface="Arial"/>
             </a:endParaRPr>
           </a:p>
@@ -5906,7 +5632,7 @@
             <a:spLocks noGrp="1"/>
           </p:cNvSpPr>
           <p:nvPr>
-            <p:ph type="ftr" idx="8"/>
+            <p:ph type="ftr" idx="7"/>
           </p:nvPr>
         </p:nvSpPr>
         <p:spPr/>
@@ -5926,14 +5652,14 @@
             <a:spLocks noGrp="1"/>
           </p:cNvSpPr>
           <p:nvPr>
-            <p:ph type="sldNum" idx="9"/>
-          </p:nvPr>
-        </p:nvSpPr>
-        <p:spPr/>
-        <p:txBody>
-          <a:bodyPr/>
-          <a:p>
-            <a:fld id="{E614DEF5-FF0D-4FE7-B0FE-F3D165EFEB60}" type="slidenum">
+            <p:ph type="sldNum" idx="8"/>
+          </p:nvPr>
+        </p:nvSpPr>
+        <p:spPr/>
+        <p:txBody>
+          <a:bodyPr/>
+          <a:p>
+            <a:fld id="{781377A0-D012-48F8-B5C3-05827DC08817}" type="slidenum">
               <a:t>&lt;#&gt;</a:t>
             </a:fld>
           </a:p>
@@ -5946,413 +5672,7 @@
             <a:spLocks noGrp="1"/>
           </p:cNvSpPr>
           <p:nvPr>
-            <p:ph type="dt" idx="7"/>
-          </p:nvPr>
-        </p:nvSpPr>
-        <p:spPr/>
-        <p:txBody>
-          <a:bodyPr/>
-          <a:p>
-            <a:r>
-              <a:rPr lang="en-US"/>
-              <a:t/>
-            </a:r>
-          </a:p>
-        </p:txBody>
-      </p:sp>
-    </p:spTree>
-  </p:cSld>
-</p:sldLayout>
-</file>
-
-<file path=ppt/slideLayouts/slideLayout37.xml><?xml version="1.0" encoding="utf-8"?>
-<p:sldLayout xmlns:a="http://schemas.openxmlformats.org/drawingml/2006/main" xmlns:p="http://schemas.openxmlformats.org/presentationml/2006/main" xmlns:r="http://schemas.openxmlformats.org/officeDocument/2006/relationships" xmlns:p14="http://schemas.microsoft.com/office/powerpoint/2010/main" xmlns:p15="http://schemas.microsoft.com/office/powerpoint/2012/main" xmlns:mc="http://schemas.openxmlformats.org/markup-compatibility/2006" type="blank" preserve="1">
-  <p:cSld name="Blank Slide">
-    <p:spTree>
-      <p:nvGrpSpPr>
-        <p:cNvPr id="1" name=""/>
-        <p:cNvGrpSpPr/>
-        <p:nvPr/>
-      </p:nvGrpSpPr>
-      <p:grpSpPr>
-        <a:xfrm>
-          <a:off x="0" y="0"/>
-          <a:ext cx="0" cy="0"/>
-          <a:chOff x="0" y="0"/>
-          <a:chExt cx="0" cy="0"/>
-        </a:xfrm>
-      </p:grpSpPr>
-      <p:sp>
-        <p:nvSpPr>
-          <p:cNvPr id="2" name="PlaceHolder 1"/>
-          <p:cNvSpPr>
-            <a:spLocks noGrp="1"/>
-          </p:cNvSpPr>
-          <p:nvPr>
-            <p:ph type="ftr" idx="11"/>
-          </p:nvPr>
-        </p:nvSpPr>
-        <p:spPr/>
-        <p:txBody>
-          <a:bodyPr/>
-          <a:p>
-            <a:r>
-              <a:t>Footer</a:t>
-            </a:r>
-          </a:p>
-        </p:txBody>
-      </p:sp>
-      <p:sp>
-        <p:nvSpPr>
-          <p:cNvPr id="3" name="PlaceHolder 2"/>
-          <p:cNvSpPr>
-            <a:spLocks noGrp="1"/>
-          </p:cNvSpPr>
-          <p:nvPr>
-            <p:ph type="sldNum" idx="12"/>
-          </p:nvPr>
-        </p:nvSpPr>
-        <p:spPr/>
-        <p:txBody>
-          <a:bodyPr/>
-          <a:p>
-            <a:fld id="{FBEF850A-708E-4CF4-8350-5828B4B990FC}" type="slidenum">
-              <a:t>&lt;#&gt;</a:t>
-            </a:fld>
-          </a:p>
-        </p:txBody>
-      </p:sp>
-      <p:sp>
-        <p:nvSpPr>
-          <p:cNvPr id="4" name="PlaceHolder 3"/>
-          <p:cNvSpPr>
-            <a:spLocks noGrp="1"/>
-          </p:cNvSpPr>
-          <p:nvPr>
-            <p:ph type="dt" idx="10"/>
-          </p:nvPr>
-        </p:nvSpPr>
-        <p:spPr/>
-        <p:txBody>
-          <a:bodyPr/>
-          <a:p>
-            <a:r>
-              <a:rPr lang="en-US"/>
-              <a:t/>
-            </a:r>
-          </a:p>
-        </p:txBody>
-      </p:sp>
-    </p:spTree>
-  </p:cSld>
-</p:sldLayout>
-</file>
-
-<file path=ppt/slideLayouts/slideLayout38.xml><?xml version="1.0" encoding="utf-8"?>
-<p:sldLayout xmlns:a="http://schemas.openxmlformats.org/drawingml/2006/main" xmlns:p="http://schemas.openxmlformats.org/presentationml/2006/main" xmlns:r="http://schemas.openxmlformats.org/officeDocument/2006/relationships" xmlns:p14="http://schemas.microsoft.com/office/powerpoint/2010/main" xmlns:p15="http://schemas.microsoft.com/office/powerpoint/2012/main" xmlns:mc="http://schemas.openxmlformats.org/markup-compatibility/2006" type="tx" preserve="1">
-  <p:cSld name="Title Slide">
-    <p:spTree>
-      <p:nvGrpSpPr>
-        <p:cNvPr id="1" name=""/>
-        <p:cNvGrpSpPr/>
-        <p:nvPr/>
-      </p:nvGrpSpPr>
-      <p:grpSpPr>
-        <a:xfrm>
-          <a:off x="0" y="0"/>
-          <a:ext cx="0" cy="0"/>
-          <a:chOff x="0" y="0"/>
-          <a:chExt cx="0" cy="0"/>
-        </a:xfrm>
-      </p:grpSpPr>
-      <p:sp>
-        <p:nvSpPr>
-          <p:cNvPr id="128" name="PlaceHolder 1"/>
-          <p:cNvSpPr>
-            <a:spLocks noGrp="1"/>
-          </p:cNvSpPr>
-          <p:nvPr>
-            <p:ph type="title"/>
-          </p:nvPr>
-        </p:nvSpPr>
-        <p:spPr>
-          <a:xfrm>
-            <a:off x="504000" y="810000"/>
-            <a:ext cx="9071640" cy="1296000"/>
-          </a:xfrm>
-          <a:prstGeom prst="rect">
-            <a:avLst/>
-          </a:prstGeom>
-          <a:noFill/>
-          <a:ln w="0">
-            <a:noFill/>
-          </a:ln>
-        </p:spPr>
-        <p:txBody>
-          <a:bodyPr lIns="0" rIns="0" tIns="0" bIns="0" anchor="ctr">
-            <a:noAutofit/>
-          </a:bodyPr>
-          <a:p>
-            <a:pPr algn="ctr">
-              <a:buNone/>
-            </a:pPr>
-            <a:endParaRPr b="0" lang="en-US" sz="4400" spc="-1" strike="noStrike">
-              <a:solidFill>
-                <a:srgbClr val="ffffff"/>
-              </a:solidFill>
-              <a:latin typeface="Arial"/>
-            </a:endParaRPr>
-          </a:p>
-        </p:txBody>
-      </p:sp>
-      <p:sp>
-        <p:nvSpPr>
-          <p:cNvPr id="129" name="PlaceHolder 2"/>
-          <p:cNvSpPr>
-            <a:spLocks noGrp="1"/>
-          </p:cNvSpPr>
-          <p:nvPr>
-            <p:ph type="subTitle"/>
-          </p:nvPr>
-        </p:nvSpPr>
-        <p:spPr>
-          <a:xfrm>
-            <a:off x="504000" y="2376000"/>
-            <a:ext cx="9071640" cy="2754000"/>
-          </a:xfrm>
-          <a:prstGeom prst="rect">
-            <a:avLst/>
-          </a:prstGeom>
-          <a:noFill/>
-          <a:ln w="0">
-            <a:noFill/>
-          </a:ln>
-        </p:spPr>
-        <p:txBody>
-          <a:bodyPr lIns="0" rIns="0" tIns="0" bIns="0" anchor="ctr">
-            <a:noAutofit/>
-          </a:bodyPr>
-          <a:p>
-            <a:pPr algn="ctr">
-              <a:buNone/>
-            </a:pPr>
-            <a:endParaRPr b="0" lang="en-US" sz="3200" spc="-1" strike="noStrike">
-              <a:solidFill>
-                <a:srgbClr val="ffffff"/>
-              </a:solidFill>
-              <a:latin typeface="Arial"/>
-            </a:endParaRPr>
-          </a:p>
-        </p:txBody>
-      </p:sp>
-      <p:sp>
-        <p:nvSpPr>
-          <p:cNvPr id="4" name="PlaceHolder 3"/>
-          <p:cNvSpPr>
-            <a:spLocks noGrp="1"/>
-          </p:cNvSpPr>
-          <p:nvPr>
-            <p:ph type="ftr" idx="11"/>
-          </p:nvPr>
-        </p:nvSpPr>
-        <p:spPr/>
-        <p:txBody>
-          <a:bodyPr/>
-          <a:p>
-            <a:r>
-              <a:t>Footer</a:t>
-            </a:r>
-          </a:p>
-        </p:txBody>
-      </p:sp>
-      <p:sp>
-        <p:nvSpPr>
-          <p:cNvPr id="5" name="PlaceHolder 4"/>
-          <p:cNvSpPr>
-            <a:spLocks noGrp="1"/>
-          </p:cNvSpPr>
-          <p:nvPr>
-            <p:ph type="sldNum" idx="12"/>
-          </p:nvPr>
-        </p:nvSpPr>
-        <p:spPr/>
-        <p:txBody>
-          <a:bodyPr/>
-          <a:p>
-            <a:fld id="{AB02B543-FFBA-4F5E-ACDC-C8272339D904}" type="slidenum">
-              <a:t>&lt;#&gt;</a:t>
-            </a:fld>
-          </a:p>
-        </p:txBody>
-      </p:sp>
-      <p:sp>
-        <p:nvSpPr>
-          <p:cNvPr id="6" name="PlaceHolder 5"/>
-          <p:cNvSpPr>
-            <a:spLocks noGrp="1"/>
-          </p:cNvSpPr>
-          <p:nvPr>
-            <p:ph type="dt" idx="10"/>
-          </p:nvPr>
-        </p:nvSpPr>
-        <p:spPr/>
-        <p:txBody>
-          <a:bodyPr/>
-          <a:p>
-            <a:r>
-              <a:rPr lang="en-US"/>
-              <a:t/>
-            </a:r>
-          </a:p>
-        </p:txBody>
-      </p:sp>
-    </p:spTree>
-  </p:cSld>
-</p:sldLayout>
-</file>
-
-<file path=ppt/slideLayouts/slideLayout39.xml><?xml version="1.0" encoding="utf-8"?>
-<p:sldLayout xmlns:a="http://schemas.openxmlformats.org/drawingml/2006/main" xmlns:p="http://schemas.openxmlformats.org/presentationml/2006/main" xmlns:r="http://schemas.openxmlformats.org/officeDocument/2006/relationships" xmlns:p14="http://schemas.microsoft.com/office/powerpoint/2010/main" xmlns:p15="http://schemas.microsoft.com/office/powerpoint/2012/main" xmlns:mc="http://schemas.openxmlformats.org/markup-compatibility/2006" type="obj" preserve="1">
-  <p:cSld name="Title, Content">
-    <p:spTree>
-      <p:nvGrpSpPr>
-        <p:cNvPr id="1" name=""/>
-        <p:cNvGrpSpPr/>
-        <p:nvPr/>
-      </p:nvGrpSpPr>
-      <p:grpSpPr>
-        <a:xfrm>
-          <a:off x="0" y="0"/>
-          <a:ext cx="0" cy="0"/>
-          <a:chOff x="0" y="0"/>
-          <a:chExt cx="0" cy="0"/>
-        </a:xfrm>
-      </p:grpSpPr>
-      <p:sp>
-        <p:nvSpPr>
-          <p:cNvPr id="130" name="PlaceHolder 1"/>
-          <p:cNvSpPr>
-            <a:spLocks noGrp="1"/>
-          </p:cNvSpPr>
-          <p:nvPr>
-            <p:ph type="title"/>
-          </p:nvPr>
-        </p:nvSpPr>
-        <p:spPr>
-          <a:xfrm>
-            <a:off x="504000" y="810000"/>
-            <a:ext cx="9071640" cy="1296000"/>
-          </a:xfrm>
-          <a:prstGeom prst="rect">
-            <a:avLst/>
-          </a:prstGeom>
-          <a:noFill/>
-          <a:ln w="0">
-            <a:noFill/>
-          </a:ln>
-        </p:spPr>
-        <p:txBody>
-          <a:bodyPr lIns="0" rIns="0" tIns="0" bIns="0" anchor="ctr">
-            <a:noAutofit/>
-          </a:bodyPr>
-          <a:p>
-            <a:pPr algn="ctr">
-              <a:buNone/>
-            </a:pPr>
-            <a:endParaRPr b="0" lang="en-US" sz="4400" spc="-1" strike="noStrike">
-              <a:solidFill>
-                <a:srgbClr val="ffffff"/>
-              </a:solidFill>
-              <a:latin typeface="Arial"/>
-            </a:endParaRPr>
-          </a:p>
-        </p:txBody>
-      </p:sp>
-      <p:sp>
-        <p:nvSpPr>
-          <p:cNvPr id="131" name="PlaceHolder 2"/>
-          <p:cNvSpPr>
-            <a:spLocks noGrp="1"/>
-          </p:cNvSpPr>
-          <p:nvPr>
-            <p:ph/>
-          </p:nvPr>
-        </p:nvSpPr>
-        <p:spPr>
-          <a:xfrm>
-            <a:off x="504000" y="2376000"/>
-            <a:ext cx="9071640" cy="2754000"/>
-          </a:xfrm>
-          <a:prstGeom prst="rect">
-            <a:avLst/>
-          </a:prstGeom>
-          <a:noFill/>
-          <a:ln w="0">
-            <a:noFill/>
-          </a:ln>
-        </p:spPr>
-        <p:txBody>
-          <a:bodyPr lIns="0" rIns="0" tIns="0" bIns="0" anchor="t">
-            <a:normAutofit/>
-          </a:bodyPr>
-          <a:p>
-            <a:endParaRPr b="0" lang="en-US" sz="3150" spc="-1" strike="noStrike">
-              <a:solidFill>
-                <a:srgbClr val="ffffff"/>
-              </a:solidFill>
-              <a:latin typeface="Arial"/>
-            </a:endParaRPr>
-          </a:p>
-        </p:txBody>
-      </p:sp>
-      <p:sp>
-        <p:nvSpPr>
-          <p:cNvPr id="4" name="PlaceHolder 3"/>
-          <p:cNvSpPr>
-            <a:spLocks noGrp="1"/>
-          </p:cNvSpPr>
-          <p:nvPr>
-            <p:ph type="ftr" idx="11"/>
-          </p:nvPr>
-        </p:nvSpPr>
-        <p:spPr/>
-        <p:txBody>
-          <a:bodyPr/>
-          <a:p>
-            <a:r>
-              <a:t>Footer</a:t>
-            </a:r>
-          </a:p>
-        </p:txBody>
-      </p:sp>
-      <p:sp>
-        <p:nvSpPr>
-          <p:cNvPr id="5" name="PlaceHolder 4"/>
-          <p:cNvSpPr>
-            <a:spLocks noGrp="1"/>
-          </p:cNvSpPr>
-          <p:nvPr>
-            <p:ph type="sldNum" idx="12"/>
-          </p:nvPr>
-        </p:nvSpPr>
-        <p:spPr/>
-        <p:txBody>
-          <a:bodyPr/>
-          <a:p>
-            <a:fld id="{CF5246E0-B458-4A59-8BC0-0B90B20BB9CA}" type="slidenum">
-              <a:t>&lt;#&gt;</a:t>
-            </a:fld>
-          </a:p>
-        </p:txBody>
-      </p:sp>
-      <p:sp>
-        <p:nvSpPr>
-          <p:cNvPr id="6" name="PlaceHolder 5"/>
-          <p:cNvSpPr>
-            <a:spLocks noGrp="1"/>
-          </p:cNvSpPr>
-          <p:nvPr>
-            <p:ph type="dt" idx="10"/>
+            <p:ph type="dt" idx="9"/>
           </p:nvPr>
         </p:nvSpPr>
         <p:spPr/>
@@ -6400,8 +5720,8 @@
         </p:nvSpPr>
         <p:spPr>
           <a:xfrm>
-            <a:off x="504000" y="810000"/>
-            <a:ext cx="9071640" cy="1296000"/>
+            <a:off x="504000" y="226080"/>
+            <a:ext cx="9072000" cy="946440"/>
           </a:xfrm>
           <a:prstGeom prst="rect">
             <a:avLst/>
@@ -6420,9 +5740,6 @@
               <a:buNone/>
             </a:pPr>
             <a:endParaRPr b="0" lang="en-US" sz="4400" spc="-1" strike="noStrike">
-              <a:solidFill>
-                <a:srgbClr val="ffffff"/>
-              </a:solidFill>
               <a:latin typeface="Arial"/>
             </a:endParaRPr>
           </a:p>
@@ -6440,8 +5757,8 @@
         </p:nvSpPr>
         <p:spPr>
           <a:xfrm>
-            <a:off x="504000" y="2376000"/>
-            <a:ext cx="4426920" cy="2754000"/>
+            <a:off x="504000" y="1326600"/>
+            <a:ext cx="4426920" cy="3288600"/>
           </a:xfrm>
           <a:prstGeom prst="rect">
             <a:avLst/>
@@ -6456,10 +5773,7 @@
             <a:normAutofit/>
           </a:bodyPr>
           <a:p>
-            <a:endParaRPr b="0" lang="en-US" sz="3150" spc="-1" strike="noStrike">
-              <a:solidFill>
-                <a:srgbClr val="ffffff"/>
-              </a:solidFill>
+            <a:endParaRPr b="0" lang="en-US" sz="3200" spc="-1" strike="noStrike">
               <a:latin typeface="Arial"/>
             </a:endParaRPr>
           </a:p>
@@ -6477,8 +5791,8 @@
         </p:nvSpPr>
         <p:spPr>
           <a:xfrm>
-            <a:off x="5152680" y="2376000"/>
-            <a:ext cx="4426920" cy="2754000"/>
+            <a:off x="5152680" y="1326600"/>
+            <a:ext cx="4426920" cy="3288600"/>
           </a:xfrm>
           <a:prstGeom prst="rect">
             <a:avLst/>
@@ -6493,10 +5807,7 @@
             <a:normAutofit/>
           </a:bodyPr>
           <a:p>
-            <a:endParaRPr b="0" lang="en-US" sz="3150" spc="-1" strike="noStrike">
-              <a:solidFill>
-                <a:srgbClr val="ffffff"/>
-              </a:solidFill>
+            <a:endParaRPr b="0" lang="en-US" sz="3200" spc="-1" strike="noStrike">
               <a:latin typeface="Arial"/>
             </a:endParaRPr>
           </a:p>
@@ -6509,7 +5820,7 @@
             <a:spLocks noGrp="1"/>
           </p:cNvSpPr>
           <p:nvPr>
-            <p:ph type="ftr" idx="2"/>
+            <p:ph type="ftr" idx="1"/>
           </p:nvPr>
         </p:nvSpPr>
         <p:spPr/>
@@ -6529,14 +5840,14 @@
             <a:spLocks noGrp="1"/>
           </p:cNvSpPr>
           <p:nvPr>
-            <p:ph type="sldNum" idx="3"/>
-          </p:nvPr>
-        </p:nvSpPr>
-        <p:spPr/>
-        <p:txBody>
-          <a:bodyPr/>
-          <a:p>
-            <a:fld id="{960F7126-FF2D-4FC0-84BC-FD084D9125D2}" type="slidenum">
+            <p:ph type="sldNum" idx="2"/>
+          </p:nvPr>
+        </p:nvSpPr>
+        <p:spPr/>
+        <p:txBody>
+          <a:bodyPr/>
+          <a:p>
+            <a:fld id="{A249958A-98A7-4E3D-BFEA-E76EE8B0CFE3}" type="slidenum">
               <a:t>&lt;#&gt;</a:t>
             </a:fld>
           </a:p>
@@ -6549,1965 +5860,7 @@
             <a:spLocks noGrp="1"/>
           </p:cNvSpPr>
           <p:nvPr>
-            <p:ph type="dt" idx="1"/>
-          </p:nvPr>
-        </p:nvSpPr>
-        <p:spPr/>
-        <p:txBody>
-          <a:bodyPr/>
-          <a:p>
-            <a:r>
-              <a:rPr lang="en-US"/>
-              <a:t/>
-            </a:r>
-          </a:p>
-        </p:txBody>
-      </p:sp>
-    </p:spTree>
-  </p:cSld>
-</p:sldLayout>
-</file>
-
-<file path=ppt/slideLayouts/slideLayout40.xml><?xml version="1.0" encoding="utf-8"?>
-<p:sldLayout xmlns:a="http://schemas.openxmlformats.org/drawingml/2006/main" xmlns:p="http://schemas.openxmlformats.org/presentationml/2006/main" xmlns:r="http://schemas.openxmlformats.org/officeDocument/2006/relationships" xmlns:p14="http://schemas.microsoft.com/office/powerpoint/2010/main" xmlns:p15="http://schemas.microsoft.com/office/powerpoint/2012/main" xmlns:mc="http://schemas.openxmlformats.org/markup-compatibility/2006" type="twoObj" preserve="1">
-  <p:cSld name="Title, 2 Content">
-    <p:spTree>
-      <p:nvGrpSpPr>
-        <p:cNvPr id="1" name=""/>
-        <p:cNvGrpSpPr/>
-        <p:nvPr/>
-      </p:nvGrpSpPr>
-      <p:grpSpPr>
-        <a:xfrm>
-          <a:off x="0" y="0"/>
-          <a:ext cx="0" cy="0"/>
-          <a:chOff x="0" y="0"/>
-          <a:chExt cx="0" cy="0"/>
-        </a:xfrm>
-      </p:grpSpPr>
-      <p:sp>
-        <p:nvSpPr>
-          <p:cNvPr id="132" name="PlaceHolder 1"/>
-          <p:cNvSpPr>
-            <a:spLocks noGrp="1"/>
-          </p:cNvSpPr>
-          <p:nvPr>
-            <p:ph type="title"/>
-          </p:nvPr>
-        </p:nvSpPr>
-        <p:spPr>
-          <a:xfrm>
-            <a:off x="504000" y="810000"/>
-            <a:ext cx="9071640" cy="1296000"/>
-          </a:xfrm>
-          <a:prstGeom prst="rect">
-            <a:avLst/>
-          </a:prstGeom>
-          <a:noFill/>
-          <a:ln w="0">
-            <a:noFill/>
-          </a:ln>
-        </p:spPr>
-        <p:txBody>
-          <a:bodyPr lIns="0" rIns="0" tIns="0" bIns="0" anchor="ctr">
-            <a:noAutofit/>
-          </a:bodyPr>
-          <a:p>
-            <a:pPr algn="ctr">
-              <a:buNone/>
-            </a:pPr>
-            <a:endParaRPr b="0" lang="en-US" sz="4400" spc="-1" strike="noStrike">
-              <a:solidFill>
-                <a:srgbClr val="ffffff"/>
-              </a:solidFill>
-              <a:latin typeface="Arial"/>
-            </a:endParaRPr>
-          </a:p>
-        </p:txBody>
-      </p:sp>
-      <p:sp>
-        <p:nvSpPr>
-          <p:cNvPr id="133" name="PlaceHolder 2"/>
-          <p:cNvSpPr>
-            <a:spLocks noGrp="1"/>
-          </p:cNvSpPr>
-          <p:nvPr>
-            <p:ph/>
-          </p:nvPr>
-        </p:nvSpPr>
-        <p:spPr>
-          <a:xfrm>
-            <a:off x="504000" y="2376000"/>
-            <a:ext cx="4426920" cy="2754000"/>
-          </a:xfrm>
-          <a:prstGeom prst="rect">
-            <a:avLst/>
-          </a:prstGeom>
-          <a:noFill/>
-          <a:ln w="0">
-            <a:noFill/>
-          </a:ln>
-        </p:spPr>
-        <p:txBody>
-          <a:bodyPr lIns="0" rIns="0" tIns="0" bIns="0" anchor="t">
-            <a:normAutofit/>
-          </a:bodyPr>
-          <a:p>
-            <a:endParaRPr b="0" lang="en-US" sz="3150" spc="-1" strike="noStrike">
-              <a:solidFill>
-                <a:srgbClr val="ffffff"/>
-              </a:solidFill>
-              <a:latin typeface="Arial"/>
-            </a:endParaRPr>
-          </a:p>
-        </p:txBody>
-      </p:sp>
-      <p:sp>
-        <p:nvSpPr>
-          <p:cNvPr id="134" name="PlaceHolder 3"/>
-          <p:cNvSpPr>
-            <a:spLocks noGrp="1"/>
-          </p:cNvSpPr>
-          <p:nvPr>
-            <p:ph/>
-          </p:nvPr>
-        </p:nvSpPr>
-        <p:spPr>
-          <a:xfrm>
-            <a:off x="5152680" y="2376000"/>
-            <a:ext cx="4426920" cy="2754000"/>
-          </a:xfrm>
-          <a:prstGeom prst="rect">
-            <a:avLst/>
-          </a:prstGeom>
-          <a:noFill/>
-          <a:ln w="0">
-            <a:noFill/>
-          </a:ln>
-        </p:spPr>
-        <p:txBody>
-          <a:bodyPr lIns="0" rIns="0" tIns="0" bIns="0" anchor="t">
-            <a:normAutofit/>
-          </a:bodyPr>
-          <a:p>
-            <a:endParaRPr b="0" lang="en-US" sz="3150" spc="-1" strike="noStrike">
-              <a:solidFill>
-                <a:srgbClr val="ffffff"/>
-              </a:solidFill>
-              <a:latin typeface="Arial"/>
-            </a:endParaRPr>
-          </a:p>
-        </p:txBody>
-      </p:sp>
-      <p:sp>
-        <p:nvSpPr>
-          <p:cNvPr id="5" name="PlaceHolder 4"/>
-          <p:cNvSpPr>
-            <a:spLocks noGrp="1"/>
-          </p:cNvSpPr>
-          <p:nvPr>
-            <p:ph type="ftr" idx="11"/>
-          </p:nvPr>
-        </p:nvSpPr>
-        <p:spPr/>
-        <p:txBody>
-          <a:bodyPr/>
-          <a:p>
-            <a:r>
-              <a:t>Footer</a:t>
-            </a:r>
-          </a:p>
-        </p:txBody>
-      </p:sp>
-      <p:sp>
-        <p:nvSpPr>
-          <p:cNvPr id="6" name="PlaceHolder 5"/>
-          <p:cNvSpPr>
-            <a:spLocks noGrp="1"/>
-          </p:cNvSpPr>
-          <p:nvPr>
-            <p:ph type="sldNum" idx="12"/>
-          </p:nvPr>
-        </p:nvSpPr>
-        <p:spPr/>
-        <p:txBody>
-          <a:bodyPr/>
-          <a:p>
-            <a:fld id="{028368F9-5ECD-4070-BB2D-70EFB783BF92}" type="slidenum">
-              <a:t>&lt;#&gt;</a:t>
-            </a:fld>
-          </a:p>
-        </p:txBody>
-      </p:sp>
-      <p:sp>
-        <p:nvSpPr>
-          <p:cNvPr id="7" name="PlaceHolder 6"/>
-          <p:cNvSpPr>
-            <a:spLocks noGrp="1"/>
-          </p:cNvSpPr>
-          <p:nvPr>
-            <p:ph type="dt" idx="10"/>
-          </p:nvPr>
-        </p:nvSpPr>
-        <p:spPr/>
-        <p:txBody>
-          <a:bodyPr/>
-          <a:p>
-            <a:r>
-              <a:rPr lang="en-US"/>
-              <a:t/>
-            </a:r>
-          </a:p>
-        </p:txBody>
-      </p:sp>
-    </p:spTree>
-  </p:cSld>
-</p:sldLayout>
-</file>
-
-<file path=ppt/slideLayouts/slideLayout41.xml><?xml version="1.0" encoding="utf-8"?>
-<p:sldLayout xmlns:a="http://schemas.openxmlformats.org/drawingml/2006/main" xmlns:p="http://schemas.openxmlformats.org/presentationml/2006/main" xmlns:r="http://schemas.openxmlformats.org/officeDocument/2006/relationships" xmlns:p14="http://schemas.microsoft.com/office/powerpoint/2010/main" xmlns:p15="http://schemas.microsoft.com/office/powerpoint/2012/main" xmlns:mc="http://schemas.openxmlformats.org/markup-compatibility/2006" type="titleOnly" preserve="1">
-  <p:cSld name="Title Only">
-    <p:spTree>
-      <p:nvGrpSpPr>
-        <p:cNvPr id="1" name=""/>
-        <p:cNvGrpSpPr/>
-        <p:nvPr/>
-      </p:nvGrpSpPr>
-      <p:grpSpPr>
-        <a:xfrm>
-          <a:off x="0" y="0"/>
-          <a:ext cx="0" cy="0"/>
-          <a:chOff x="0" y="0"/>
-          <a:chExt cx="0" cy="0"/>
-        </a:xfrm>
-      </p:grpSpPr>
-      <p:sp>
-        <p:nvSpPr>
-          <p:cNvPr id="135" name="PlaceHolder 1"/>
-          <p:cNvSpPr>
-            <a:spLocks noGrp="1"/>
-          </p:cNvSpPr>
-          <p:nvPr>
-            <p:ph type="title"/>
-          </p:nvPr>
-        </p:nvSpPr>
-        <p:spPr>
-          <a:xfrm>
-            <a:off x="504000" y="810000"/>
-            <a:ext cx="9071640" cy="1296000"/>
-          </a:xfrm>
-          <a:prstGeom prst="rect">
-            <a:avLst/>
-          </a:prstGeom>
-          <a:noFill/>
-          <a:ln w="0">
-            <a:noFill/>
-          </a:ln>
-        </p:spPr>
-        <p:txBody>
-          <a:bodyPr lIns="0" rIns="0" tIns="0" bIns="0" anchor="ctr">
-            <a:noAutofit/>
-          </a:bodyPr>
-          <a:p>
-            <a:pPr algn="ctr">
-              <a:buNone/>
-            </a:pPr>
-            <a:endParaRPr b="0" lang="en-US" sz="4400" spc="-1" strike="noStrike">
-              <a:solidFill>
-                <a:srgbClr val="ffffff"/>
-              </a:solidFill>
-              <a:latin typeface="Arial"/>
-            </a:endParaRPr>
-          </a:p>
-        </p:txBody>
-      </p:sp>
-      <p:sp>
-        <p:nvSpPr>
-          <p:cNvPr id="3" name="PlaceHolder 2"/>
-          <p:cNvSpPr>
-            <a:spLocks noGrp="1"/>
-          </p:cNvSpPr>
-          <p:nvPr>
-            <p:ph type="ftr" idx="11"/>
-          </p:nvPr>
-        </p:nvSpPr>
-        <p:spPr/>
-        <p:txBody>
-          <a:bodyPr/>
-          <a:p>
-            <a:r>
-              <a:t>Footer</a:t>
-            </a:r>
-          </a:p>
-        </p:txBody>
-      </p:sp>
-      <p:sp>
-        <p:nvSpPr>
-          <p:cNvPr id="4" name="PlaceHolder 3"/>
-          <p:cNvSpPr>
-            <a:spLocks noGrp="1"/>
-          </p:cNvSpPr>
-          <p:nvPr>
-            <p:ph type="sldNum" idx="12"/>
-          </p:nvPr>
-        </p:nvSpPr>
-        <p:spPr/>
-        <p:txBody>
-          <a:bodyPr/>
-          <a:p>
-            <a:fld id="{D222BF64-5F39-4481-A986-E210CF94AD7A}" type="slidenum">
-              <a:t>&lt;#&gt;</a:t>
-            </a:fld>
-          </a:p>
-        </p:txBody>
-      </p:sp>
-      <p:sp>
-        <p:nvSpPr>
-          <p:cNvPr id="5" name="PlaceHolder 4"/>
-          <p:cNvSpPr>
-            <a:spLocks noGrp="1"/>
-          </p:cNvSpPr>
-          <p:nvPr>
-            <p:ph type="dt" idx="10"/>
-          </p:nvPr>
-        </p:nvSpPr>
-        <p:spPr/>
-        <p:txBody>
-          <a:bodyPr/>
-          <a:p>
-            <a:r>
-              <a:rPr lang="en-US"/>
-              <a:t/>
-            </a:r>
-          </a:p>
-        </p:txBody>
-      </p:sp>
-    </p:spTree>
-  </p:cSld>
-</p:sldLayout>
-</file>
-
-<file path=ppt/slideLayouts/slideLayout42.xml><?xml version="1.0" encoding="utf-8"?>
-<p:sldLayout xmlns:a="http://schemas.openxmlformats.org/drawingml/2006/main" xmlns:p="http://schemas.openxmlformats.org/presentationml/2006/main" xmlns:r="http://schemas.openxmlformats.org/officeDocument/2006/relationships" xmlns:p14="http://schemas.microsoft.com/office/powerpoint/2010/main" xmlns:p15="http://schemas.microsoft.com/office/powerpoint/2012/main" xmlns:mc="http://schemas.openxmlformats.org/markup-compatibility/2006" type="objOnly" preserve="1">
-  <p:cSld name="Centered Text">
-    <p:spTree>
-      <p:nvGrpSpPr>
-        <p:cNvPr id="1" name=""/>
-        <p:cNvGrpSpPr/>
-        <p:nvPr/>
-      </p:nvGrpSpPr>
-      <p:grpSpPr>
-        <a:xfrm>
-          <a:off x="0" y="0"/>
-          <a:ext cx="0" cy="0"/>
-          <a:chOff x="0" y="0"/>
-          <a:chExt cx="0" cy="0"/>
-        </a:xfrm>
-      </p:grpSpPr>
-      <p:sp>
-        <p:nvSpPr>
-          <p:cNvPr id="136" name="PlaceHolder 1"/>
-          <p:cNvSpPr>
-            <a:spLocks noGrp="1"/>
-          </p:cNvSpPr>
-          <p:nvPr>
-            <p:ph type="subTitle"/>
-          </p:nvPr>
-        </p:nvSpPr>
-        <p:spPr>
-          <a:xfrm>
-            <a:off x="504000" y="810000"/>
-            <a:ext cx="9071640" cy="6008760"/>
-          </a:xfrm>
-          <a:prstGeom prst="rect">
-            <a:avLst/>
-          </a:prstGeom>
-          <a:noFill/>
-          <a:ln w="0">
-            <a:noFill/>
-          </a:ln>
-        </p:spPr>
-        <p:txBody>
-          <a:bodyPr lIns="0" rIns="0" tIns="0" bIns="0" anchor="ctr">
-            <a:noAutofit/>
-          </a:bodyPr>
-          <a:p>
-            <a:pPr algn="ctr">
-              <a:buNone/>
-            </a:pPr>
-            <a:endParaRPr b="0" lang="en-US" sz="3200" spc="-1" strike="noStrike">
-              <a:solidFill>
-                <a:srgbClr val="ffffff"/>
-              </a:solidFill>
-              <a:latin typeface="Arial"/>
-            </a:endParaRPr>
-          </a:p>
-        </p:txBody>
-      </p:sp>
-      <p:sp>
-        <p:nvSpPr>
-          <p:cNvPr id="3" name="PlaceHolder 2"/>
-          <p:cNvSpPr>
-            <a:spLocks noGrp="1"/>
-          </p:cNvSpPr>
-          <p:nvPr>
-            <p:ph type="ftr" idx="11"/>
-          </p:nvPr>
-        </p:nvSpPr>
-        <p:spPr/>
-        <p:txBody>
-          <a:bodyPr/>
-          <a:p>
-            <a:r>
-              <a:t>Footer</a:t>
-            </a:r>
-          </a:p>
-        </p:txBody>
-      </p:sp>
-      <p:sp>
-        <p:nvSpPr>
-          <p:cNvPr id="4" name="PlaceHolder 3"/>
-          <p:cNvSpPr>
-            <a:spLocks noGrp="1"/>
-          </p:cNvSpPr>
-          <p:nvPr>
-            <p:ph type="sldNum" idx="12"/>
-          </p:nvPr>
-        </p:nvSpPr>
-        <p:spPr/>
-        <p:txBody>
-          <a:bodyPr/>
-          <a:p>
-            <a:fld id="{F935E460-04E6-4572-A846-ADE220016556}" type="slidenum">
-              <a:t>&lt;#&gt;</a:t>
-            </a:fld>
-          </a:p>
-        </p:txBody>
-      </p:sp>
-      <p:sp>
-        <p:nvSpPr>
-          <p:cNvPr id="5" name="PlaceHolder 4"/>
-          <p:cNvSpPr>
-            <a:spLocks noGrp="1"/>
-          </p:cNvSpPr>
-          <p:nvPr>
-            <p:ph type="dt" idx="10"/>
-          </p:nvPr>
-        </p:nvSpPr>
-        <p:spPr/>
-        <p:txBody>
-          <a:bodyPr/>
-          <a:p>
-            <a:r>
-              <a:rPr lang="en-US"/>
-              <a:t/>
-            </a:r>
-          </a:p>
-        </p:txBody>
-      </p:sp>
-    </p:spTree>
-  </p:cSld>
-</p:sldLayout>
-</file>
-
-<file path=ppt/slideLayouts/slideLayout43.xml><?xml version="1.0" encoding="utf-8"?>
-<p:sldLayout xmlns:a="http://schemas.openxmlformats.org/drawingml/2006/main" xmlns:p="http://schemas.openxmlformats.org/presentationml/2006/main" xmlns:r="http://schemas.openxmlformats.org/officeDocument/2006/relationships" xmlns:p14="http://schemas.microsoft.com/office/powerpoint/2010/main" xmlns:p15="http://schemas.microsoft.com/office/powerpoint/2012/main" xmlns:mc="http://schemas.openxmlformats.org/markup-compatibility/2006" type="twoObjAndObj" preserve="1">
-  <p:cSld name="Title, 2 Content and Content">
-    <p:spTree>
-      <p:nvGrpSpPr>
-        <p:cNvPr id="1" name=""/>
-        <p:cNvGrpSpPr/>
-        <p:nvPr/>
-      </p:nvGrpSpPr>
-      <p:grpSpPr>
-        <a:xfrm>
-          <a:off x="0" y="0"/>
-          <a:ext cx="0" cy="0"/>
-          <a:chOff x="0" y="0"/>
-          <a:chExt cx="0" cy="0"/>
-        </a:xfrm>
-      </p:grpSpPr>
-      <p:sp>
-        <p:nvSpPr>
-          <p:cNvPr id="137" name="PlaceHolder 1"/>
-          <p:cNvSpPr>
-            <a:spLocks noGrp="1"/>
-          </p:cNvSpPr>
-          <p:nvPr>
-            <p:ph type="title"/>
-          </p:nvPr>
-        </p:nvSpPr>
-        <p:spPr>
-          <a:xfrm>
-            <a:off x="504000" y="810000"/>
-            <a:ext cx="9071640" cy="1296000"/>
-          </a:xfrm>
-          <a:prstGeom prst="rect">
-            <a:avLst/>
-          </a:prstGeom>
-          <a:noFill/>
-          <a:ln w="0">
-            <a:noFill/>
-          </a:ln>
-        </p:spPr>
-        <p:txBody>
-          <a:bodyPr lIns="0" rIns="0" tIns="0" bIns="0" anchor="ctr">
-            <a:noAutofit/>
-          </a:bodyPr>
-          <a:p>
-            <a:pPr algn="ctr">
-              <a:buNone/>
-            </a:pPr>
-            <a:endParaRPr b="0" lang="en-US" sz="4400" spc="-1" strike="noStrike">
-              <a:solidFill>
-                <a:srgbClr val="ffffff"/>
-              </a:solidFill>
-              <a:latin typeface="Arial"/>
-            </a:endParaRPr>
-          </a:p>
-        </p:txBody>
-      </p:sp>
-      <p:sp>
-        <p:nvSpPr>
-          <p:cNvPr id="138" name="PlaceHolder 2"/>
-          <p:cNvSpPr>
-            <a:spLocks noGrp="1"/>
-          </p:cNvSpPr>
-          <p:nvPr>
-            <p:ph/>
-          </p:nvPr>
-        </p:nvSpPr>
-        <p:spPr>
-          <a:xfrm>
-            <a:off x="504000" y="2376000"/>
-            <a:ext cx="4426920" cy="1313640"/>
-          </a:xfrm>
-          <a:prstGeom prst="rect">
-            <a:avLst/>
-          </a:prstGeom>
-          <a:noFill/>
-          <a:ln w="0">
-            <a:noFill/>
-          </a:ln>
-        </p:spPr>
-        <p:txBody>
-          <a:bodyPr lIns="0" rIns="0" tIns="0" bIns="0" anchor="t">
-            <a:normAutofit/>
-          </a:bodyPr>
-          <a:p>
-            <a:endParaRPr b="0" lang="en-US" sz="3150" spc="-1" strike="noStrike">
-              <a:solidFill>
-                <a:srgbClr val="ffffff"/>
-              </a:solidFill>
-              <a:latin typeface="Arial"/>
-            </a:endParaRPr>
-          </a:p>
-        </p:txBody>
-      </p:sp>
-      <p:sp>
-        <p:nvSpPr>
-          <p:cNvPr id="139" name="PlaceHolder 3"/>
-          <p:cNvSpPr>
-            <a:spLocks noGrp="1"/>
-          </p:cNvSpPr>
-          <p:nvPr>
-            <p:ph/>
-          </p:nvPr>
-        </p:nvSpPr>
-        <p:spPr>
-          <a:xfrm>
-            <a:off x="5152680" y="2376000"/>
-            <a:ext cx="4426920" cy="2754000"/>
-          </a:xfrm>
-          <a:prstGeom prst="rect">
-            <a:avLst/>
-          </a:prstGeom>
-          <a:noFill/>
-          <a:ln w="0">
-            <a:noFill/>
-          </a:ln>
-        </p:spPr>
-        <p:txBody>
-          <a:bodyPr lIns="0" rIns="0" tIns="0" bIns="0" anchor="t">
-            <a:normAutofit/>
-          </a:bodyPr>
-          <a:p>
-            <a:endParaRPr b="0" lang="en-US" sz="3150" spc="-1" strike="noStrike">
-              <a:solidFill>
-                <a:srgbClr val="ffffff"/>
-              </a:solidFill>
-              <a:latin typeface="Arial"/>
-            </a:endParaRPr>
-          </a:p>
-        </p:txBody>
-      </p:sp>
-      <p:sp>
-        <p:nvSpPr>
-          <p:cNvPr id="140" name="PlaceHolder 4"/>
-          <p:cNvSpPr>
-            <a:spLocks noGrp="1"/>
-          </p:cNvSpPr>
-          <p:nvPr>
-            <p:ph/>
-          </p:nvPr>
-        </p:nvSpPr>
-        <p:spPr>
-          <a:xfrm>
-            <a:off x="504000" y="3814920"/>
-            <a:ext cx="4426920" cy="1313640"/>
-          </a:xfrm>
-          <a:prstGeom prst="rect">
-            <a:avLst/>
-          </a:prstGeom>
-          <a:noFill/>
-          <a:ln w="0">
-            <a:noFill/>
-          </a:ln>
-        </p:spPr>
-        <p:txBody>
-          <a:bodyPr lIns="0" rIns="0" tIns="0" bIns="0" anchor="t">
-            <a:normAutofit/>
-          </a:bodyPr>
-          <a:p>
-            <a:endParaRPr b="0" lang="en-US" sz="3150" spc="-1" strike="noStrike">
-              <a:solidFill>
-                <a:srgbClr val="ffffff"/>
-              </a:solidFill>
-              <a:latin typeface="Arial"/>
-            </a:endParaRPr>
-          </a:p>
-        </p:txBody>
-      </p:sp>
-      <p:sp>
-        <p:nvSpPr>
-          <p:cNvPr id="6" name="PlaceHolder 5"/>
-          <p:cNvSpPr>
-            <a:spLocks noGrp="1"/>
-          </p:cNvSpPr>
-          <p:nvPr>
-            <p:ph type="ftr" idx="11"/>
-          </p:nvPr>
-        </p:nvSpPr>
-        <p:spPr/>
-        <p:txBody>
-          <a:bodyPr/>
-          <a:p>
-            <a:r>
-              <a:t>Footer</a:t>
-            </a:r>
-          </a:p>
-        </p:txBody>
-      </p:sp>
-      <p:sp>
-        <p:nvSpPr>
-          <p:cNvPr id="7" name="PlaceHolder 6"/>
-          <p:cNvSpPr>
-            <a:spLocks noGrp="1"/>
-          </p:cNvSpPr>
-          <p:nvPr>
-            <p:ph type="sldNum" idx="12"/>
-          </p:nvPr>
-        </p:nvSpPr>
-        <p:spPr/>
-        <p:txBody>
-          <a:bodyPr/>
-          <a:p>
-            <a:fld id="{9808DE36-0EAB-446F-AC17-BB6A749DF2F8}" type="slidenum">
-              <a:t>&lt;#&gt;</a:t>
-            </a:fld>
-          </a:p>
-        </p:txBody>
-      </p:sp>
-      <p:sp>
-        <p:nvSpPr>
-          <p:cNvPr id="8" name="PlaceHolder 7"/>
-          <p:cNvSpPr>
-            <a:spLocks noGrp="1"/>
-          </p:cNvSpPr>
-          <p:nvPr>
-            <p:ph type="dt" idx="10"/>
-          </p:nvPr>
-        </p:nvSpPr>
-        <p:spPr/>
-        <p:txBody>
-          <a:bodyPr/>
-          <a:p>
-            <a:r>
-              <a:rPr lang="en-US"/>
-              <a:t/>
-            </a:r>
-          </a:p>
-        </p:txBody>
-      </p:sp>
-    </p:spTree>
-  </p:cSld>
-</p:sldLayout>
-</file>
-
-<file path=ppt/slideLayouts/slideLayout44.xml><?xml version="1.0" encoding="utf-8"?>
-<p:sldLayout xmlns:a="http://schemas.openxmlformats.org/drawingml/2006/main" xmlns:p="http://schemas.openxmlformats.org/presentationml/2006/main" xmlns:r="http://schemas.openxmlformats.org/officeDocument/2006/relationships" xmlns:p14="http://schemas.microsoft.com/office/powerpoint/2010/main" xmlns:p15="http://schemas.microsoft.com/office/powerpoint/2012/main" xmlns:mc="http://schemas.openxmlformats.org/markup-compatibility/2006" type="objAndTwoObj" preserve="1">
-  <p:cSld name="Title Content and 2 Content">
-    <p:spTree>
-      <p:nvGrpSpPr>
-        <p:cNvPr id="1" name=""/>
-        <p:cNvGrpSpPr/>
-        <p:nvPr/>
-      </p:nvGrpSpPr>
-      <p:grpSpPr>
-        <a:xfrm>
-          <a:off x="0" y="0"/>
-          <a:ext cx="0" cy="0"/>
-          <a:chOff x="0" y="0"/>
-          <a:chExt cx="0" cy="0"/>
-        </a:xfrm>
-      </p:grpSpPr>
-      <p:sp>
-        <p:nvSpPr>
-          <p:cNvPr id="141" name="PlaceHolder 1"/>
-          <p:cNvSpPr>
-            <a:spLocks noGrp="1"/>
-          </p:cNvSpPr>
-          <p:nvPr>
-            <p:ph type="title"/>
-          </p:nvPr>
-        </p:nvSpPr>
-        <p:spPr>
-          <a:xfrm>
-            <a:off x="504000" y="810000"/>
-            <a:ext cx="9071640" cy="1296000"/>
-          </a:xfrm>
-          <a:prstGeom prst="rect">
-            <a:avLst/>
-          </a:prstGeom>
-          <a:noFill/>
-          <a:ln w="0">
-            <a:noFill/>
-          </a:ln>
-        </p:spPr>
-        <p:txBody>
-          <a:bodyPr lIns="0" rIns="0" tIns="0" bIns="0" anchor="ctr">
-            <a:noAutofit/>
-          </a:bodyPr>
-          <a:p>
-            <a:pPr algn="ctr">
-              <a:buNone/>
-            </a:pPr>
-            <a:endParaRPr b="0" lang="en-US" sz="4400" spc="-1" strike="noStrike">
-              <a:solidFill>
-                <a:srgbClr val="ffffff"/>
-              </a:solidFill>
-              <a:latin typeface="Arial"/>
-            </a:endParaRPr>
-          </a:p>
-        </p:txBody>
-      </p:sp>
-      <p:sp>
-        <p:nvSpPr>
-          <p:cNvPr id="142" name="PlaceHolder 2"/>
-          <p:cNvSpPr>
-            <a:spLocks noGrp="1"/>
-          </p:cNvSpPr>
-          <p:nvPr>
-            <p:ph/>
-          </p:nvPr>
-        </p:nvSpPr>
-        <p:spPr>
-          <a:xfrm>
-            <a:off x="504000" y="2376000"/>
-            <a:ext cx="4426920" cy="2754000"/>
-          </a:xfrm>
-          <a:prstGeom prst="rect">
-            <a:avLst/>
-          </a:prstGeom>
-          <a:noFill/>
-          <a:ln w="0">
-            <a:noFill/>
-          </a:ln>
-        </p:spPr>
-        <p:txBody>
-          <a:bodyPr lIns="0" rIns="0" tIns="0" bIns="0" anchor="t">
-            <a:normAutofit/>
-          </a:bodyPr>
-          <a:p>
-            <a:endParaRPr b="0" lang="en-US" sz="3150" spc="-1" strike="noStrike">
-              <a:solidFill>
-                <a:srgbClr val="ffffff"/>
-              </a:solidFill>
-              <a:latin typeface="Arial"/>
-            </a:endParaRPr>
-          </a:p>
-        </p:txBody>
-      </p:sp>
-      <p:sp>
-        <p:nvSpPr>
-          <p:cNvPr id="143" name="PlaceHolder 3"/>
-          <p:cNvSpPr>
-            <a:spLocks noGrp="1"/>
-          </p:cNvSpPr>
-          <p:nvPr>
-            <p:ph/>
-          </p:nvPr>
-        </p:nvSpPr>
-        <p:spPr>
-          <a:xfrm>
-            <a:off x="5152680" y="2376000"/>
-            <a:ext cx="4426920" cy="1313640"/>
-          </a:xfrm>
-          <a:prstGeom prst="rect">
-            <a:avLst/>
-          </a:prstGeom>
-          <a:noFill/>
-          <a:ln w="0">
-            <a:noFill/>
-          </a:ln>
-        </p:spPr>
-        <p:txBody>
-          <a:bodyPr lIns="0" rIns="0" tIns="0" bIns="0" anchor="t">
-            <a:normAutofit/>
-          </a:bodyPr>
-          <a:p>
-            <a:endParaRPr b="0" lang="en-US" sz="3150" spc="-1" strike="noStrike">
-              <a:solidFill>
-                <a:srgbClr val="ffffff"/>
-              </a:solidFill>
-              <a:latin typeface="Arial"/>
-            </a:endParaRPr>
-          </a:p>
-        </p:txBody>
-      </p:sp>
-      <p:sp>
-        <p:nvSpPr>
-          <p:cNvPr id="144" name="PlaceHolder 4"/>
-          <p:cNvSpPr>
-            <a:spLocks noGrp="1"/>
-          </p:cNvSpPr>
-          <p:nvPr>
-            <p:ph/>
-          </p:nvPr>
-        </p:nvSpPr>
-        <p:spPr>
-          <a:xfrm>
-            <a:off x="5152680" y="3814920"/>
-            <a:ext cx="4426920" cy="1313640"/>
-          </a:xfrm>
-          <a:prstGeom prst="rect">
-            <a:avLst/>
-          </a:prstGeom>
-          <a:noFill/>
-          <a:ln w="0">
-            <a:noFill/>
-          </a:ln>
-        </p:spPr>
-        <p:txBody>
-          <a:bodyPr lIns="0" rIns="0" tIns="0" bIns="0" anchor="t">
-            <a:normAutofit/>
-          </a:bodyPr>
-          <a:p>
-            <a:endParaRPr b="0" lang="en-US" sz="3150" spc="-1" strike="noStrike">
-              <a:solidFill>
-                <a:srgbClr val="ffffff"/>
-              </a:solidFill>
-              <a:latin typeface="Arial"/>
-            </a:endParaRPr>
-          </a:p>
-        </p:txBody>
-      </p:sp>
-      <p:sp>
-        <p:nvSpPr>
-          <p:cNvPr id="6" name="PlaceHolder 5"/>
-          <p:cNvSpPr>
-            <a:spLocks noGrp="1"/>
-          </p:cNvSpPr>
-          <p:nvPr>
-            <p:ph type="ftr" idx="11"/>
-          </p:nvPr>
-        </p:nvSpPr>
-        <p:spPr/>
-        <p:txBody>
-          <a:bodyPr/>
-          <a:p>
-            <a:r>
-              <a:t>Footer</a:t>
-            </a:r>
-          </a:p>
-        </p:txBody>
-      </p:sp>
-      <p:sp>
-        <p:nvSpPr>
-          <p:cNvPr id="7" name="PlaceHolder 6"/>
-          <p:cNvSpPr>
-            <a:spLocks noGrp="1"/>
-          </p:cNvSpPr>
-          <p:nvPr>
-            <p:ph type="sldNum" idx="12"/>
-          </p:nvPr>
-        </p:nvSpPr>
-        <p:spPr/>
-        <p:txBody>
-          <a:bodyPr/>
-          <a:p>
-            <a:fld id="{7C23C674-CE09-4B31-95FF-BFBC230A1CFC}" type="slidenum">
-              <a:t>&lt;#&gt;</a:t>
-            </a:fld>
-          </a:p>
-        </p:txBody>
-      </p:sp>
-      <p:sp>
-        <p:nvSpPr>
-          <p:cNvPr id="8" name="PlaceHolder 7"/>
-          <p:cNvSpPr>
-            <a:spLocks noGrp="1"/>
-          </p:cNvSpPr>
-          <p:nvPr>
-            <p:ph type="dt" idx="10"/>
-          </p:nvPr>
-        </p:nvSpPr>
-        <p:spPr/>
-        <p:txBody>
-          <a:bodyPr/>
-          <a:p>
-            <a:r>
-              <a:rPr lang="en-US"/>
-              <a:t/>
-            </a:r>
-          </a:p>
-        </p:txBody>
-      </p:sp>
-    </p:spTree>
-  </p:cSld>
-</p:sldLayout>
-</file>
-
-<file path=ppt/slideLayouts/slideLayout45.xml><?xml version="1.0" encoding="utf-8"?>
-<p:sldLayout xmlns:a="http://schemas.openxmlformats.org/drawingml/2006/main" xmlns:p="http://schemas.openxmlformats.org/presentationml/2006/main" xmlns:r="http://schemas.openxmlformats.org/officeDocument/2006/relationships" xmlns:p14="http://schemas.microsoft.com/office/powerpoint/2010/main" xmlns:p15="http://schemas.microsoft.com/office/powerpoint/2012/main" xmlns:mc="http://schemas.openxmlformats.org/markup-compatibility/2006" type="twoObjOverTx" preserve="1">
-  <p:cSld name="Title, 2 Content over Content">
-    <p:spTree>
-      <p:nvGrpSpPr>
-        <p:cNvPr id="1" name=""/>
-        <p:cNvGrpSpPr/>
-        <p:nvPr/>
-      </p:nvGrpSpPr>
-      <p:grpSpPr>
-        <a:xfrm>
-          <a:off x="0" y="0"/>
-          <a:ext cx="0" cy="0"/>
-          <a:chOff x="0" y="0"/>
-          <a:chExt cx="0" cy="0"/>
-        </a:xfrm>
-      </p:grpSpPr>
-      <p:sp>
-        <p:nvSpPr>
-          <p:cNvPr id="145" name="PlaceHolder 1"/>
-          <p:cNvSpPr>
-            <a:spLocks noGrp="1"/>
-          </p:cNvSpPr>
-          <p:nvPr>
-            <p:ph type="title"/>
-          </p:nvPr>
-        </p:nvSpPr>
-        <p:spPr>
-          <a:xfrm>
-            <a:off x="504000" y="810000"/>
-            <a:ext cx="9071640" cy="1296000"/>
-          </a:xfrm>
-          <a:prstGeom prst="rect">
-            <a:avLst/>
-          </a:prstGeom>
-          <a:noFill/>
-          <a:ln w="0">
-            <a:noFill/>
-          </a:ln>
-        </p:spPr>
-        <p:txBody>
-          <a:bodyPr lIns="0" rIns="0" tIns="0" bIns="0" anchor="ctr">
-            <a:noAutofit/>
-          </a:bodyPr>
-          <a:p>
-            <a:pPr algn="ctr">
-              <a:buNone/>
-            </a:pPr>
-            <a:endParaRPr b="0" lang="en-US" sz="4400" spc="-1" strike="noStrike">
-              <a:solidFill>
-                <a:srgbClr val="ffffff"/>
-              </a:solidFill>
-              <a:latin typeface="Arial"/>
-            </a:endParaRPr>
-          </a:p>
-        </p:txBody>
-      </p:sp>
-      <p:sp>
-        <p:nvSpPr>
-          <p:cNvPr id="146" name="PlaceHolder 2"/>
-          <p:cNvSpPr>
-            <a:spLocks noGrp="1"/>
-          </p:cNvSpPr>
-          <p:nvPr>
-            <p:ph/>
-          </p:nvPr>
-        </p:nvSpPr>
-        <p:spPr>
-          <a:xfrm>
-            <a:off x="504000" y="2376000"/>
-            <a:ext cx="4426920" cy="1313640"/>
-          </a:xfrm>
-          <a:prstGeom prst="rect">
-            <a:avLst/>
-          </a:prstGeom>
-          <a:noFill/>
-          <a:ln w="0">
-            <a:noFill/>
-          </a:ln>
-        </p:spPr>
-        <p:txBody>
-          <a:bodyPr lIns="0" rIns="0" tIns="0" bIns="0" anchor="t">
-            <a:normAutofit/>
-          </a:bodyPr>
-          <a:p>
-            <a:endParaRPr b="0" lang="en-US" sz="3150" spc="-1" strike="noStrike">
-              <a:solidFill>
-                <a:srgbClr val="ffffff"/>
-              </a:solidFill>
-              <a:latin typeface="Arial"/>
-            </a:endParaRPr>
-          </a:p>
-        </p:txBody>
-      </p:sp>
-      <p:sp>
-        <p:nvSpPr>
-          <p:cNvPr id="147" name="PlaceHolder 3"/>
-          <p:cNvSpPr>
-            <a:spLocks noGrp="1"/>
-          </p:cNvSpPr>
-          <p:nvPr>
-            <p:ph/>
-          </p:nvPr>
-        </p:nvSpPr>
-        <p:spPr>
-          <a:xfrm>
-            <a:off x="5152680" y="2376000"/>
-            <a:ext cx="4426920" cy="1313640"/>
-          </a:xfrm>
-          <a:prstGeom prst="rect">
-            <a:avLst/>
-          </a:prstGeom>
-          <a:noFill/>
-          <a:ln w="0">
-            <a:noFill/>
-          </a:ln>
-        </p:spPr>
-        <p:txBody>
-          <a:bodyPr lIns="0" rIns="0" tIns="0" bIns="0" anchor="t">
-            <a:normAutofit/>
-          </a:bodyPr>
-          <a:p>
-            <a:endParaRPr b="0" lang="en-US" sz="3150" spc="-1" strike="noStrike">
-              <a:solidFill>
-                <a:srgbClr val="ffffff"/>
-              </a:solidFill>
-              <a:latin typeface="Arial"/>
-            </a:endParaRPr>
-          </a:p>
-        </p:txBody>
-      </p:sp>
-      <p:sp>
-        <p:nvSpPr>
-          <p:cNvPr id="148" name="PlaceHolder 4"/>
-          <p:cNvSpPr>
-            <a:spLocks noGrp="1"/>
-          </p:cNvSpPr>
-          <p:nvPr>
-            <p:ph/>
-          </p:nvPr>
-        </p:nvSpPr>
-        <p:spPr>
-          <a:xfrm>
-            <a:off x="504000" y="3814920"/>
-            <a:ext cx="9071640" cy="1313640"/>
-          </a:xfrm>
-          <a:prstGeom prst="rect">
-            <a:avLst/>
-          </a:prstGeom>
-          <a:noFill/>
-          <a:ln w="0">
-            <a:noFill/>
-          </a:ln>
-        </p:spPr>
-        <p:txBody>
-          <a:bodyPr lIns="0" rIns="0" tIns="0" bIns="0" anchor="t">
-            <a:normAutofit/>
-          </a:bodyPr>
-          <a:p>
-            <a:endParaRPr b="0" lang="en-US" sz="3150" spc="-1" strike="noStrike">
-              <a:solidFill>
-                <a:srgbClr val="ffffff"/>
-              </a:solidFill>
-              <a:latin typeface="Arial"/>
-            </a:endParaRPr>
-          </a:p>
-        </p:txBody>
-      </p:sp>
-      <p:sp>
-        <p:nvSpPr>
-          <p:cNvPr id="6" name="PlaceHolder 5"/>
-          <p:cNvSpPr>
-            <a:spLocks noGrp="1"/>
-          </p:cNvSpPr>
-          <p:nvPr>
-            <p:ph type="ftr" idx="11"/>
-          </p:nvPr>
-        </p:nvSpPr>
-        <p:spPr/>
-        <p:txBody>
-          <a:bodyPr/>
-          <a:p>
-            <a:r>
-              <a:t>Footer</a:t>
-            </a:r>
-          </a:p>
-        </p:txBody>
-      </p:sp>
-      <p:sp>
-        <p:nvSpPr>
-          <p:cNvPr id="7" name="PlaceHolder 6"/>
-          <p:cNvSpPr>
-            <a:spLocks noGrp="1"/>
-          </p:cNvSpPr>
-          <p:nvPr>
-            <p:ph type="sldNum" idx="12"/>
-          </p:nvPr>
-        </p:nvSpPr>
-        <p:spPr/>
-        <p:txBody>
-          <a:bodyPr/>
-          <a:p>
-            <a:fld id="{AD5E2A2E-62B3-492D-BEFA-0D3681D3C5C2}" type="slidenum">
-              <a:t>&lt;#&gt;</a:t>
-            </a:fld>
-          </a:p>
-        </p:txBody>
-      </p:sp>
-      <p:sp>
-        <p:nvSpPr>
-          <p:cNvPr id="8" name="PlaceHolder 7"/>
-          <p:cNvSpPr>
-            <a:spLocks noGrp="1"/>
-          </p:cNvSpPr>
-          <p:nvPr>
-            <p:ph type="dt" idx="10"/>
-          </p:nvPr>
-        </p:nvSpPr>
-        <p:spPr/>
-        <p:txBody>
-          <a:bodyPr/>
-          <a:p>
-            <a:r>
-              <a:rPr lang="en-US"/>
-              <a:t/>
-            </a:r>
-          </a:p>
-        </p:txBody>
-      </p:sp>
-    </p:spTree>
-  </p:cSld>
-</p:sldLayout>
-</file>
-
-<file path=ppt/slideLayouts/slideLayout46.xml><?xml version="1.0" encoding="utf-8"?>
-<p:sldLayout xmlns:a="http://schemas.openxmlformats.org/drawingml/2006/main" xmlns:p="http://schemas.openxmlformats.org/presentationml/2006/main" xmlns:r="http://schemas.openxmlformats.org/officeDocument/2006/relationships" xmlns:p14="http://schemas.microsoft.com/office/powerpoint/2010/main" xmlns:p15="http://schemas.microsoft.com/office/powerpoint/2012/main" xmlns:mc="http://schemas.openxmlformats.org/markup-compatibility/2006" type="objOverTx" preserve="1">
-  <p:cSld name="Title, Content over Content">
-    <p:spTree>
-      <p:nvGrpSpPr>
-        <p:cNvPr id="1" name=""/>
-        <p:cNvGrpSpPr/>
-        <p:nvPr/>
-      </p:nvGrpSpPr>
-      <p:grpSpPr>
-        <a:xfrm>
-          <a:off x="0" y="0"/>
-          <a:ext cx="0" cy="0"/>
-          <a:chOff x="0" y="0"/>
-          <a:chExt cx="0" cy="0"/>
-        </a:xfrm>
-      </p:grpSpPr>
-      <p:sp>
-        <p:nvSpPr>
-          <p:cNvPr id="149" name="PlaceHolder 1"/>
-          <p:cNvSpPr>
-            <a:spLocks noGrp="1"/>
-          </p:cNvSpPr>
-          <p:nvPr>
-            <p:ph type="title"/>
-          </p:nvPr>
-        </p:nvSpPr>
-        <p:spPr>
-          <a:xfrm>
-            <a:off x="504000" y="810000"/>
-            <a:ext cx="9071640" cy="1296000"/>
-          </a:xfrm>
-          <a:prstGeom prst="rect">
-            <a:avLst/>
-          </a:prstGeom>
-          <a:noFill/>
-          <a:ln w="0">
-            <a:noFill/>
-          </a:ln>
-        </p:spPr>
-        <p:txBody>
-          <a:bodyPr lIns="0" rIns="0" tIns="0" bIns="0" anchor="ctr">
-            <a:noAutofit/>
-          </a:bodyPr>
-          <a:p>
-            <a:pPr algn="ctr">
-              <a:buNone/>
-            </a:pPr>
-            <a:endParaRPr b="0" lang="en-US" sz="4400" spc="-1" strike="noStrike">
-              <a:solidFill>
-                <a:srgbClr val="ffffff"/>
-              </a:solidFill>
-              <a:latin typeface="Arial"/>
-            </a:endParaRPr>
-          </a:p>
-        </p:txBody>
-      </p:sp>
-      <p:sp>
-        <p:nvSpPr>
-          <p:cNvPr id="150" name="PlaceHolder 2"/>
-          <p:cNvSpPr>
-            <a:spLocks noGrp="1"/>
-          </p:cNvSpPr>
-          <p:nvPr>
-            <p:ph/>
-          </p:nvPr>
-        </p:nvSpPr>
-        <p:spPr>
-          <a:xfrm>
-            <a:off x="504000" y="2376000"/>
-            <a:ext cx="9071640" cy="1313640"/>
-          </a:xfrm>
-          <a:prstGeom prst="rect">
-            <a:avLst/>
-          </a:prstGeom>
-          <a:noFill/>
-          <a:ln w="0">
-            <a:noFill/>
-          </a:ln>
-        </p:spPr>
-        <p:txBody>
-          <a:bodyPr lIns="0" rIns="0" tIns="0" bIns="0" anchor="t">
-            <a:normAutofit/>
-          </a:bodyPr>
-          <a:p>
-            <a:endParaRPr b="0" lang="en-US" sz="3150" spc="-1" strike="noStrike">
-              <a:solidFill>
-                <a:srgbClr val="ffffff"/>
-              </a:solidFill>
-              <a:latin typeface="Arial"/>
-            </a:endParaRPr>
-          </a:p>
-        </p:txBody>
-      </p:sp>
-      <p:sp>
-        <p:nvSpPr>
-          <p:cNvPr id="151" name="PlaceHolder 3"/>
-          <p:cNvSpPr>
-            <a:spLocks noGrp="1"/>
-          </p:cNvSpPr>
-          <p:nvPr>
-            <p:ph/>
-          </p:nvPr>
-        </p:nvSpPr>
-        <p:spPr>
-          <a:xfrm>
-            <a:off x="504000" y="3814920"/>
-            <a:ext cx="9071640" cy="1313640"/>
-          </a:xfrm>
-          <a:prstGeom prst="rect">
-            <a:avLst/>
-          </a:prstGeom>
-          <a:noFill/>
-          <a:ln w="0">
-            <a:noFill/>
-          </a:ln>
-        </p:spPr>
-        <p:txBody>
-          <a:bodyPr lIns="0" rIns="0" tIns="0" bIns="0" anchor="t">
-            <a:normAutofit/>
-          </a:bodyPr>
-          <a:p>
-            <a:endParaRPr b="0" lang="en-US" sz="3150" spc="-1" strike="noStrike">
-              <a:solidFill>
-                <a:srgbClr val="ffffff"/>
-              </a:solidFill>
-              <a:latin typeface="Arial"/>
-            </a:endParaRPr>
-          </a:p>
-        </p:txBody>
-      </p:sp>
-      <p:sp>
-        <p:nvSpPr>
-          <p:cNvPr id="5" name="PlaceHolder 4"/>
-          <p:cNvSpPr>
-            <a:spLocks noGrp="1"/>
-          </p:cNvSpPr>
-          <p:nvPr>
-            <p:ph type="ftr" idx="11"/>
-          </p:nvPr>
-        </p:nvSpPr>
-        <p:spPr/>
-        <p:txBody>
-          <a:bodyPr/>
-          <a:p>
-            <a:r>
-              <a:t>Footer</a:t>
-            </a:r>
-          </a:p>
-        </p:txBody>
-      </p:sp>
-      <p:sp>
-        <p:nvSpPr>
-          <p:cNvPr id="6" name="PlaceHolder 5"/>
-          <p:cNvSpPr>
-            <a:spLocks noGrp="1"/>
-          </p:cNvSpPr>
-          <p:nvPr>
-            <p:ph type="sldNum" idx="12"/>
-          </p:nvPr>
-        </p:nvSpPr>
-        <p:spPr/>
-        <p:txBody>
-          <a:bodyPr/>
-          <a:p>
-            <a:fld id="{329B1327-96EF-4ACB-BCC8-F593DB235386}" type="slidenum">
-              <a:t>&lt;#&gt;</a:t>
-            </a:fld>
-          </a:p>
-        </p:txBody>
-      </p:sp>
-      <p:sp>
-        <p:nvSpPr>
-          <p:cNvPr id="7" name="PlaceHolder 6"/>
-          <p:cNvSpPr>
-            <a:spLocks noGrp="1"/>
-          </p:cNvSpPr>
-          <p:nvPr>
-            <p:ph type="dt" idx="10"/>
-          </p:nvPr>
-        </p:nvSpPr>
-        <p:spPr/>
-        <p:txBody>
-          <a:bodyPr/>
-          <a:p>
-            <a:r>
-              <a:rPr lang="en-US"/>
-              <a:t/>
-            </a:r>
-          </a:p>
-        </p:txBody>
-      </p:sp>
-    </p:spTree>
-  </p:cSld>
-</p:sldLayout>
-</file>
-
-<file path=ppt/slideLayouts/slideLayout47.xml><?xml version="1.0" encoding="utf-8"?>
-<p:sldLayout xmlns:a="http://schemas.openxmlformats.org/drawingml/2006/main" xmlns:p="http://schemas.openxmlformats.org/presentationml/2006/main" xmlns:r="http://schemas.openxmlformats.org/officeDocument/2006/relationships" xmlns:p14="http://schemas.microsoft.com/office/powerpoint/2010/main" xmlns:p15="http://schemas.microsoft.com/office/powerpoint/2012/main" xmlns:mc="http://schemas.openxmlformats.org/markup-compatibility/2006" type="fourObj" preserve="1">
-  <p:cSld name="Title, 4 Content">
-    <p:spTree>
-      <p:nvGrpSpPr>
-        <p:cNvPr id="1" name=""/>
-        <p:cNvGrpSpPr/>
-        <p:nvPr/>
-      </p:nvGrpSpPr>
-      <p:grpSpPr>
-        <a:xfrm>
-          <a:off x="0" y="0"/>
-          <a:ext cx="0" cy="0"/>
-          <a:chOff x="0" y="0"/>
-          <a:chExt cx="0" cy="0"/>
-        </a:xfrm>
-      </p:grpSpPr>
-      <p:sp>
-        <p:nvSpPr>
-          <p:cNvPr id="152" name="PlaceHolder 1"/>
-          <p:cNvSpPr>
-            <a:spLocks noGrp="1"/>
-          </p:cNvSpPr>
-          <p:nvPr>
-            <p:ph type="title"/>
-          </p:nvPr>
-        </p:nvSpPr>
-        <p:spPr>
-          <a:xfrm>
-            <a:off x="504000" y="810000"/>
-            <a:ext cx="9071640" cy="1296000"/>
-          </a:xfrm>
-          <a:prstGeom prst="rect">
-            <a:avLst/>
-          </a:prstGeom>
-          <a:noFill/>
-          <a:ln w="0">
-            <a:noFill/>
-          </a:ln>
-        </p:spPr>
-        <p:txBody>
-          <a:bodyPr lIns="0" rIns="0" tIns="0" bIns="0" anchor="ctr">
-            <a:noAutofit/>
-          </a:bodyPr>
-          <a:p>
-            <a:pPr algn="ctr">
-              <a:buNone/>
-            </a:pPr>
-            <a:endParaRPr b="0" lang="en-US" sz="4400" spc="-1" strike="noStrike">
-              <a:solidFill>
-                <a:srgbClr val="ffffff"/>
-              </a:solidFill>
-              <a:latin typeface="Arial"/>
-            </a:endParaRPr>
-          </a:p>
-        </p:txBody>
-      </p:sp>
-      <p:sp>
-        <p:nvSpPr>
-          <p:cNvPr id="153" name="PlaceHolder 2"/>
-          <p:cNvSpPr>
-            <a:spLocks noGrp="1"/>
-          </p:cNvSpPr>
-          <p:nvPr>
-            <p:ph/>
-          </p:nvPr>
-        </p:nvSpPr>
-        <p:spPr>
-          <a:xfrm>
-            <a:off x="504000" y="2376000"/>
-            <a:ext cx="4426920" cy="1313640"/>
-          </a:xfrm>
-          <a:prstGeom prst="rect">
-            <a:avLst/>
-          </a:prstGeom>
-          <a:noFill/>
-          <a:ln w="0">
-            <a:noFill/>
-          </a:ln>
-        </p:spPr>
-        <p:txBody>
-          <a:bodyPr lIns="0" rIns="0" tIns="0" bIns="0" anchor="t">
-            <a:normAutofit/>
-          </a:bodyPr>
-          <a:p>
-            <a:endParaRPr b="0" lang="en-US" sz="3150" spc="-1" strike="noStrike">
-              <a:solidFill>
-                <a:srgbClr val="ffffff"/>
-              </a:solidFill>
-              <a:latin typeface="Arial"/>
-            </a:endParaRPr>
-          </a:p>
-        </p:txBody>
-      </p:sp>
-      <p:sp>
-        <p:nvSpPr>
-          <p:cNvPr id="154" name="PlaceHolder 3"/>
-          <p:cNvSpPr>
-            <a:spLocks noGrp="1"/>
-          </p:cNvSpPr>
-          <p:nvPr>
-            <p:ph/>
-          </p:nvPr>
-        </p:nvSpPr>
-        <p:spPr>
-          <a:xfrm>
-            <a:off x="5152680" y="2376000"/>
-            <a:ext cx="4426920" cy="1313640"/>
-          </a:xfrm>
-          <a:prstGeom prst="rect">
-            <a:avLst/>
-          </a:prstGeom>
-          <a:noFill/>
-          <a:ln w="0">
-            <a:noFill/>
-          </a:ln>
-        </p:spPr>
-        <p:txBody>
-          <a:bodyPr lIns="0" rIns="0" tIns="0" bIns="0" anchor="t">
-            <a:normAutofit/>
-          </a:bodyPr>
-          <a:p>
-            <a:endParaRPr b="0" lang="en-US" sz="3150" spc="-1" strike="noStrike">
-              <a:solidFill>
-                <a:srgbClr val="ffffff"/>
-              </a:solidFill>
-              <a:latin typeface="Arial"/>
-            </a:endParaRPr>
-          </a:p>
-        </p:txBody>
-      </p:sp>
-      <p:sp>
-        <p:nvSpPr>
-          <p:cNvPr id="155" name="PlaceHolder 4"/>
-          <p:cNvSpPr>
-            <a:spLocks noGrp="1"/>
-          </p:cNvSpPr>
-          <p:nvPr>
-            <p:ph/>
-          </p:nvPr>
-        </p:nvSpPr>
-        <p:spPr>
-          <a:xfrm>
-            <a:off x="504000" y="3814920"/>
-            <a:ext cx="4426920" cy="1313640"/>
-          </a:xfrm>
-          <a:prstGeom prst="rect">
-            <a:avLst/>
-          </a:prstGeom>
-          <a:noFill/>
-          <a:ln w="0">
-            <a:noFill/>
-          </a:ln>
-        </p:spPr>
-        <p:txBody>
-          <a:bodyPr lIns="0" rIns="0" tIns="0" bIns="0" anchor="t">
-            <a:normAutofit/>
-          </a:bodyPr>
-          <a:p>
-            <a:endParaRPr b="0" lang="en-US" sz="3150" spc="-1" strike="noStrike">
-              <a:solidFill>
-                <a:srgbClr val="ffffff"/>
-              </a:solidFill>
-              <a:latin typeface="Arial"/>
-            </a:endParaRPr>
-          </a:p>
-        </p:txBody>
-      </p:sp>
-      <p:sp>
-        <p:nvSpPr>
-          <p:cNvPr id="156" name="PlaceHolder 5"/>
-          <p:cNvSpPr>
-            <a:spLocks noGrp="1"/>
-          </p:cNvSpPr>
-          <p:nvPr>
-            <p:ph/>
-          </p:nvPr>
-        </p:nvSpPr>
-        <p:spPr>
-          <a:xfrm>
-            <a:off x="5152680" y="3814920"/>
-            <a:ext cx="4426920" cy="1313640"/>
-          </a:xfrm>
-          <a:prstGeom prst="rect">
-            <a:avLst/>
-          </a:prstGeom>
-          <a:noFill/>
-          <a:ln w="0">
-            <a:noFill/>
-          </a:ln>
-        </p:spPr>
-        <p:txBody>
-          <a:bodyPr lIns="0" rIns="0" tIns="0" bIns="0" anchor="t">
-            <a:normAutofit/>
-          </a:bodyPr>
-          <a:p>
-            <a:endParaRPr b="0" lang="en-US" sz="3150" spc="-1" strike="noStrike">
-              <a:solidFill>
-                <a:srgbClr val="ffffff"/>
-              </a:solidFill>
-              <a:latin typeface="Arial"/>
-            </a:endParaRPr>
-          </a:p>
-        </p:txBody>
-      </p:sp>
-      <p:sp>
-        <p:nvSpPr>
-          <p:cNvPr id="7" name="PlaceHolder 6"/>
-          <p:cNvSpPr>
-            <a:spLocks noGrp="1"/>
-          </p:cNvSpPr>
-          <p:nvPr>
-            <p:ph type="ftr" idx="11"/>
-          </p:nvPr>
-        </p:nvSpPr>
-        <p:spPr/>
-        <p:txBody>
-          <a:bodyPr/>
-          <a:p>
-            <a:r>
-              <a:t>Footer</a:t>
-            </a:r>
-          </a:p>
-        </p:txBody>
-      </p:sp>
-      <p:sp>
-        <p:nvSpPr>
-          <p:cNvPr id="8" name="PlaceHolder 7"/>
-          <p:cNvSpPr>
-            <a:spLocks noGrp="1"/>
-          </p:cNvSpPr>
-          <p:nvPr>
-            <p:ph type="sldNum" idx="12"/>
-          </p:nvPr>
-        </p:nvSpPr>
-        <p:spPr/>
-        <p:txBody>
-          <a:bodyPr/>
-          <a:p>
-            <a:fld id="{30265DA0-8239-49D8-A11F-C44E31F6E8B3}" type="slidenum">
-              <a:t>&lt;#&gt;</a:t>
-            </a:fld>
-          </a:p>
-        </p:txBody>
-      </p:sp>
-      <p:sp>
-        <p:nvSpPr>
-          <p:cNvPr id="9" name="PlaceHolder 8"/>
-          <p:cNvSpPr>
-            <a:spLocks noGrp="1"/>
-          </p:cNvSpPr>
-          <p:nvPr>
-            <p:ph type="dt" idx="10"/>
-          </p:nvPr>
-        </p:nvSpPr>
-        <p:spPr/>
-        <p:txBody>
-          <a:bodyPr/>
-          <a:p>
-            <a:r>
-              <a:rPr lang="en-US"/>
-              <a:t/>
-            </a:r>
-          </a:p>
-        </p:txBody>
-      </p:sp>
-    </p:spTree>
-  </p:cSld>
-</p:sldLayout>
-</file>
-
-<file path=ppt/slideLayouts/slideLayout48.xml><?xml version="1.0" encoding="utf-8"?>
-<p:sldLayout xmlns:a="http://schemas.openxmlformats.org/drawingml/2006/main" xmlns:p="http://schemas.openxmlformats.org/presentationml/2006/main" xmlns:r="http://schemas.openxmlformats.org/officeDocument/2006/relationships" xmlns:p14="http://schemas.microsoft.com/office/powerpoint/2010/main" xmlns:p15="http://schemas.microsoft.com/office/powerpoint/2012/main" xmlns:mc="http://schemas.openxmlformats.org/markup-compatibility/2006" type="blank" preserve="1">
-  <p:cSld name="Title, 6 Content">
-    <p:spTree>
-      <p:nvGrpSpPr>
-        <p:cNvPr id="1" name=""/>
-        <p:cNvGrpSpPr/>
-        <p:nvPr/>
-      </p:nvGrpSpPr>
-      <p:grpSpPr>
-        <a:xfrm>
-          <a:off x="0" y="0"/>
-          <a:ext cx="0" cy="0"/>
-          <a:chOff x="0" y="0"/>
-          <a:chExt cx="0" cy="0"/>
-        </a:xfrm>
-      </p:grpSpPr>
-      <p:sp>
-        <p:nvSpPr>
-          <p:cNvPr id="157" name="PlaceHolder 1"/>
-          <p:cNvSpPr>
-            <a:spLocks noGrp="1"/>
-          </p:cNvSpPr>
-          <p:nvPr>
-            <p:ph type="title"/>
-          </p:nvPr>
-        </p:nvSpPr>
-        <p:spPr>
-          <a:xfrm>
-            <a:off x="504000" y="810000"/>
-            <a:ext cx="9071640" cy="1296000"/>
-          </a:xfrm>
-          <a:prstGeom prst="rect">
-            <a:avLst/>
-          </a:prstGeom>
-          <a:noFill/>
-          <a:ln w="0">
-            <a:noFill/>
-          </a:ln>
-        </p:spPr>
-        <p:txBody>
-          <a:bodyPr lIns="0" rIns="0" tIns="0" bIns="0" anchor="ctr">
-            <a:noAutofit/>
-          </a:bodyPr>
-          <a:p>
-            <a:pPr algn="ctr">
-              <a:buNone/>
-            </a:pPr>
-            <a:endParaRPr b="0" lang="en-US" sz="4400" spc="-1" strike="noStrike">
-              <a:solidFill>
-                <a:srgbClr val="ffffff"/>
-              </a:solidFill>
-              <a:latin typeface="Arial"/>
-            </a:endParaRPr>
-          </a:p>
-        </p:txBody>
-      </p:sp>
-      <p:sp>
-        <p:nvSpPr>
-          <p:cNvPr id="158" name="PlaceHolder 2"/>
-          <p:cNvSpPr>
-            <a:spLocks noGrp="1"/>
-          </p:cNvSpPr>
-          <p:nvPr>
-            <p:ph/>
-          </p:nvPr>
-        </p:nvSpPr>
-        <p:spPr>
-          <a:xfrm>
-            <a:off x="504000" y="2376000"/>
-            <a:ext cx="2920680" cy="1313640"/>
-          </a:xfrm>
-          <a:prstGeom prst="rect">
-            <a:avLst/>
-          </a:prstGeom>
-          <a:noFill/>
-          <a:ln w="0">
-            <a:noFill/>
-          </a:ln>
-        </p:spPr>
-        <p:txBody>
-          <a:bodyPr lIns="0" rIns="0" tIns="0" bIns="0" anchor="t">
-            <a:normAutofit/>
-          </a:bodyPr>
-          <a:p>
-            <a:endParaRPr b="0" lang="en-US" sz="3150" spc="-1" strike="noStrike">
-              <a:solidFill>
-                <a:srgbClr val="ffffff"/>
-              </a:solidFill>
-              <a:latin typeface="Arial"/>
-            </a:endParaRPr>
-          </a:p>
-        </p:txBody>
-      </p:sp>
-      <p:sp>
-        <p:nvSpPr>
-          <p:cNvPr id="159" name="PlaceHolder 3"/>
-          <p:cNvSpPr>
-            <a:spLocks noGrp="1"/>
-          </p:cNvSpPr>
-          <p:nvPr>
-            <p:ph/>
-          </p:nvPr>
-        </p:nvSpPr>
-        <p:spPr>
-          <a:xfrm>
-            <a:off x="3571200" y="2376000"/>
-            <a:ext cx="2920680" cy="1313640"/>
-          </a:xfrm>
-          <a:prstGeom prst="rect">
-            <a:avLst/>
-          </a:prstGeom>
-          <a:noFill/>
-          <a:ln w="0">
-            <a:noFill/>
-          </a:ln>
-        </p:spPr>
-        <p:txBody>
-          <a:bodyPr lIns="0" rIns="0" tIns="0" bIns="0" anchor="t">
-            <a:normAutofit/>
-          </a:bodyPr>
-          <a:p>
-            <a:endParaRPr b="0" lang="en-US" sz="3150" spc="-1" strike="noStrike">
-              <a:solidFill>
-                <a:srgbClr val="ffffff"/>
-              </a:solidFill>
-              <a:latin typeface="Arial"/>
-            </a:endParaRPr>
-          </a:p>
-        </p:txBody>
-      </p:sp>
-      <p:sp>
-        <p:nvSpPr>
-          <p:cNvPr id="160" name="PlaceHolder 4"/>
-          <p:cNvSpPr>
-            <a:spLocks noGrp="1"/>
-          </p:cNvSpPr>
-          <p:nvPr>
-            <p:ph/>
-          </p:nvPr>
-        </p:nvSpPr>
-        <p:spPr>
-          <a:xfrm>
-            <a:off x="6638040" y="2376000"/>
-            <a:ext cx="2920680" cy="1313640"/>
-          </a:xfrm>
-          <a:prstGeom prst="rect">
-            <a:avLst/>
-          </a:prstGeom>
-          <a:noFill/>
-          <a:ln w="0">
-            <a:noFill/>
-          </a:ln>
-        </p:spPr>
-        <p:txBody>
-          <a:bodyPr lIns="0" rIns="0" tIns="0" bIns="0" anchor="t">
-            <a:normAutofit/>
-          </a:bodyPr>
-          <a:p>
-            <a:endParaRPr b="0" lang="en-US" sz="3150" spc="-1" strike="noStrike">
-              <a:solidFill>
-                <a:srgbClr val="ffffff"/>
-              </a:solidFill>
-              <a:latin typeface="Arial"/>
-            </a:endParaRPr>
-          </a:p>
-        </p:txBody>
-      </p:sp>
-      <p:sp>
-        <p:nvSpPr>
-          <p:cNvPr id="161" name="PlaceHolder 5"/>
-          <p:cNvSpPr>
-            <a:spLocks noGrp="1"/>
-          </p:cNvSpPr>
-          <p:nvPr>
-            <p:ph/>
-          </p:nvPr>
-        </p:nvSpPr>
-        <p:spPr>
-          <a:xfrm>
-            <a:off x="504000" y="3814920"/>
-            <a:ext cx="2920680" cy="1313640"/>
-          </a:xfrm>
-          <a:prstGeom prst="rect">
-            <a:avLst/>
-          </a:prstGeom>
-          <a:noFill/>
-          <a:ln w="0">
-            <a:noFill/>
-          </a:ln>
-        </p:spPr>
-        <p:txBody>
-          <a:bodyPr lIns="0" rIns="0" tIns="0" bIns="0" anchor="t">
-            <a:normAutofit/>
-          </a:bodyPr>
-          <a:p>
-            <a:endParaRPr b="0" lang="en-US" sz="3150" spc="-1" strike="noStrike">
-              <a:solidFill>
-                <a:srgbClr val="ffffff"/>
-              </a:solidFill>
-              <a:latin typeface="Arial"/>
-            </a:endParaRPr>
-          </a:p>
-        </p:txBody>
-      </p:sp>
-      <p:sp>
-        <p:nvSpPr>
-          <p:cNvPr id="162" name="PlaceHolder 6"/>
-          <p:cNvSpPr>
-            <a:spLocks noGrp="1"/>
-          </p:cNvSpPr>
-          <p:nvPr>
-            <p:ph/>
-          </p:nvPr>
-        </p:nvSpPr>
-        <p:spPr>
-          <a:xfrm>
-            <a:off x="3571200" y="3814920"/>
-            <a:ext cx="2920680" cy="1313640"/>
-          </a:xfrm>
-          <a:prstGeom prst="rect">
-            <a:avLst/>
-          </a:prstGeom>
-          <a:noFill/>
-          <a:ln w="0">
-            <a:noFill/>
-          </a:ln>
-        </p:spPr>
-        <p:txBody>
-          <a:bodyPr lIns="0" rIns="0" tIns="0" bIns="0" anchor="t">
-            <a:normAutofit/>
-          </a:bodyPr>
-          <a:p>
-            <a:endParaRPr b="0" lang="en-US" sz="3150" spc="-1" strike="noStrike">
-              <a:solidFill>
-                <a:srgbClr val="ffffff"/>
-              </a:solidFill>
-              <a:latin typeface="Arial"/>
-            </a:endParaRPr>
-          </a:p>
-        </p:txBody>
-      </p:sp>
-      <p:sp>
-        <p:nvSpPr>
-          <p:cNvPr id="163" name="PlaceHolder 7"/>
-          <p:cNvSpPr>
-            <a:spLocks noGrp="1"/>
-          </p:cNvSpPr>
-          <p:nvPr>
-            <p:ph/>
-          </p:nvPr>
-        </p:nvSpPr>
-        <p:spPr>
-          <a:xfrm>
-            <a:off x="6638040" y="3814920"/>
-            <a:ext cx="2920680" cy="1313640"/>
-          </a:xfrm>
-          <a:prstGeom prst="rect">
-            <a:avLst/>
-          </a:prstGeom>
-          <a:noFill/>
-          <a:ln w="0">
-            <a:noFill/>
-          </a:ln>
-        </p:spPr>
-        <p:txBody>
-          <a:bodyPr lIns="0" rIns="0" tIns="0" bIns="0" anchor="t">
-            <a:normAutofit/>
-          </a:bodyPr>
-          <a:p>
-            <a:endParaRPr b="0" lang="en-US" sz="3150" spc="-1" strike="noStrike">
-              <a:solidFill>
-                <a:srgbClr val="ffffff"/>
-              </a:solidFill>
-              <a:latin typeface="Arial"/>
-            </a:endParaRPr>
-          </a:p>
-        </p:txBody>
-      </p:sp>
-      <p:sp>
-        <p:nvSpPr>
-          <p:cNvPr id="9" name="PlaceHolder 8"/>
-          <p:cNvSpPr>
-            <a:spLocks noGrp="1"/>
-          </p:cNvSpPr>
-          <p:nvPr>
-            <p:ph type="ftr" idx="11"/>
-          </p:nvPr>
-        </p:nvSpPr>
-        <p:spPr/>
-        <p:txBody>
-          <a:bodyPr/>
-          <a:p>
-            <a:r>
-              <a:t>Footer</a:t>
-            </a:r>
-          </a:p>
-        </p:txBody>
-      </p:sp>
-      <p:sp>
-        <p:nvSpPr>
-          <p:cNvPr id="10" name="PlaceHolder 9"/>
-          <p:cNvSpPr>
-            <a:spLocks noGrp="1"/>
-          </p:cNvSpPr>
-          <p:nvPr>
-            <p:ph type="sldNum" idx="12"/>
-          </p:nvPr>
-        </p:nvSpPr>
-        <p:spPr/>
-        <p:txBody>
-          <a:bodyPr/>
-          <a:p>
-            <a:fld id="{1AED46B7-FFE8-4CA1-BF08-FF902F651A9E}" type="slidenum">
-              <a:t>&lt;#&gt;</a:t>
-            </a:fld>
-          </a:p>
-        </p:txBody>
-      </p:sp>
-      <p:sp>
-        <p:nvSpPr>
-          <p:cNvPr id="11" name="PlaceHolder 10"/>
-          <p:cNvSpPr>
-            <a:spLocks noGrp="1"/>
-          </p:cNvSpPr>
-          <p:nvPr>
-            <p:ph type="dt" idx="10"/>
+            <p:ph type="dt" idx="3"/>
           </p:nvPr>
         </p:nvSpPr>
         <p:spPr/>
@@ -8555,8 +5908,8 @@
         </p:nvSpPr>
         <p:spPr>
           <a:xfrm>
-            <a:off x="504000" y="810000"/>
-            <a:ext cx="9071640" cy="1296000"/>
+            <a:off x="504000" y="226080"/>
+            <a:ext cx="9072000" cy="946440"/>
           </a:xfrm>
           <a:prstGeom prst="rect">
             <a:avLst/>
@@ -8575,9 +5928,6 @@
               <a:buNone/>
             </a:pPr>
             <a:endParaRPr b="0" lang="en-US" sz="4400" spc="-1" strike="noStrike">
-              <a:solidFill>
-                <a:srgbClr val="ffffff"/>
-              </a:solidFill>
               <a:latin typeface="Arial"/>
             </a:endParaRPr>
           </a:p>
@@ -8590,7 +5940,7 @@
             <a:spLocks noGrp="1"/>
           </p:cNvSpPr>
           <p:nvPr>
-            <p:ph type="ftr" idx="2"/>
+            <p:ph type="ftr" idx="1"/>
           </p:nvPr>
         </p:nvSpPr>
         <p:spPr/>
@@ -8610,14 +5960,14 @@
             <a:spLocks noGrp="1"/>
           </p:cNvSpPr>
           <p:nvPr>
-            <p:ph type="sldNum" idx="3"/>
-          </p:nvPr>
-        </p:nvSpPr>
-        <p:spPr/>
-        <p:txBody>
-          <a:bodyPr/>
-          <a:p>
-            <a:fld id="{36C1EAC7-C76A-496B-8124-2BF9DA88E4A6}" type="slidenum">
+            <p:ph type="sldNum" idx="2"/>
+          </p:nvPr>
+        </p:nvSpPr>
+        <p:spPr/>
+        <p:txBody>
+          <a:bodyPr/>
+          <a:p>
+            <a:fld id="{0DEDC6C0-7477-426E-ADD2-404FADF58BFB}" type="slidenum">
               <a:t>&lt;#&gt;</a:t>
             </a:fld>
           </a:p>
@@ -8630,7 +5980,7 @@
             <a:spLocks noGrp="1"/>
           </p:cNvSpPr>
           <p:nvPr>
-            <p:ph type="dt" idx="1"/>
+            <p:ph type="dt" idx="3"/>
           </p:nvPr>
         </p:nvSpPr>
         <p:spPr/>
@@ -8678,8 +6028,8 @@
         </p:nvSpPr>
         <p:spPr>
           <a:xfrm>
-            <a:off x="504000" y="810000"/>
-            <a:ext cx="9071640" cy="6008760"/>
+            <a:off x="504000" y="226080"/>
+            <a:ext cx="9072000" cy="4388400"/>
           </a:xfrm>
           <a:prstGeom prst="rect">
             <a:avLst/>
@@ -8698,9 +6048,6 @@
               <a:buNone/>
             </a:pPr>
             <a:endParaRPr b="0" lang="en-US" sz="3200" spc="-1" strike="noStrike">
-              <a:solidFill>
-                <a:srgbClr val="ffffff"/>
-              </a:solidFill>
               <a:latin typeface="Arial"/>
             </a:endParaRPr>
           </a:p>
@@ -8713,7 +6060,7 @@
             <a:spLocks noGrp="1"/>
           </p:cNvSpPr>
           <p:nvPr>
-            <p:ph type="ftr" idx="2"/>
+            <p:ph type="ftr" idx="1"/>
           </p:nvPr>
         </p:nvSpPr>
         <p:spPr/>
@@ -8733,14 +6080,14 @@
             <a:spLocks noGrp="1"/>
           </p:cNvSpPr>
           <p:nvPr>
-            <p:ph type="sldNum" idx="3"/>
-          </p:nvPr>
-        </p:nvSpPr>
-        <p:spPr/>
-        <p:txBody>
-          <a:bodyPr/>
-          <a:p>
-            <a:fld id="{42EE642F-61D3-4F1F-B88F-3ABBDFCC71DD}" type="slidenum">
+            <p:ph type="sldNum" idx="2"/>
+          </p:nvPr>
+        </p:nvSpPr>
+        <p:spPr/>
+        <p:txBody>
+          <a:bodyPr/>
+          <a:p>
+            <a:fld id="{A006555C-3C78-4F75-B93F-6024FEC47792}" type="slidenum">
               <a:t>&lt;#&gt;</a:t>
             </a:fld>
           </a:p>
@@ -8753,7 +6100,7 @@
             <a:spLocks noGrp="1"/>
           </p:cNvSpPr>
           <p:nvPr>
-            <p:ph type="dt" idx="1"/>
+            <p:ph type="dt" idx="3"/>
           </p:nvPr>
         </p:nvSpPr>
         <p:spPr/>
@@ -8801,8 +6148,8 @@
         </p:nvSpPr>
         <p:spPr>
           <a:xfrm>
-            <a:off x="504000" y="810000"/>
-            <a:ext cx="9071640" cy="1296000"/>
+            <a:off x="504000" y="226080"/>
+            <a:ext cx="9072000" cy="946440"/>
           </a:xfrm>
           <a:prstGeom prst="rect">
             <a:avLst/>
@@ -8821,9 +6168,6 @@
               <a:buNone/>
             </a:pPr>
             <a:endParaRPr b="0" lang="en-US" sz="4400" spc="-1" strike="noStrike">
-              <a:solidFill>
-                <a:srgbClr val="ffffff"/>
-              </a:solidFill>
               <a:latin typeface="Arial"/>
             </a:endParaRPr>
           </a:p>
@@ -8841,8 +6185,8 @@
         </p:nvSpPr>
         <p:spPr>
           <a:xfrm>
-            <a:off x="504000" y="2376000"/>
-            <a:ext cx="4426920" cy="1313640"/>
+            <a:off x="504000" y="1326600"/>
+            <a:ext cx="4426920" cy="1568520"/>
           </a:xfrm>
           <a:prstGeom prst="rect">
             <a:avLst/>
@@ -8857,10 +6201,7 @@
             <a:normAutofit/>
           </a:bodyPr>
           <a:p>
-            <a:endParaRPr b="0" lang="en-US" sz="3150" spc="-1" strike="noStrike">
-              <a:solidFill>
-                <a:srgbClr val="ffffff"/>
-              </a:solidFill>
+            <a:endParaRPr b="0" lang="en-US" sz="3200" spc="-1" strike="noStrike">
               <a:latin typeface="Arial"/>
             </a:endParaRPr>
           </a:p>
@@ -8878,8 +6219,8 @@
         </p:nvSpPr>
         <p:spPr>
           <a:xfrm>
-            <a:off x="5152680" y="2376000"/>
-            <a:ext cx="4426920" cy="2754000"/>
+            <a:off x="5152680" y="1326600"/>
+            <a:ext cx="4426920" cy="3288600"/>
           </a:xfrm>
           <a:prstGeom prst="rect">
             <a:avLst/>
@@ -8894,10 +6235,7 @@
             <a:normAutofit/>
           </a:bodyPr>
           <a:p>
-            <a:endParaRPr b="0" lang="en-US" sz="3150" spc="-1" strike="noStrike">
-              <a:solidFill>
-                <a:srgbClr val="ffffff"/>
-              </a:solidFill>
+            <a:endParaRPr b="0" lang="en-US" sz="3200" spc="-1" strike="noStrike">
               <a:latin typeface="Arial"/>
             </a:endParaRPr>
           </a:p>
@@ -8915,8 +6253,8 @@
         </p:nvSpPr>
         <p:spPr>
           <a:xfrm>
-            <a:off x="504000" y="3814920"/>
-            <a:ext cx="4426920" cy="1313640"/>
+            <a:off x="504000" y="3044520"/>
+            <a:ext cx="4426920" cy="1568520"/>
           </a:xfrm>
           <a:prstGeom prst="rect">
             <a:avLst/>
@@ -8931,10 +6269,7 @@
             <a:normAutofit/>
           </a:bodyPr>
           <a:p>
-            <a:endParaRPr b="0" lang="en-US" sz="3150" spc="-1" strike="noStrike">
-              <a:solidFill>
-                <a:srgbClr val="ffffff"/>
-              </a:solidFill>
+            <a:endParaRPr b="0" lang="en-US" sz="3200" spc="-1" strike="noStrike">
               <a:latin typeface="Arial"/>
             </a:endParaRPr>
           </a:p>
@@ -8947,7 +6282,7 @@
             <a:spLocks noGrp="1"/>
           </p:cNvSpPr>
           <p:nvPr>
-            <p:ph type="ftr" idx="2"/>
+            <p:ph type="ftr" idx="1"/>
           </p:nvPr>
         </p:nvSpPr>
         <p:spPr/>
@@ -8967,14 +6302,14 @@
             <a:spLocks noGrp="1"/>
           </p:cNvSpPr>
           <p:nvPr>
-            <p:ph type="sldNum" idx="3"/>
-          </p:nvPr>
-        </p:nvSpPr>
-        <p:spPr/>
-        <p:txBody>
-          <a:bodyPr/>
-          <a:p>
-            <a:fld id="{26CA78B5-DEBA-4C6C-AE30-97424D7E5AF3}" type="slidenum">
+            <p:ph type="sldNum" idx="2"/>
+          </p:nvPr>
+        </p:nvSpPr>
+        <p:spPr/>
+        <p:txBody>
+          <a:bodyPr/>
+          <a:p>
+            <a:fld id="{91D1CAC4-5BD2-468F-B5A2-44B4FD8A7D74}" type="slidenum">
               <a:t>&lt;#&gt;</a:t>
             </a:fld>
           </a:p>
@@ -8987,7 +6322,7 @@
             <a:spLocks noGrp="1"/>
           </p:cNvSpPr>
           <p:nvPr>
-            <p:ph type="dt" idx="1"/>
+            <p:ph type="dt" idx="3"/>
           </p:nvPr>
         </p:nvSpPr>
         <p:spPr/>
@@ -9035,8 +6370,8 @@
         </p:nvSpPr>
         <p:spPr>
           <a:xfrm>
-            <a:off x="504000" y="810000"/>
-            <a:ext cx="9071640" cy="1296000"/>
+            <a:off x="504000" y="226080"/>
+            <a:ext cx="9072000" cy="946440"/>
           </a:xfrm>
           <a:prstGeom prst="rect">
             <a:avLst/>
@@ -9055,9 +6390,6 @@
               <a:buNone/>
             </a:pPr>
             <a:endParaRPr b="0" lang="en-US" sz="4400" spc="-1" strike="noStrike">
-              <a:solidFill>
-                <a:srgbClr val="ffffff"/>
-              </a:solidFill>
               <a:latin typeface="Arial"/>
             </a:endParaRPr>
           </a:p>
@@ -9075,8 +6407,8 @@
         </p:nvSpPr>
         <p:spPr>
           <a:xfrm>
-            <a:off x="504000" y="2376000"/>
-            <a:ext cx="4426920" cy="2754000"/>
+            <a:off x="504000" y="1326600"/>
+            <a:ext cx="4426920" cy="3288600"/>
           </a:xfrm>
           <a:prstGeom prst="rect">
             <a:avLst/>
@@ -9091,10 +6423,7 @@
             <a:normAutofit/>
           </a:bodyPr>
           <a:p>
-            <a:endParaRPr b="0" lang="en-US" sz="3150" spc="-1" strike="noStrike">
-              <a:solidFill>
-                <a:srgbClr val="ffffff"/>
-              </a:solidFill>
+            <a:endParaRPr b="0" lang="en-US" sz="3200" spc="-1" strike="noStrike">
               <a:latin typeface="Arial"/>
             </a:endParaRPr>
           </a:p>
@@ -9112,8 +6441,8 @@
         </p:nvSpPr>
         <p:spPr>
           <a:xfrm>
-            <a:off x="5152680" y="2376000"/>
-            <a:ext cx="4426920" cy="1313640"/>
+            <a:off x="5152680" y="1326600"/>
+            <a:ext cx="4426920" cy="1568520"/>
           </a:xfrm>
           <a:prstGeom prst="rect">
             <a:avLst/>
@@ -9128,10 +6457,7 @@
             <a:normAutofit/>
           </a:bodyPr>
           <a:p>
-            <a:endParaRPr b="0" lang="en-US" sz="3150" spc="-1" strike="noStrike">
-              <a:solidFill>
-                <a:srgbClr val="ffffff"/>
-              </a:solidFill>
+            <a:endParaRPr b="0" lang="en-US" sz="3200" spc="-1" strike="noStrike">
               <a:latin typeface="Arial"/>
             </a:endParaRPr>
           </a:p>
@@ -9149,8 +6475,8 @@
         </p:nvSpPr>
         <p:spPr>
           <a:xfrm>
-            <a:off x="5152680" y="3814920"/>
-            <a:ext cx="4426920" cy="1313640"/>
+            <a:off x="5152680" y="3044520"/>
+            <a:ext cx="4426920" cy="1568520"/>
           </a:xfrm>
           <a:prstGeom prst="rect">
             <a:avLst/>
@@ -9165,10 +6491,7 @@
             <a:normAutofit/>
           </a:bodyPr>
           <a:p>
-            <a:endParaRPr b="0" lang="en-US" sz="3150" spc="-1" strike="noStrike">
-              <a:solidFill>
-                <a:srgbClr val="ffffff"/>
-              </a:solidFill>
+            <a:endParaRPr b="0" lang="en-US" sz="3200" spc="-1" strike="noStrike">
               <a:latin typeface="Arial"/>
             </a:endParaRPr>
           </a:p>
@@ -9181,7 +6504,7 @@
             <a:spLocks noGrp="1"/>
           </p:cNvSpPr>
           <p:nvPr>
-            <p:ph type="ftr" idx="2"/>
+            <p:ph type="ftr" idx="1"/>
           </p:nvPr>
         </p:nvSpPr>
         <p:spPr/>
@@ -9201,14 +6524,14 @@
             <a:spLocks noGrp="1"/>
           </p:cNvSpPr>
           <p:nvPr>
-            <p:ph type="sldNum" idx="3"/>
-          </p:nvPr>
-        </p:nvSpPr>
-        <p:spPr/>
-        <p:txBody>
-          <a:bodyPr/>
-          <a:p>
-            <a:fld id="{9F902156-2700-48A1-8535-0382CF3AE388}" type="slidenum">
+            <p:ph type="sldNum" idx="2"/>
+          </p:nvPr>
+        </p:nvSpPr>
+        <p:spPr/>
+        <p:txBody>
+          <a:bodyPr/>
+          <a:p>
+            <a:fld id="{DF60C3DC-412E-4A5F-A267-487F9F6411BB}" type="slidenum">
               <a:t>&lt;#&gt;</a:t>
             </a:fld>
           </a:p>
@@ -9221,7 +6544,7 @@
             <a:spLocks noGrp="1"/>
           </p:cNvSpPr>
           <p:nvPr>
-            <p:ph type="dt" idx="1"/>
+            <p:ph type="dt" idx="3"/>
           </p:nvPr>
         </p:nvSpPr>
         <p:spPr/>
@@ -9269,8 +6592,8 @@
         </p:nvSpPr>
         <p:spPr>
           <a:xfrm>
-            <a:off x="504000" y="810000"/>
-            <a:ext cx="9071640" cy="1296000"/>
+            <a:off x="504000" y="226080"/>
+            <a:ext cx="9072000" cy="946440"/>
           </a:xfrm>
           <a:prstGeom prst="rect">
             <a:avLst/>
@@ -9289,9 +6612,6 @@
               <a:buNone/>
             </a:pPr>
             <a:endParaRPr b="0" lang="en-US" sz="4400" spc="-1" strike="noStrike">
-              <a:solidFill>
-                <a:srgbClr val="ffffff"/>
-              </a:solidFill>
               <a:latin typeface="Arial"/>
             </a:endParaRPr>
           </a:p>
@@ -9309,8 +6629,8 @@
         </p:nvSpPr>
         <p:spPr>
           <a:xfrm>
-            <a:off x="504000" y="2376000"/>
-            <a:ext cx="4426920" cy="1313640"/>
+            <a:off x="504000" y="1326600"/>
+            <a:ext cx="4426920" cy="1568520"/>
           </a:xfrm>
           <a:prstGeom prst="rect">
             <a:avLst/>
@@ -9325,10 +6645,7 @@
             <a:normAutofit/>
           </a:bodyPr>
           <a:p>
-            <a:endParaRPr b="0" lang="en-US" sz="3150" spc="-1" strike="noStrike">
-              <a:solidFill>
-                <a:srgbClr val="ffffff"/>
-              </a:solidFill>
+            <a:endParaRPr b="0" lang="en-US" sz="3200" spc="-1" strike="noStrike">
               <a:latin typeface="Arial"/>
             </a:endParaRPr>
           </a:p>
@@ -9346,8 +6663,8 @@
         </p:nvSpPr>
         <p:spPr>
           <a:xfrm>
-            <a:off x="5152680" y="2376000"/>
-            <a:ext cx="4426920" cy="1313640"/>
+            <a:off x="5152680" y="1326600"/>
+            <a:ext cx="4426920" cy="1568520"/>
           </a:xfrm>
           <a:prstGeom prst="rect">
             <a:avLst/>
@@ -9362,10 +6679,7 @@
             <a:normAutofit/>
           </a:bodyPr>
           <a:p>
-            <a:endParaRPr b="0" lang="en-US" sz="3150" spc="-1" strike="noStrike">
-              <a:solidFill>
-                <a:srgbClr val="ffffff"/>
-              </a:solidFill>
+            <a:endParaRPr b="0" lang="en-US" sz="3200" spc="-1" strike="noStrike">
               <a:latin typeface="Arial"/>
             </a:endParaRPr>
           </a:p>
@@ -9383,8 +6697,8 @@
         </p:nvSpPr>
         <p:spPr>
           <a:xfrm>
-            <a:off x="504000" y="3814920"/>
-            <a:ext cx="9071640" cy="1313640"/>
+            <a:off x="504000" y="3044520"/>
+            <a:ext cx="9072000" cy="1568520"/>
           </a:xfrm>
           <a:prstGeom prst="rect">
             <a:avLst/>
@@ -9399,10 +6713,7 @@
             <a:normAutofit/>
           </a:bodyPr>
           <a:p>
-            <a:endParaRPr b="0" lang="en-US" sz="3150" spc="-1" strike="noStrike">
-              <a:solidFill>
-                <a:srgbClr val="ffffff"/>
-              </a:solidFill>
+            <a:endParaRPr b="0" lang="en-US" sz="3200" spc="-1" strike="noStrike">
               <a:latin typeface="Arial"/>
             </a:endParaRPr>
           </a:p>
@@ -9415,7 +6726,7 @@
             <a:spLocks noGrp="1"/>
           </p:cNvSpPr>
           <p:nvPr>
-            <p:ph type="ftr" idx="2"/>
+            <p:ph type="ftr" idx="1"/>
           </p:nvPr>
         </p:nvSpPr>
         <p:spPr/>
@@ -9435,14 +6746,14 @@
             <a:spLocks noGrp="1"/>
           </p:cNvSpPr>
           <p:nvPr>
-            <p:ph type="sldNum" idx="3"/>
-          </p:nvPr>
-        </p:nvSpPr>
-        <p:spPr/>
-        <p:txBody>
-          <a:bodyPr/>
-          <a:p>
-            <a:fld id="{D8D75A2B-AF21-465F-B0F1-23DD77C21EDD}" type="slidenum">
+            <p:ph type="sldNum" idx="2"/>
+          </p:nvPr>
+        </p:nvSpPr>
+        <p:spPr/>
+        <p:txBody>
+          <a:bodyPr/>
+          <a:p>
+            <a:fld id="{99CDA116-FB9B-40B7-BB49-40DFF8868AA6}" type="slidenum">
               <a:t>&lt;#&gt;</a:t>
             </a:fld>
           </a:p>
@@ -9455,7 +6766,7 @@
             <a:spLocks noGrp="1"/>
           </p:cNvSpPr>
           <p:nvPr>
-            <p:ph type="dt" idx="1"/>
+            <p:ph type="dt" idx="3"/>
           </p:nvPr>
         </p:nvSpPr>
         <p:spPr/>
@@ -9512,7 +6823,7 @@
         <p:spPr>
           <a:xfrm>
             <a:off x="504000" y="810000"/>
-            <a:ext cx="9071640" cy="1296000"/>
+            <a:ext cx="9071280" cy="1295640"/>
           </a:xfrm>
           <a:prstGeom prst="rect">
             <a:avLst/>
@@ -9527,22 +6838,13 @@
             <a:noAutofit/>
           </a:bodyPr>
           <a:p>
-            <a:pPr algn="ctr">
-              <a:buNone/>
-            </a:pPr>
-            <a:r>
-              <a:rPr b="0" lang="en-US" sz="4400" spc="-1" strike="noStrike">
-                <a:solidFill>
-                  <a:srgbClr val="ffffff"/>
-                </a:solidFill>
+            <a:r>
+              <a:rPr b="0" lang="en-US" sz="1800" spc="-1" strike="noStrike">
                 <a:latin typeface="Arial"/>
               </a:rPr>
               <a:t>Click to edit the title text format</a:t>
             </a:r>
-            <a:endParaRPr b="0" lang="en-US" sz="4400" spc="-1" strike="noStrike">
-              <a:solidFill>
-                <a:srgbClr val="ffffff"/>
-              </a:solidFill>
+            <a:endParaRPr b="0" lang="en-US" sz="1800" spc="-1" strike="noStrike">
               <a:latin typeface="Arial"/>
             </a:endParaRPr>
           </a:p>
@@ -9555,238 +6857,13 @@
             <a:spLocks noGrp="1"/>
           </p:cNvSpPr>
           <p:nvPr>
-            <p:ph type="body"/>
-          </p:nvPr>
-        </p:nvSpPr>
-        <p:spPr>
-          <a:xfrm>
-            <a:off x="504000" y="2376000"/>
-            <a:ext cx="9071640" cy="2754000"/>
-          </a:xfrm>
-          <a:prstGeom prst="rect">
-            <a:avLst/>
-          </a:prstGeom>
-          <a:noFill/>
-          <a:ln w="0">
-            <a:noFill/>
-          </a:ln>
-        </p:spPr>
-        <p:txBody>
-          <a:bodyPr lIns="0" rIns="0" tIns="0" bIns="0" anchor="t">
-            <a:normAutofit/>
-          </a:bodyPr>
-          <a:p>
-            <a:pPr marL="432000" indent="-324000">
-              <a:spcBef>
-                <a:spcPts val="1414"/>
-              </a:spcBef>
-              <a:buClr>
-                <a:srgbClr val="ffffff"/>
-              </a:buClr>
-              <a:buSzPct val="45000"/>
-              <a:buFont typeface="Wingdings" charset="2"/>
-              <a:buChar char=""/>
-            </a:pPr>
-            <a:r>
-              <a:rPr b="0" lang="en-US" sz="3150" spc="-1" strike="noStrike">
-                <a:solidFill>
-                  <a:srgbClr val="ffffff"/>
-                </a:solidFill>
-                <a:latin typeface="Arial"/>
-              </a:rPr>
-              <a:t>Click to edit the outline text format</a:t>
-            </a:r>
-            <a:endParaRPr b="0" lang="en-US" sz="3150" spc="-1" strike="noStrike">
-              <a:solidFill>
-                <a:srgbClr val="ffffff"/>
-              </a:solidFill>
-              <a:latin typeface="Arial"/>
-            </a:endParaRPr>
-          </a:p>
-          <a:p>
-            <a:pPr lvl="1" marL="864000" indent="-324000">
-              <a:spcBef>
-                <a:spcPts val="1134"/>
-              </a:spcBef>
-              <a:buClr>
-                <a:srgbClr val="ffffff"/>
-              </a:buClr>
-              <a:buSzPct val="75000"/>
-              <a:buFont typeface="Symbol" charset="2"/>
-              <a:buChar char=""/>
-            </a:pPr>
-            <a:r>
-              <a:rPr b="0" lang="en-US" sz="2400" spc="-1" strike="noStrike">
-                <a:solidFill>
-                  <a:srgbClr val="ffffff"/>
-                </a:solidFill>
-                <a:latin typeface="Arial"/>
-              </a:rPr>
-              <a:t>Second Outline Level</a:t>
-            </a:r>
-            <a:endParaRPr b="0" lang="en-US" sz="2400" spc="-1" strike="noStrike">
-              <a:solidFill>
-                <a:srgbClr val="ffffff"/>
-              </a:solidFill>
-              <a:latin typeface="Arial"/>
-            </a:endParaRPr>
-          </a:p>
-          <a:p>
-            <a:pPr lvl="2" marL="1296000" indent="-288000">
-              <a:spcBef>
-                <a:spcPts val="850"/>
-              </a:spcBef>
-              <a:buClr>
-                <a:srgbClr val="ffffff"/>
-              </a:buClr>
-              <a:buSzPct val="45000"/>
-              <a:buFont typeface="Wingdings" charset="2"/>
-              <a:buChar char=""/>
-            </a:pPr>
-            <a:r>
-              <a:rPr b="0" lang="en-US" sz="1800" spc="-1" strike="noStrike">
-                <a:solidFill>
-                  <a:srgbClr val="ffffff"/>
-                </a:solidFill>
-                <a:latin typeface="Arial"/>
-              </a:rPr>
-              <a:t>Third Outline Level</a:t>
-            </a:r>
-            <a:endParaRPr b="0" lang="en-US" sz="1800" spc="-1" strike="noStrike">
-              <a:solidFill>
-                <a:srgbClr val="ffffff"/>
-              </a:solidFill>
-              <a:latin typeface="Arial"/>
-            </a:endParaRPr>
-          </a:p>
-          <a:p>
-            <a:pPr lvl="3" marL="1728000" indent="-216000">
-              <a:spcBef>
-                <a:spcPts val="567"/>
-              </a:spcBef>
-              <a:buClr>
-                <a:srgbClr val="ffffff"/>
-              </a:buClr>
-              <a:buSzPct val="75000"/>
-              <a:buFont typeface="Symbol" charset="2"/>
-              <a:buChar char=""/>
-            </a:pPr>
-            <a:r>
-              <a:rPr b="0" lang="en-US" sz="1500" spc="-1" strike="noStrike">
-                <a:solidFill>
-                  <a:srgbClr val="ffffff"/>
-                </a:solidFill>
-                <a:latin typeface="Arial"/>
-              </a:rPr>
-              <a:t>Fourth Outline Level</a:t>
-            </a:r>
-            <a:endParaRPr b="0" lang="en-US" sz="1500" spc="-1" strike="noStrike">
-              <a:solidFill>
-                <a:srgbClr val="ffffff"/>
-              </a:solidFill>
-              <a:latin typeface="Arial"/>
-            </a:endParaRPr>
-          </a:p>
-          <a:p>
-            <a:pPr lvl="4" marL="2160000" indent="-216000">
-              <a:spcBef>
-                <a:spcPts val="283"/>
-              </a:spcBef>
-              <a:buClr>
-                <a:srgbClr val="ffffff"/>
-              </a:buClr>
-              <a:buSzPct val="45000"/>
-              <a:buFont typeface="Wingdings" charset="2"/>
-              <a:buChar char=""/>
-            </a:pPr>
-            <a:r>
-              <a:rPr b="0" lang="en-US" sz="1500" spc="-1" strike="noStrike">
-                <a:solidFill>
-                  <a:srgbClr val="ffffff"/>
-                </a:solidFill>
-                <a:latin typeface="Arial"/>
-              </a:rPr>
-              <a:t>Fifth Outline Level</a:t>
-            </a:r>
-            <a:endParaRPr b="0" lang="en-US" sz="1500" spc="-1" strike="noStrike">
-              <a:solidFill>
-                <a:srgbClr val="ffffff"/>
-              </a:solidFill>
-              <a:latin typeface="Arial"/>
-            </a:endParaRPr>
-          </a:p>
-          <a:p>
-            <a:pPr lvl="5" marL="2592000" indent="-216000">
-              <a:spcBef>
-                <a:spcPts val="283"/>
-              </a:spcBef>
-              <a:buClr>
-                <a:srgbClr val="ffffff"/>
-              </a:buClr>
-              <a:buSzPct val="45000"/>
-              <a:buFont typeface="Wingdings" charset="2"/>
-              <a:buChar char=""/>
-            </a:pPr>
-            <a:r>
-              <a:rPr b="0" lang="en-US" sz="1500" spc="-1" strike="noStrike">
-                <a:solidFill>
-                  <a:srgbClr val="ffffff"/>
-                </a:solidFill>
-                <a:latin typeface="Arial"/>
-              </a:rPr>
-              <a:t>Sixth Outline Level</a:t>
-            </a:r>
-            <a:endParaRPr b="0" lang="en-US" sz="1500" spc="-1" strike="noStrike">
-              <a:solidFill>
-                <a:srgbClr val="ffffff"/>
-              </a:solidFill>
-              <a:latin typeface="Arial"/>
-            </a:endParaRPr>
-          </a:p>
-          <a:p>
-            <a:pPr lvl="6" marL="3024000" indent="-216000">
-              <a:spcBef>
-                <a:spcPts val="283"/>
-              </a:spcBef>
-              <a:buClr>
-                <a:srgbClr val="ffffff"/>
-              </a:buClr>
-              <a:buSzPct val="45000"/>
-              <a:buFont typeface="Wingdings" charset="2"/>
-              <a:buChar char=""/>
-            </a:pPr>
-            <a:r>
-              <a:rPr b="0" lang="en-US" sz="1500" spc="-1" strike="noStrike">
-                <a:solidFill>
-                  <a:srgbClr val="ffffff"/>
-                </a:solidFill>
-                <a:latin typeface="Arial"/>
-              </a:rPr>
-              <a:t>Seventh Outline Level</a:t>
-            </a:r>
-            <a:endParaRPr b="0" lang="en-US" sz="1500" spc="-1" strike="noStrike">
-              <a:solidFill>
-                <a:srgbClr val="ffffff"/>
-              </a:solidFill>
-              <a:latin typeface="Arial"/>
-            </a:endParaRPr>
-          </a:p>
-        </p:txBody>
-      </p:sp>
-      <p:sp>
-        <p:nvSpPr>
-          <p:cNvPr id="2" name="PlaceHolder 3"/>
-          <p:cNvSpPr>
-            <a:spLocks noGrp="1"/>
-          </p:cNvSpPr>
-          <p:nvPr>
-            <p:ph type="dt" idx="1"/>
-          </p:nvPr>
-        </p:nvSpPr>
-        <p:spPr>
-          <a:xfrm>
-            <a:off x="504000" y="5164920"/>
-            <a:ext cx="2348280" cy="390600"/>
+            <p:ph type="ftr" idx="1"/>
+          </p:nvPr>
+        </p:nvSpPr>
+        <p:spPr>
+          <a:xfrm>
+            <a:off x="3447360" y="5164920"/>
+            <a:ext cx="3194640" cy="390240"/>
           </a:xfrm>
           <a:prstGeom prst="rect">
             <a:avLst/>
@@ -9801,63 +6878,10 @@
             <a:noAutofit/>
           </a:bodyPr>
           <a:lstStyle>
-            <a:lvl1pPr>
-              <a:defRPr b="0" lang="en-US" sz="1400" spc="-1" strike="noStrike">
-                <a:solidFill>
-                  <a:srgbClr val="ffffff"/>
-                </a:solidFill>
-                <a:latin typeface="Arial"/>
-              </a:defRPr>
-            </a:lvl1pPr>
-          </a:lstStyle>
-          <a:p>
-            <a:r>
-              <a:rPr b="0" lang="en-US" sz="1400" spc="-1" strike="noStrike">
-                <a:solidFill>
-                  <a:srgbClr val="ffffff"/>
-                </a:solidFill>
-                <a:latin typeface="Arial"/>
-              </a:rPr>
-              <a:t>&lt;date/time&gt;</a:t>
-            </a:r>
-            <a:endParaRPr b="0" lang="en-US" sz="1400" spc="-1" strike="noStrike">
-              <a:solidFill>
-                <a:srgbClr val="ffffff"/>
-              </a:solidFill>
-              <a:latin typeface="Arial"/>
-            </a:endParaRPr>
-          </a:p>
-        </p:txBody>
-      </p:sp>
-      <p:sp>
-        <p:nvSpPr>
-          <p:cNvPr id="3" name="PlaceHolder 4"/>
-          <p:cNvSpPr>
-            <a:spLocks noGrp="1"/>
-          </p:cNvSpPr>
-          <p:nvPr>
-            <p:ph type="ftr" idx="2"/>
-          </p:nvPr>
-        </p:nvSpPr>
-        <p:spPr>
-          <a:xfrm>
-            <a:off x="3447360" y="5164920"/>
-            <a:ext cx="3195000" cy="390600"/>
-          </a:xfrm>
-          <a:prstGeom prst="rect">
-            <a:avLst/>
-          </a:prstGeom>
-          <a:noFill/>
-          <a:ln w="0">
-            <a:noFill/>
-          </a:ln>
-        </p:spPr>
-        <p:txBody>
-          <a:bodyPr lIns="0" rIns="0" tIns="0" bIns="0" anchor="t">
-            <a:noAutofit/>
-          </a:bodyPr>
-          <a:lstStyle>
             <a:lvl1pPr algn="ctr">
+              <a:lnSpc>
+                <a:spcPct val="100000"/>
+              </a:lnSpc>
               <a:buNone/>
               <a:defRPr b="0" lang="en-US" sz="1400" spc="-1" strike="noStrike">
                 <a:solidFill>
@@ -9869,6 +6893,9 @@
           </a:lstStyle>
           <a:p>
             <a:pPr algn="ctr">
+              <a:lnSpc>
+                <a:spcPct val="100000"/>
+              </a:lnSpc>
               <a:buNone/>
             </a:pPr>
             <a:r>
@@ -9878,31 +6905,28 @@
                 </a:solidFill>
                 <a:latin typeface="Arial"/>
               </a:rPr>
-              <a:t>&lt;footer&gt;</a:t>
+              <a:t> </a:t>
             </a:r>
             <a:endParaRPr b="0" lang="en-US" sz="1400" spc="-1" strike="noStrike">
-              <a:solidFill>
-                <a:srgbClr val="ffffff"/>
-              </a:solidFill>
-              <a:latin typeface="Arial"/>
-            </a:endParaRPr>
-          </a:p>
-        </p:txBody>
-      </p:sp>
-      <p:sp>
-        <p:nvSpPr>
-          <p:cNvPr id="4" name="PlaceHolder 5"/>
-          <p:cNvSpPr>
-            <a:spLocks noGrp="1"/>
-          </p:cNvSpPr>
-          <p:nvPr>
-            <p:ph type="sldNum" idx="3"/>
+              <a:latin typeface="Times New Roman"/>
+            </a:endParaRPr>
+          </a:p>
+        </p:txBody>
+      </p:sp>
+      <p:sp>
+        <p:nvSpPr>
+          <p:cNvPr id="2" name="PlaceHolder 3"/>
+          <p:cNvSpPr>
+            <a:spLocks noGrp="1"/>
+          </p:cNvSpPr>
+          <p:nvPr>
+            <p:ph type="sldNum" idx="2"/>
           </p:nvPr>
         </p:nvSpPr>
         <p:spPr>
           <a:xfrm>
             <a:off x="7227360" y="5164920"/>
-            <a:ext cx="2348280" cy="390600"/>
+            <a:ext cx="2347920" cy="390240"/>
           </a:xfrm>
           <a:prstGeom prst="rect">
             <a:avLst/>
@@ -9918,6 +6942,9 @@
           </a:bodyPr>
           <a:lstStyle>
             <a:lvl1pPr algn="r">
+              <a:lnSpc>
+                <a:spcPct val="100000"/>
+              </a:lnSpc>
               <a:buNone/>
               <a:defRPr b="0" lang="en-US" sz="1400" spc="-1" strike="noStrike">
                 <a:solidFill>
@@ -9929,21 +6956,251 @@
           </a:lstStyle>
           <a:p>
             <a:pPr algn="r">
+              <a:lnSpc>
+                <a:spcPct val="100000"/>
+              </a:lnSpc>
               <a:buNone/>
             </a:pPr>
-            <a:fld id="{329D101B-D55B-4E9F-AA37-3B6A2C2AD3BA}" type="slidenum">
+            <a:fld id="{B569E1C5-25E0-4F4C-AC89-3D17D68E8E73}" type="slidenum">
               <a:rPr b="0" lang="en-US" sz="1400" spc="-1" strike="noStrike">
                 <a:solidFill>
                   <a:srgbClr val="ffffff"/>
                 </a:solidFill>
                 <a:latin typeface="Arial"/>
               </a:rPr>
-              <a:t>&lt;number&gt;</a:t>
+              <a:t>4</a:t>
             </a:fld>
             <a:endParaRPr b="0" lang="en-US" sz="1400" spc="-1" strike="noStrike">
-              <a:solidFill>
-                <a:srgbClr val="ffffff"/>
-              </a:solidFill>
+              <a:latin typeface="Times New Roman"/>
+            </a:endParaRPr>
+          </a:p>
+        </p:txBody>
+      </p:sp>
+      <p:sp>
+        <p:nvSpPr>
+          <p:cNvPr id="3" name="PlaceHolder 4"/>
+          <p:cNvSpPr>
+            <a:spLocks noGrp="1"/>
+          </p:cNvSpPr>
+          <p:nvPr>
+            <p:ph type="dt" idx="3"/>
+          </p:nvPr>
+        </p:nvSpPr>
+        <p:spPr>
+          <a:xfrm>
+            <a:off x="504000" y="5164920"/>
+            <a:ext cx="2347920" cy="390240"/>
+          </a:xfrm>
+          <a:prstGeom prst="rect">
+            <a:avLst/>
+          </a:prstGeom>
+          <a:noFill/>
+          <a:ln w="0">
+            <a:noFill/>
+          </a:ln>
+        </p:spPr>
+        <p:txBody>
+          <a:bodyPr lIns="0" rIns="0" tIns="0" bIns="0" anchor="t">
+            <a:noAutofit/>
+          </a:bodyPr>
+          <a:lstStyle>
+            <a:lvl1pPr>
+              <a:defRPr b="0" lang="en-US" sz="1400" spc="-1" strike="noStrike">
+                <a:latin typeface="Times New Roman"/>
+              </a:defRPr>
+            </a:lvl1pPr>
+          </a:lstStyle>
+          <a:p>
+            <a:r>
+              <a:rPr b="0" lang="en-US" sz="1400" spc="-1" strike="noStrike">
+                <a:latin typeface="Times New Roman"/>
+              </a:rPr>
+              <a:t> </a:t>
+            </a:r>
+            <a:endParaRPr b="0" lang="en-US" sz="1400" spc="-1" strike="noStrike">
+              <a:latin typeface="Times New Roman"/>
+            </a:endParaRPr>
+          </a:p>
+        </p:txBody>
+      </p:sp>
+      <p:sp>
+        <p:nvSpPr>
+          <p:cNvPr id="4" name="PlaceHolder 5"/>
+          <p:cNvSpPr>
+            <a:spLocks noGrp="1"/>
+          </p:cNvSpPr>
+          <p:nvPr>
+            <p:ph type="body"/>
+          </p:nvPr>
+        </p:nvSpPr>
+        <p:spPr>
+          <a:xfrm>
+            <a:off x="504000" y="1326600"/>
+            <a:ext cx="9072000" cy="3288600"/>
+          </a:xfrm>
+          <a:prstGeom prst="rect">
+            <a:avLst/>
+          </a:prstGeom>
+          <a:noFill/>
+          <a:ln w="0">
+            <a:noFill/>
+          </a:ln>
+        </p:spPr>
+        <p:txBody>
+          <a:bodyPr lIns="0" rIns="0" tIns="0" bIns="0" anchor="t">
+            <a:normAutofit/>
+          </a:bodyPr>
+          <a:p>
+            <a:pPr marL="432000" indent="-324000">
+              <a:spcBef>
+                <a:spcPts val="1417"/>
+              </a:spcBef>
+              <a:buClr>
+                <a:srgbClr val="000000"/>
+              </a:buClr>
+              <a:buSzPct val="45000"/>
+              <a:buFont typeface="Wingdings" charset="2"/>
+              <a:buChar char=""/>
+            </a:pPr>
+            <a:r>
+              <a:rPr b="0" lang="en-US" sz="3200" spc="-1" strike="noStrike">
+                <a:latin typeface="Arial"/>
+              </a:rPr>
+              <a:t>Click to edit the outline text format</a:t>
+            </a:r>
+            <a:endParaRPr b="0" lang="en-US" sz="3200" spc="-1" strike="noStrike">
+              <a:latin typeface="Arial"/>
+            </a:endParaRPr>
+          </a:p>
+          <a:p>
+            <a:pPr lvl="1" marL="864000" indent="-324000">
+              <a:spcBef>
+                <a:spcPts val="1134"/>
+              </a:spcBef>
+              <a:buClr>
+                <a:srgbClr val="000000"/>
+              </a:buClr>
+              <a:buSzPct val="75000"/>
+              <a:buFont typeface="Symbol" charset="2"/>
+              <a:buChar char=""/>
+            </a:pPr>
+            <a:r>
+              <a:rPr b="0" lang="en-US" sz="2800" spc="-1" strike="noStrike">
+                <a:latin typeface="Arial"/>
+              </a:rPr>
+              <a:t>Second Outline Level</a:t>
+            </a:r>
+            <a:endParaRPr b="0" lang="en-US" sz="2800" spc="-1" strike="noStrike">
+              <a:latin typeface="Arial"/>
+            </a:endParaRPr>
+          </a:p>
+          <a:p>
+            <a:pPr lvl="2" marL="1296000" indent="-288000">
+              <a:spcBef>
+                <a:spcPts val="850"/>
+              </a:spcBef>
+              <a:buClr>
+                <a:srgbClr val="000000"/>
+              </a:buClr>
+              <a:buSzPct val="45000"/>
+              <a:buFont typeface="Wingdings" charset="2"/>
+              <a:buChar char=""/>
+            </a:pPr>
+            <a:r>
+              <a:rPr b="0" lang="en-US" sz="2400" spc="-1" strike="noStrike">
+                <a:latin typeface="Arial"/>
+              </a:rPr>
+              <a:t>Third Outline Level</a:t>
+            </a:r>
+            <a:endParaRPr b="0" lang="en-US" sz="2400" spc="-1" strike="noStrike">
+              <a:latin typeface="Arial"/>
+            </a:endParaRPr>
+          </a:p>
+          <a:p>
+            <a:pPr lvl="3" marL="1728000" indent="-216000">
+              <a:spcBef>
+                <a:spcPts val="567"/>
+              </a:spcBef>
+              <a:buClr>
+                <a:srgbClr val="000000"/>
+              </a:buClr>
+              <a:buSzPct val="75000"/>
+              <a:buFont typeface="Symbol" charset="2"/>
+              <a:buChar char=""/>
+            </a:pPr>
+            <a:r>
+              <a:rPr b="0" lang="en-US" sz="2000" spc="-1" strike="noStrike">
+                <a:latin typeface="Arial"/>
+              </a:rPr>
+              <a:t>Fourth Outline Level</a:t>
+            </a:r>
+            <a:endParaRPr b="0" lang="en-US" sz="2000" spc="-1" strike="noStrike">
+              <a:latin typeface="Arial"/>
+            </a:endParaRPr>
+          </a:p>
+          <a:p>
+            <a:pPr lvl="4" marL="2160000" indent="-216000">
+              <a:spcBef>
+                <a:spcPts val="283"/>
+              </a:spcBef>
+              <a:buClr>
+                <a:srgbClr val="000000"/>
+              </a:buClr>
+              <a:buSzPct val="45000"/>
+              <a:buFont typeface="Wingdings" charset="2"/>
+              <a:buChar char=""/>
+            </a:pPr>
+            <a:r>
+              <a:rPr b="0" lang="en-US" sz="2000" spc="-1" strike="noStrike">
+                <a:latin typeface="Arial"/>
+              </a:rPr>
+              <a:t>Fifth Outline Level</a:t>
+            </a:r>
+            <a:endParaRPr b="0" lang="en-US" sz="2000" spc="-1" strike="noStrike">
+              <a:latin typeface="Arial"/>
+            </a:endParaRPr>
+          </a:p>
+          <a:p>
+            <a:pPr lvl="5" marL="2592000" indent="-216000">
+              <a:spcBef>
+                <a:spcPts val="283"/>
+              </a:spcBef>
+              <a:buClr>
+                <a:srgbClr val="000000"/>
+              </a:buClr>
+              <a:buSzPct val="45000"/>
+              <a:buFont typeface="Wingdings" charset="2"/>
+              <a:buChar char=""/>
+            </a:pPr>
+            <a:r>
+              <a:rPr b="0" lang="en-US" sz="2000" spc="-1" strike="noStrike">
+                <a:latin typeface="Arial"/>
+              </a:rPr>
+              <a:t>Sixth Outline Level</a:t>
+            </a:r>
+            <a:endParaRPr b="0" lang="en-US" sz="2000" spc="-1" strike="noStrike">
+              <a:latin typeface="Arial"/>
+            </a:endParaRPr>
+          </a:p>
+          <a:p>
+            <a:pPr lvl="6" marL="3024000" indent="-216000">
+              <a:spcBef>
+                <a:spcPts val="283"/>
+              </a:spcBef>
+              <a:buClr>
+                <a:srgbClr val="000000"/>
+              </a:buClr>
+              <a:buSzPct val="45000"/>
+              <a:buFont typeface="Wingdings" charset="2"/>
+              <a:buChar char=""/>
+            </a:pPr>
+            <a:r>
+              <a:rPr b="0" lang="en-US" sz="2000" spc="-1" strike="noStrike">
+                <a:latin typeface="Arial"/>
+              </a:rPr>
+              <a:t>Seventh Outline Level</a:t>
+            </a:r>
+            <a:endParaRPr b="0" lang="en-US" sz="2000" spc="-1" strike="noStrike">
               <a:latin typeface="Arial"/>
             </a:endParaRPr>
           </a:p>
@@ -10006,8 +7263,8 @@
         </p:nvSpPr>
         <p:spPr>
           <a:xfrm>
-            <a:off x="504000" y="225720"/>
-            <a:ext cx="9071640" cy="946800"/>
+            <a:off x="504000" y="810000"/>
+            <a:ext cx="9071280" cy="1295640"/>
           </a:xfrm>
           <a:prstGeom prst="rect">
             <a:avLst/>
@@ -10022,17 +7279,14 @@
             <a:noAutofit/>
           </a:bodyPr>
           <a:p>
-            <a:pPr algn="ctr">
-              <a:buNone/>
-            </a:pPr>
-            <a:r>
-              <a:rPr b="0" lang="en-US" sz="3300" spc="-1" strike="noStrike">
-                <a:latin typeface="Arial"/>
+            <a:r>
+              <a:rPr b="0" lang="en-US" sz="1800" spc="-1" strike="noStrike">
+                <a:latin typeface="Linux Biolinum G"/>
               </a:rPr>
               <a:t>Click to edit the title text format</a:t>
             </a:r>
-            <a:endParaRPr b="0" lang="en-US" sz="3300" spc="-1" strike="noStrike">
-              <a:latin typeface="Arial"/>
+            <a:endParaRPr b="0" lang="en-US" sz="1800" spc="-1" strike="noStrike">
+              <a:latin typeface="Linux Biolinum G"/>
             </a:endParaRPr>
           </a:p>
         </p:txBody>
@@ -10049,8 +7303,8 @@
         </p:nvSpPr>
         <p:spPr>
           <a:xfrm>
-            <a:off x="504000" y="1326600"/>
-            <a:ext cx="9071640" cy="3288240"/>
+            <a:off x="504000" y="2376000"/>
+            <a:ext cx="9071280" cy="2753640"/>
           </a:xfrm>
           <a:prstGeom prst="rect">
             <a:avLst/>
@@ -10067,7 +7321,7 @@
           <a:p>
             <a:pPr marL="432000" indent="-324000">
               <a:spcBef>
-                <a:spcPts val="1060"/>
+                <a:spcPts val="1417"/>
               </a:spcBef>
               <a:buClr>
                 <a:srgbClr val="000000"/>
@@ -10077,19 +7331,19 @@
               <a:buChar char=""/>
             </a:pPr>
             <a:r>
-              <a:rPr b="0" lang="en-US" sz="2400" spc="-1" strike="noStrike">
+              <a:rPr b="0" lang="en-US" sz="1800" spc="-1" strike="noStrike">
                 <a:latin typeface="Arial"/>
               </a:rPr>
               <a:t>Click to edit the outline text format</a:t>
             </a:r>
-            <a:endParaRPr b="0" lang="en-US" sz="2400" spc="-1" strike="noStrike">
+            <a:endParaRPr b="0" lang="en-US" sz="1800" spc="-1" strike="noStrike">
               <a:latin typeface="Arial"/>
             </a:endParaRPr>
           </a:p>
           <a:p>
             <a:pPr lvl="1" marL="864000" indent="-324000">
               <a:spcBef>
-                <a:spcPts val="850"/>
+                <a:spcPts val="1134"/>
               </a:spcBef>
               <a:buClr>
                 <a:srgbClr val="000000"/>
@@ -10099,19 +7353,19 @@
               <a:buChar char=""/>
             </a:pPr>
             <a:r>
-              <a:rPr b="0" lang="en-US" sz="2100" spc="-1" strike="noStrike">
+              <a:rPr b="0" lang="en-US" sz="1800" spc="-1" strike="noStrike">
                 <a:latin typeface="Arial"/>
               </a:rPr>
               <a:t>Second Outline Level</a:t>
             </a:r>
-            <a:endParaRPr b="0" lang="en-US" sz="2100" spc="-1" strike="noStrike">
+            <a:endParaRPr b="0" lang="en-US" sz="1800" spc="-1" strike="noStrike">
               <a:latin typeface="Arial"/>
             </a:endParaRPr>
           </a:p>
           <a:p>
             <a:pPr lvl="2" marL="1296000" indent="-288000">
               <a:spcBef>
-                <a:spcPts val="638"/>
+                <a:spcPts val="850"/>
               </a:spcBef>
               <a:buClr>
                 <a:srgbClr val="000000"/>
@@ -10133,7 +7387,7 @@
           <a:p>
             <a:pPr lvl="3" marL="1728000" indent="-216000">
               <a:spcBef>
-                <a:spcPts val="425"/>
+                <a:spcPts val="567"/>
               </a:spcBef>
               <a:buClr>
                 <a:srgbClr val="000000"/>
@@ -10143,19 +7397,19 @@
               <a:buChar char=""/>
             </a:pPr>
             <a:r>
-              <a:rPr b="0" lang="en-US" sz="1500" spc="-1" strike="noStrike">
+              <a:rPr b="0" lang="en-US" sz="1800" spc="-1" strike="noStrike">
                 <a:latin typeface="Arial"/>
               </a:rPr>
               <a:t>Fourth Outline Level</a:t>
             </a:r>
-            <a:endParaRPr b="0" lang="en-US" sz="1500" spc="-1" strike="noStrike">
+            <a:endParaRPr b="0" lang="en-US" sz="1800" spc="-1" strike="noStrike">
               <a:latin typeface="Arial"/>
             </a:endParaRPr>
           </a:p>
           <a:p>
             <a:pPr lvl="4" marL="2160000" indent="-216000">
               <a:spcBef>
-                <a:spcPts val="213"/>
+                <a:spcPts val="283"/>
               </a:spcBef>
               <a:buClr>
                 <a:srgbClr val="000000"/>
@@ -10165,19 +7419,19 @@
               <a:buChar char=""/>
             </a:pPr>
             <a:r>
-              <a:rPr b="0" lang="en-US" sz="1500" spc="-1" strike="noStrike">
+              <a:rPr b="0" lang="en-US" sz="1800" spc="-1" strike="noStrike">
                 <a:latin typeface="Arial"/>
               </a:rPr>
               <a:t>Fifth Outline Level</a:t>
             </a:r>
-            <a:endParaRPr b="0" lang="en-US" sz="1500" spc="-1" strike="noStrike">
+            <a:endParaRPr b="0" lang="en-US" sz="1800" spc="-1" strike="noStrike">
               <a:latin typeface="Arial"/>
             </a:endParaRPr>
           </a:p>
           <a:p>
             <a:pPr lvl="5" marL="2592000" indent="-216000">
               <a:spcBef>
-                <a:spcPts val="213"/>
+                <a:spcPts val="283"/>
               </a:spcBef>
               <a:buClr>
                 <a:srgbClr val="000000"/>
@@ -10187,19 +7441,19 @@
               <a:buChar char=""/>
             </a:pPr>
             <a:r>
-              <a:rPr b="0" lang="en-US" sz="1500" spc="-1" strike="noStrike">
+              <a:rPr b="0" lang="en-US" sz="1800" spc="-1" strike="noStrike">
                 <a:latin typeface="Arial"/>
               </a:rPr>
               <a:t>Sixth Outline Level</a:t>
             </a:r>
-            <a:endParaRPr b="0" lang="en-US" sz="1500" spc="-1" strike="noStrike">
+            <a:endParaRPr b="0" lang="en-US" sz="1800" spc="-1" strike="noStrike">
               <a:latin typeface="Arial"/>
             </a:endParaRPr>
           </a:p>
           <a:p>
             <a:pPr lvl="6" marL="3024000" indent="-216000">
               <a:spcBef>
-                <a:spcPts val="213"/>
+                <a:spcPts val="283"/>
               </a:spcBef>
               <a:buClr>
                 <a:srgbClr val="000000"/>
@@ -10209,12 +7463,12 @@
               <a:buChar char=""/>
             </a:pPr>
             <a:r>
-              <a:rPr b="0" lang="en-US" sz="1500" spc="-1" strike="noStrike">
+              <a:rPr b="0" lang="en-US" sz="1800" spc="-1" strike="noStrike">
                 <a:latin typeface="Arial"/>
               </a:rPr>
               <a:t>Seventh Outline Level</a:t>
             </a:r>
-            <a:endParaRPr b="0" lang="en-US" sz="1500" spc="-1" strike="noStrike">
+            <a:endParaRPr b="0" lang="en-US" sz="1800" spc="-1" strike="noStrike">
               <a:latin typeface="Arial"/>
             </a:endParaRPr>
           </a:p>
@@ -10227,13 +7481,13 @@
             <a:spLocks noGrp="1"/>
           </p:cNvSpPr>
           <p:nvPr>
-            <p:ph type="dt" idx="4"/>
-          </p:nvPr>
-        </p:nvSpPr>
-        <p:spPr>
-          <a:xfrm>
-            <a:off x="504000" y="5165280"/>
-            <a:ext cx="2348280" cy="390960"/>
+            <p:ph type="ftr" idx="4"/>
+          </p:nvPr>
+        </p:nvSpPr>
+        <p:spPr>
+          <a:xfrm>
+            <a:off x="3447360" y="5165280"/>
+            <a:ext cx="3194640" cy="390600"/>
           </a:xfrm>
           <a:prstGeom prst="rect">
             <a:avLst/>
@@ -10248,54 +7502,10 @@
             <a:noAutofit/>
           </a:bodyPr>
           <a:lstStyle>
-            <a:lvl1pPr>
-              <a:defRPr b="0" lang="en-US" sz="1400" spc="-1" strike="noStrike">
-                <a:latin typeface="Arial"/>
-              </a:defRPr>
-            </a:lvl1pPr>
-          </a:lstStyle>
-          <a:p>
-            <a:r>
-              <a:rPr b="0" lang="en-US" sz="1400" spc="-1" strike="noStrike">
-                <a:latin typeface="Arial"/>
-              </a:rPr>
-              <a:t>&lt;date/time&gt;</a:t>
-            </a:r>
-            <a:endParaRPr b="0" lang="en-US" sz="1400" spc="-1" strike="noStrike">
-              <a:latin typeface="Arial"/>
-            </a:endParaRPr>
-          </a:p>
-        </p:txBody>
-      </p:sp>
-      <p:sp>
-        <p:nvSpPr>
-          <p:cNvPr id="44" name="PlaceHolder 4"/>
-          <p:cNvSpPr>
-            <a:spLocks noGrp="1"/>
-          </p:cNvSpPr>
-          <p:nvPr>
-            <p:ph type="ftr" idx="5"/>
-          </p:nvPr>
-        </p:nvSpPr>
-        <p:spPr>
-          <a:xfrm>
-            <a:off x="3447360" y="5165280"/>
-            <a:ext cx="3195000" cy="390960"/>
-          </a:xfrm>
-          <a:prstGeom prst="rect">
-            <a:avLst/>
-          </a:prstGeom>
-          <a:noFill/>
-          <a:ln w="0">
-            <a:noFill/>
-          </a:ln>
-        </p:spPr>
-        <p:txBody>
-          <a:bodyPr lIns="0" rIns="0" tIns="0" bIns="0" anchor="t">
-            <a:noAutofit/>
-          </a:bodyPr>
-          <a:lstStyle>
             <a:lvl1pPr algn="ctr">
+              <a:lnSpc>
+                <a:spcPct val="100000"/>
+              </a:lnSpc>
               <a:buNone/>
               <a:defRPr b="0" lang="en-US" sz="1400" spc="-1" strike="noStrike">
                 <a:latin typeface="Arial"/>
@@ -10304,6 +7514,9 @@
           </a:lstStyle>
           <a:p>
             <a:pPr algn="ctr">
+              <a:lnSpc>
+                <a:spcPct val="100000"/>
+              </a:lnSpc>
               <a:buNone/>
             </a:pPr>
             <a:r>
@@ -10313,25 +7526,25 @@
               <a:t>&lt;footer&gt;</a:t>
             </a:r>
             <a:endParaRPr b="0" lang="en-US" sz="1400" spc="-1" strike="noStrike">
-              <a:latin typeface="Arial"/>
-            </a:endParaRPr>
-          </a:p>
-        </p:txBody>
-      </p:sp>
-      <p:sp>
-        <p:nvSpPr>
-          <p:cNvPr id="45" name="PlaceHolder 5"/>
-          <p:cNvSpPr>
-            <a:spLocks noGrp="1"/>
-          </p:cNvSpPr>
-          <p:nvPr>
-            <p:ph type="sldNum" idx="6"/>
+              <a:latin typeface="Times New Roman"/>
+            </a:endParaRPr>
+          </a:p>
+        </p:txBody>
+      </p:sp>
+      <p:sp>
+        <p:nvSpPr>
+          <p:cNvPr id="44" name="PlaceHolder 4"/>
+          <p:cNvSpPr>
+            <a:spLocks noGrp="1"/>
+          </p:cNvSpPr>
+          <p:nvPr>
+            <p:ph type="sldNum" idx="5"/>
           </p:nvPr>
         </p:nvSpPr>
         <p:spPr>
           <a:xfrm>
             <a:off x="7227360" y="5165280"/>
-            <a:ext cx="2348280" cy="390960"/>
+            <a:ext cx="2347920" cy="390600"/>
           </a:xfrm>
           <a:prstGeom prst="rect">
             <a:avLst/>
@@ -10347,6 +7560,9 @@
           </a:bodyPr>
           <a:lstStyle>
             <a:lvl1pPr algn="r">
+              <a:lnSpc>
+                <a:spcPct val="100000"/>
+              </a:lnSpc>
               <a:buNone/>
               <a:defRPr b="0" lang="en-US" sz="1400" spc="-1" strike="noStrike">
                 <a:latin typeface="Arial"/>
@@ -10355,16 +7571,66 @@
           </a:lstStyle>
           <a:p>
             <a:pPr algn="r">
+              <a:lnSpc>
+                <a:spcPct val="100000"/>
+              </a:lnSpc>
               <a:buNone/>
             </a:pPr>
-            <a:fld id="{CB68CABD-B032-4300-B8C1-A524F670029B}" type="slidenum">
+            <a:fld id="{20BBDEFE-B10A-4DDE-A9F3-BF654F5DC612}" type="slidenum">
               <a:rPr b="0" lang="en-US" sz="1400" spc="-1" strike="noStrike">
                 <a:latin typeface="Arial"/>
               </a:rPr>
               <a:t>&lt;number&gt;</a:t>
             </a:fld>
             <a:endParaRPr b="0" lang="en-US" sz="1400" spc="-1" strike="noStrike">
-              <a:latin typeface="Arial"/>
+              <a:latin typeface="Times New Roman"/>
+            </a:endParaRPr>
+          </a:p>
+        </p:txBody>
+      </p:sp>
+      <p:sp>
+        <p:nvSpPr>
+          <p:cNvPr id="45" name="PlaceHolder 5"/>
+          <p:cNvSpPr>
+            <a:spLocks noGrp="1"/>
+          </p:cNvSpPr>
+          <p:nvPr>
+            <p:ph type="dt" idx="6"/>
+          </p:nvPr>
+        </p:nvSpPr>
+        <p:spPr>
+          <a:xfrm>
+            <a:off x="504000" y="5165280"/>
+            <a:ext cx="2347920" cy="390600"/>
+          </a:xfrm>
+          <a:prstGeom prst="rect">
+            <a:avLst/>
+          </a:prstGeom>
+          <a:noFill/>
+          <a:ln w="0">
+            <a:noFill/>
+          </a:ln>
+        </p:spPr>
+        <p:txBody>
+          <a:bodyPr lIns="0" rIns="0" tIns="0" bIns="0" anchor="t">
+            <a:noAutofit/>
+          </a:bodyPr>
+          <a:lstStyle>
+            <a:lvl1pPr>
+              <a:defRPr b="0" lang="en-US" sz="1400" spc="-1" strike="noStrike">
+                <a:latin typeface="Times New Roman"/>
+              </a:defRPr>
+            </a:lvl1pPr>
+          </a:lstStyle>
+          <a:p>
+            <a:r>
+              <a:rPr b="0" lang="en-US" sz="1400" spc="-1" strike="noStrike">
+                <a:latin typeface="Times New Roman"/>
+              </a:rPr>
+              <a:t>&lt;date/time&gt;</a:t>
+            </a:r>
+            <a:endParaRPr b="0" lang="en-US" sz="1400" spc="-1" strike="noStrike">
+              <a:latin typeface="Times New Roman"/>
             </a:endParaRPr>
           </a:p>
         </p:txBody>
@@ -10421,287 +7687,13 @@
             <a:spLocks noGrp="1"/>
           </p:cNvSpPr>
           <p:nvPr>
-            <p:ph type="title"/>
-          </p:nvPr>
-        </p:nvSpPr>
-        <p:spPr>
-          <a:xfrm>
-            <a:off x="504000" y="810000"/>
-            <a:ext cx="9071640" cy="1296000"/>
-          </a:xfrm>
-          <a:prstGeom prst="rect">
-            <a:avLst/>
-          </a:prstGeom>
-          <a:noFill/>
-          <a:ln w="0">
-            <a:noFill/>
-          </a:ln>
-        </p:spPr>
-        <p:txBody>
-          <a:bodyPr lIns="0" rIns="0" tIns="0" bIns="0" anchor="ctr">
-            <a:noAutofit/>
-          </a:bodyPr>
-          <a:p>
-            <a:pPr algn="ctr">
-              <a:buNone/>
-            </a:pPr>
-            <a:r>
-              <a:rPr b="0" lang="en-US" sz="4400" spc="-1" strike="noStrike">
-                <a:solidFill>
-                  <a:srgbClr val="ffffff"/>
-                </a:solidFill>
-                <a:latin typeface="Arial"/>
-              </a:rPr>
-              <a:t>Click to edit the title text format</a:t>
-            </a:r>
-            <a:endParaRPr b="0" lang="en-US" sz="4400" spc="-1" strike="noStrike">
-              <a:solidFill>
-                <a:srgbClr val="ffffff"/>
-              </a:solidFill>
-              <a:latin typeface="Arial"/>
-            </a:endParaRPr>
-          </a:p>
-        </p:txBody>
-      </p:sp>
-      <p:sp>
-        <p:nvSpPr>
-          <p:cNvPr id="83" name="PlaceHolder 2"/>
-          <p:cNvSpPr>
-            <a:spLocks noGrp="1"/>
-          </p:cNvSpPr>
-          <p:nvPr>
-            <p:ph type="body"/>
-          </p:nvPr>
-        </p:nvSpPr>
-        <p:spPr>
-          <a:xfrm>
-            <a:off x="504000" y="2376000"/>
-            <a:ext cx="9071640" cy="2754000"/>
-          </a:xfrm>
-          <a:prstGeom prst="rect">
-            <a:avLst/>
-          </a:prstGeom>
-          <a:noFill/>
-          <a:ln w="0">
-            <a:noFill/>
-          </a:ln>
-        </p:spPr>
-        <p:txBody>
-          <a:bodyPr lIns="0" rIns="0" tIns="0" bIns="0" anchor="t">
-            <a:normAutofit/>
-          </a:bodyPr>
-          <a:p>
-            <a:pPr marL="432000" indent="-324000">
-              <a:spcBef>
-                <a:spcPts val="1414"/>
-              </a:spcBef>
-              <a:buClr>
-                <a:srgbClr val="ffffff"/>
-              </a:buClr>
-              <a:buSzPct val="45000"/>
-              <a:buFont typeface="Wingdings" charset="2"/>
-              <a:buChar char=""/>
-            </a:pPr>
-            <a:r>
-              <a:rPr b="0" lang="en-US" sz="3150" spc="-1" strike="noStrike">
-                <a:solidFill>
-                  <a:srgbClr val="ffffff"/>
-                </a:solidFill>
-                <a:latin typeface="Arial"/>
-              </a:rPr>
-              <a:t>Click to edit the outline text format</a:t>
-            </a:r>
-            <a:endParaRPr b="0" lang="en-US" sz="3150" spc="-1" strike="noStrike">
-              <a:solidFill>
-                <a:srgbClr val="ffffff"/>
-              </a:solidFill>
-              <a:latin typeface="Arial"/>
-            </a:endParaRPr>
-          </a:p>
-          <a:p>
-            <a:pPr lvl="1" marL="864000" indent="-324000">
-              <a:spcBef>
-                <a:spcPts val="1134"/>
-              </a:spcBef>
-              <a:buClr>
-                <a:srgbClr val="ffffff"/>
-              </a:buClr>
-              <a:buSzPct val="75000"/>
-              <a:buFont typeface="Symbol" charset="2"/>
-              <a:buChar char=""/>
-            </a:pPr>
-            <a:r>
-              <a:rPr b="0" lang="en-US" sz="2400" spc="-1" strike="noStrike">
-                <a:solidFill>
-                  <a:srgbClr val="ffffff"/>
-                </a:solidFill>
-                <a:latin typeface="Arial"/>
-              </a:rPr>
-              <a:t>Second Outline Level</a:t>
-            </a:r>
-            <a:endParaRPr b="0" lang="en-US" sz="2400" spc="-1" strike="noStrike">
-              <a:solidFill>
-                <a:srgbClr val="ffffff"/>
-              </a:solidFill>
-              <a:latin typeface="Arial"/>
-            </a:endParaRPr>
-          </a:p>
-          <a:p>
-            <a:pPr lvl="2" marL="1296000" indent="-288000">
-              <a:spcBef>
-                <a:spcPts val="850"/>
-              </a:spcBef>
-              <a:buClr>
-                <a:srgbClr val="ffffff"/>
-              </a:buClr>
-              <a:buSzPct val="45000"/>
-              <a:buFont typeface="Wingdings" charset="2"/>
-              <a:buChar char=""/>
-            </a:pPr>
-            <a:r>
-              <a:rPr b="0" lang="en-US" sz="1800" spc="-1" strike="noStrike">
-                <a:solidFill>
-                  <a:srgbClr val="ffffff"/>
-                </a:solidFill>
-                <a:latin typeface="Arial"/>
-              </a:rPr>
-              <a:t>Third Outline Level</a:t>
-            </a:r>
-            <a:endParaRPr b="0" lang="en-US" sz="1800" spc="-1" strike="noStrike">
-              <a:solidFill>
-                <a:srgbClr val="ffffff"/>
-              </a:solidFill>
-              <a:latin typeface="Arial"/>
-            </a:endParaRPr>
-          </a:p>
-          <a:p>
-            <a:pPr lvl="3" marL="1728000" indent="-216000">
-              <a:spcBef>
-                <a:spcPts val="567"/>
-              </a:spcBef>
-              <a:buClr>
-                <a:srgbClr val="ffffff"/>
-              </a:buClr>
-              <a:buSzPct val="75000"/>
-              <a:buFont typeface="Symbol" charset="2"/>
-              <a:buChar char=""/>
-            </a:pPr>
-            <a:r>
-              <a:rPr b="0" lang="en-US" sz="1500" spc="-1" strike="noStrike">
-                <a:solidFill>
-                  <a:srgbClr val="ffffff"/>
-                </a:solidFill>
-                <a:latin typeface="Arial"/>
-              </a:rPr>
-              <a:t>Fourth Outline Level</a:t>
-            </a:r>
-            <a:endParaRPr b="0" lang="en-US" sz="1500" spc="-1" strike="noStrike">
-              <a:solidFill>
-                <a:srgbClr val="ffffff"/>
-              </a:solidFill>
-              <a:latin typeface="Arial"/>
-            </a:endParaRPr>
-          </a:p>
-          <a:p>
-            <a:pPr lvl="4" marL="2160000" indent="-216000">
-              <a:spcBef>
-                <a:spcPts val="283"/>
-              </a:spcBef>
-              <a:buClr>
-                <a:srgbClr val="ffffff"/>
-              </a:buClr>
-              <a:buSzPct val="45000"/>
-              <a:buFont typeface="Wingdings" charset="2"/>
-              <a:buChar char=""/>
-            </a:pPr>
-            <a:r>
-              <a:rPr b="0" lang="en-US" sz="1500" spc="-1" strike="noStrike">
-                <a:solidFill>
-                  <a:srgbClr val="ffffff"/>
-                </a:solidFill>
-                <a:latin typeface="Arial"/>
-              </a:rPr>
-              <a:t>Fifth Outline Level</a:t>
-            </a:r>
-            <a:endParaRPr b="0" lang="en-US" sz="1500" spc="-1" strike="noStrike">
-              <a:solidFill>
-                <a:srgbClr val="ffffff"/>
-              </a:solidFill>
-              <a:latin typeface="Arial"/>
-            </a:endParaRPr>
-          </a:p>
-          <a:p>
-            <a:pPr lvl="5" marL="2592000" indent="-216000">
-              <a:spcBef>
-                <a:spcPts val="283"/>
-              </a:spcBef>
-              <a:buClr>
-                <a:srgbClr val="ffffff"/>
-              </a:buClr>
-              <a:buSzPct val="45000"/>
-              <a:buFont typeface="Wingdings" charset="2"/>
-              <a:buChar char=""/>
-            </a:pPr>
-            <a:r>
-              <a:rPr b="0" lang="en-US" sz="1500" spc="-1" strike="noStrike">
-                <a:solidFill>
-                  <a:srgbClr val="ffffff"/>
-                </a:solidFill>
-                <a:latin typeface="Arial"/>
-              </a:rPr>
-              <a:t>Sixth Outline Level</a:t>
-            </a:r>
-            <a:endParaRPr b="0" lang="en-US" sz="1500" spc="-1" strike="noStrike">
-              <a:solidFill>
-                <a:srgbClr val="ffffff"/>
-              </a:solidFill>
-              <a:latin typeface="Arial"/>
-            </a:endParaRPr>
-          </a:p>
-          <a:p>
-            <a:pPr lvl="6" marL="3024000" indent="-216000">
-              <a:spcBef>
-                <a:spcPts val="283"/>
-              </a:spcBef>
-              <a:buClr>
-                <a:srgbClr val="ffffff"/>
-              </a:buClr>
-              <a:buSzPct val="45000"/>
-              <a:buFont typeface="Wingdings" charset="2"/>
-              <a:buChar char=""/>
-            </a:pPr>
-            <a:r>
-              <a:rPr b="0" lang="en-US" sz="1500" spc="-1" strike="noStrike">
-                <a:solidFill>
-                  <a:srgbClr val="ffffff"/>
-                </a:solidFill>
-                <a:latin typeface="Arial"/>
-              </a:rPr>
-              <a:t>Seventh Outline Level</a:t>
-            </a:r>
-            <a:endParaRPr b="0" lang="en-US" sz="1500" spc="-1" strike="noStrike">
-              <a:solidFill>
-                <a:srgbClr val="ffffff"/>
-              </a:solidFill>
-              <a:latin typeface="Arial"/>
-            </a:endParaRPr>
-          </a:p>
-        </p:txBody>
-      </p:sp>
-      <p:sp>
-        <p:nvSpPr>
-          <p:cNvPr id="84" name="PlaceHolder 3"/>
-          <p:cNvSpPr>
-            <a:spLocks noGrp="1"/>
-          </p:cNvSpPr>
-          <p:nvPr>
-            <p:ph type="dt" idx="7"/>
-          </p:nvPr>
-        </p:nvSpPr>
-        <p:spPr>
-          <a:xfrm>
-            <a:off x="504000" y="5164920"/>
-            <a:ext cx="2348280" cy="390600"/>
+            <p:ph type="ftr" idx="7"/>
+          </p:nvPr>
+        </p:nvSpPr>
+        <p:spPr>
+          <a:xfrm>
+            <a:off x="3447360" y="5164920"/>
+            <a:ext cx="3194640" cy="390240"/>
           </a:xfrm>
           <a:prstGeom prst="rect">
             <a:avLst/>
@@ -10716,63 +7708,10 @@
             <a:noAutofit/>
           </a:bodyPr>
           <a:lstStyle>
-            <a:lvl1pPr>
-              <a:defRPr b="0" lang="en-US" sz="1400" spc="-1" strike="noStrike">
-                <a:solidFill>
-                  <a:srgbClr val="ffffff"/>
-                </a:solidFill>
-                <a:latin typeface="Arial"/>
-              </a:defRPr>
-            </a:lvl1pPr>
-          </a:lstStyle>
-          <a:p>
-            <a:r>
-              <a:rPr b="0" lang="en-US" sz="1400" spc="-1" strike="noStrike">
-                <a:solidFill>
-                  <a:srgbClr val="ffffff"/>
-                </a:solidFill>
-                <a:latin typeface="Arial"/>
-              </a:rPr>
-              <a:t>&lt;date/time&gt;</a:t>
-            </a:r>
-            <a:endParaRPr b="0" lang="en-US" sz="1400" spc="-1" strike="noStrike">
-              <a:solidFill>
-                <a:srgbClr val="ffffff"/>
-              </a:solidFill>
-              <a:latin typeface="Arial"/>
-            </a:endParaRPr>
-          </a:p>
-        </p:txBody>
-      </p:sp>
-      <p:sp>
-        <p:nvSpPr>
-          <p:cNvPr id="85" name="PlaceHolder 4"/>
-          <p:cNvSpPr>
-            <a:spLocks noGrp="1"/>
-          </p:cNvSpPr>
-          <p:nvPr>
-            <p:ph type="ftr" idx="8"/>
-          </p:nvPr>
-        </p:nvSpPr>
-        <p:spPr>
-          <a:xfrm>
-            <a:off x="3447360" y="5164920"/>
-            <a:ext cx="3195000" cy="390600"/>
-          </a:xfrm>
-          <a:prstGeom prst="rect">
-            <a:avLst/>
-          </a:prstGeom>
-          <a:noFill/>
-          <a:ln w="0">
-            <a:noFill/>
-          </a:ln>
-        </p:spPr>
-        <p:txBody>
-          <a:bodyPr lIns="0" rIns="0" tIns="0" bIns="0" anchor="t">
-            <a:noAutofit/>
-          </a:bodyPr>
-          <a:lstStyle>
             <a:lvl1pPr algn="ctr">
+              <a:lnSpc>
+                <a:spcPct val="100000"/>
+              </a:lnSpc>
               <a:buNone/>
               <a:defRPr b="0" lang="en-US" sz="1400" spc="-1" strike="noStrike">
                 <a:solidFill>
@@ -10784,6 +7723,9 @@
           </a:lstStyle>
           <a:p>
             <a:pPr algn="ctr">
+              <a:lnSpc>
+                <a:spcPct val="100000"/>
+              </a:lnSpc>
               <a:buNone/>
             </a:pPr>
             <a:r>
@@ -10796,28 +7738,25 @@
               <a:t>&lt;footer&gt;</a:t>
             </a:r>
             <a:endParaRPr b="0" lang="en-US" sz="1400" spc="-1" strike="noStrike">
-              <a:solidFill>
-                <a:srgbClr val="ffffff"/>
-              </a:solidFill>
-              <a:latin typeface="Arial"/>
-            </a:endParaRPr>
-          </a:p>
-        </p:txBody>
-      </p:sp>
-      <p:sp>
-        <p:nvSpPr>
-          <p:cNvPr id="86" name="PlaceHolder 5"/>
-          <p:cNvSpPr>
-            <a:spLocks noGrp="1"/>
-          </p:cNvSpPr>
-          <p:nvPr>
-            <p:ph type="sldNum" idx="9"/>
+              <a:latin typeface="Times New Roman"/>
+            </a:endParaRPr>
+          </a:p>
+        </p:txBody>
+      </p:sp>
+      <p:sp>
+        <p:nvSpPr>
+          <p:cNvPr id="83" name="PlaceHolder 2"/>
+          <p:cNvSpPr>
+            <a:spLocks noGrp="1"/>
+          </p:cNvSpPr>
+          <p:nvPr>
+            <p:ph type="sldNum" idx="8"/>
           </p:nvPr>
         </p:nvSpPr>
         <p:spPr>
           <a:xfrm>
             <a:off x="7227360" y="5164920"/>
-            <a:ext cx="2348280" cy="390600"/>
+            <a:ext cx="2347920" cy="390240"/>
           </a:xfrm>
           <a:prstGeom prst="rect">
             <a:avLst/>
@@ -10833,6 +7772,9 @@
           </a:bodyPr>
           <a:lstStyle>
             <a:lvl1pPr algn="r">
+              <a:lnSpc>
+                <a:spcPct val="100000"/>
+              </a:lnSpc>
               <a:buNone/>
               <a:defRPr b="0" lang="en-US" sz="1400" spc="-1" strike="noStrike">
                 <a:solidFill>
@@ -10844,9 +7786,12 @@
           </a:lstStyle>
           <a:p>
             <a:pPr algn="r">
+              <a:lnSpc>
+                <a:spcPct val="100000"/>
+              </a:lnSpc>
               <a:buNone/>
             </a:pPr>
-            <a:fld id="{54F39F5A-0868-4F4A-9AF4-F23892EC6612}" type="slidenum">
+            <a:fld id="{FA01830D-023F-49A5-9971-E9E603B99E6A}" type="slidenum">
               <a:rPr b="0" lang="en-US" sz="1400" spc="-1" strike="noStrike">
                 <a:solidFill>
                   <a:srgbClr val="ffffff"/>
@@ -10856,9 +7801,279 @@
               <a:t>&lt;number&gt;</a:t>
             </a:fld>
             <a:endParaRPr b="0" lang="en-US" sz="1400" spc="-1" strike="noStrike">
-              <a:solidFill>
-                <a:srgbClr val="ffffff"/>
-              </a:solidFill>
+              <a:latin typeface="Times New Roman"/>
+            </a:endParaRPr>
+          </a:p>
+        </p:txBody>
+      </p:sp>
+      <p:sp>
+        <p:nvSpPr>
+          <p:cNvPr id="84" name="PlaceHolder 3"/>
+          <p:cNvSpPr>
+            <a:spLocks noGrp="1"/>
+          </p:cNvSpPr>
+          <p:nvPr>
+            <p:ph type="dt" idx="9"/>
+          </p:nvPr>
+        </p:nvSpPr>
+        <p:spPr>
+          <a:xfrm>
+            <a:off x="504000" y="5164920"/>
+            <a:ext cx="2347920" cy="390240"/>
+          </a:xfrm>
+          <a:prstGeom prst="rect">
+            <a:avLst/>
+          </a:prstGeom>
+          <a:noFill/>
+          <a:ln w="0">
+            <a:noFill/>
+          </a:ln>
+        </p:spPr>
+        <p:txBody>
+          <a:bodyPr lIns="0" rIns="0" tIns="0" bIns="0" anchor="t">
+            <a:noAutofit/>
+          </a:bodyPr>
+          <a:lstStyle>
+            <a:lvl1pPr>
+              <a:defRPr b="0" lang="en-US" sz="1400" spc="-1" strike="noStrike">
+                <a:latin typeface="Times New Roman"/>
+              </a:defRPr>
+            </a:lvl1pPr>
+          </a:lstStyle>
+          <a:p>
+            <a:r>
+              <a:rPr b="0" lang="en-US" sz="1400" spc="-1" strike="noStrike">
+                <a:latin typeface="Times New Roman"/>
+              </a:rPr>
+              <a:t>&lt;date/time&gt;</a:t>
+            </a:r>
+            <a:endParaRPr b="0" lang="en-US" sz="1400" spc="-1" strike="noStrike">
+              <a:latin typeface="Times New Roman"/>
+            </a:endParaRPr>
+          </a:p>
+        </p:txBody>
+      </p:sp>
+      <p:sp>
+        <p:nvSpPr>
+          <p:cNvPr id="85" name="PlaceHolder 4"/>
+          <p:cNvSpPr>
+            <a:spLocks noGrp="1"/>
+          </p:cNvSpPr>
+          <p:nvPr>
+            <p:ph type="title"/>
+          </p:nvPr>
+        </p:nvSpPr>
+        <p:spPr>
+          <a:xfrm>
+            <a:off x="504000" y="226080"/>
+            <a:ext cx="9072000" cy="946440"/>
+          </a:xfrm>
+          <a:prstGeom prst="rect">
+            <a:avLst/>
+          </a:prstGeom>
+          <a:noFill/>
+          <a:ln w="0">
+            <a:noFill/>
+          </a:ln>
+        </p:spPr>
+        <p:txBody>
+          <a:bodyPr lIns="0" rIns="0" tIns="0" bIns="0" anchor="ctr">
+            <a:noAutofit/>
+          </a:bodyPr>
+          <a:p>
+            <a:pPr algn="ctr">
+              <a:buNone/>
+            </a:pPr>
+            <a:r>
+              <a:rPr b="0" lang="en-US" sz="4400" spc="-1" strike="noStrike">
+                <a:latin typeface="Arial"/>
+              </a:rPr>
+              <a:t>Click to edit the title text format</a:t>
+            </a:r>
+            <a:endParaRPr b="0" lang="en-US" sz="4400" spc="-1" strike="noStrike">
+              <a:latin typeface="Arial"/>
+            </a:endParaRPr>
+          </a:p>
+        </p:txBody>
+      </p:sp>
+      <p:sp>
+        <p:nvSpPr>
+          <p:cNvPr id="86" name="PlaceHolder 5"/>
+          <p:cNvSpPr>
+            <a:spLocks noGrp="1"/>
+          </p:cNvSpPr>
+          <p:nvPr>
+            <p:ph type="body"/>
+          </p:nvPr>
+        </p:nvSpPr>
+        <p:spPr>
+          <a:xfrm>
+            <a:off x="504000" y="1326600"/>
+            <a:ext cx="9072000" cy="3288600"/>
+          </a:xfrm>
+          <a:prstGeom prst="rect">
+            <a:avLst/>
+          </a:prstGeom>
+          <a:noFill/>
+          <a:ln w="0">
+            <a:noFill/>
+          </a:ln>
+        </p:spPr>
+        <p:txBody>
+          <a:bodyPr lIns="0" rIns="0" tIns="0" bIns="0" anchor="t">
+            <a:normAutofit/>
+          </a:bodyPr>
+          <a:p>
+            <a:pPr marL="432000" indent="-324000">
+              <a:spcBef>
+                <a:spcPts val="1417"/>
+              </a:spcBef>
+              <a:buClr>
+                <a:srgbClr val="000000"/>
+              </a:buClr>
+              <a:buSzPct val="45000"/>
+              <a:buFont typeface="Wingdings" charset="2"/>
+              <a:buChar char=""/>
+            </a:pPr>
+            <a:r>
+              <a:rPr b="0" lang="en-US" sz="3200" spc="-1" strike="noStrike">
+                <a:latin typeface="Arial"/>
+              </a:rPr>
+              <a:t>Click to edit the outline text format</a:t>
+            </a:r>
+            <a:endParaRPr b="0" lang="en-US" sz="3200" spc="-1" strike="noStrike">
+              <a:latin typeface="Arial"/>
+            </a:endParaRPr>
+          </a:p>
+          <a:p>
+            <a:pPr lvl="1" marL="864000" indent="-324000">
+              <a:spcBef>
+                <a:spcPts val="1134"/>
+              </a:spcBef>
+              <a:buClr>
+                <a:srgbClr val="000000"/>
+              </a:buClr>
+              <a:buSzPct val="75000"/>
+              <a:buFont typeface="Symbol" charset="2"/>
+              <a:buChar char=""/>
+            </a:pPr>
+            <a:r>
+              <a:rPr b="0" lang="en-US" sz="2800" spc="-1" strike="noStrike">
+                <a:latin typeface="Arial"/>
+              </a:rPr>
+              <a:t>Second Outline Level</a:t>
+            </a:r>
+            <a:endParaRPr b="0" lang="en-US" sz="2800" spc="-1" strike="noStrike">
+              <a:latin typeface="Arial"/>
+            </a:endParaRPr>
+          </a:p>
+          <a:p>
+            <a:pPr lvl="2" marL="1296000" indent="-288000">
+              <a:spcBef>
+                <a:spcPts val="850"/>
+              </a:spcBef>
+              <a:buClr>
+                <a:srgbClr val="000000"/>
+              </a:buClr>
+              <a:buSzPct val="45000"/>
+              <a:buFont typeface="Wingdings" charset="2"/>
+              <a:buChar char=""/>
+            </a:pPr>
+            <a:r>
+              <a:rPr b="0" lang="en-US" sz="2400" spc="-1" strike="noStrike">
+                <a:latin typeface="Arial"/>
+              </a:rPr>
+              <a:t>Third Outline Level</a:t>
+            </a:r>
+            <a:endParaRPr b="0" lang="en-US" sz="2400" spc="-1" strike="noStrike">
+              <a:latin typeface="Arial"/>
+            </a:endParaRPr>
+          </a:p>
+          <a:p>
+            <a:pPr lvl="3" marL="1728000" indent="-216000">
+              <a:spcBef>
+                <a:spcPts val="567"/>
+              </a:spcBef>
+              <a:buClr>
+                <a:srgbClr val="000000"/>
+              </a:buClr>
+              <a:buSzPct val="75000"/>
+              <a:buFont typeface="Symbol" charset="2"/>
+              <a:buChar char=""/>
+            </a:pPr>
+            <a:r>
+              <a:rPr b="0" lang="en-US" sz="2000" spc="-1" strike="noStrike">
+                <a:latin typeface="Arial"/>
+              </a:rPr>
+              <a:t>Fourth Outline Level</a:t>
+            </a:r>
+            <a:endParaRPr b="0" lang="en-US" sz="2000" spc="-1" strike="noStrike">
+              <a:latin typeface="Arial"/>
+            </a:endParaRPr>
+          </a:p>
+          <a:p>
+            <a:pPr lvl="4" marL="2160000" indent="-216000">
+              <a:spcBef>
+                <a:spcPts val="283"/>
+              </a:spcBef>
+              <a:buClr>
+                <a:srgbClr val="000000"/>
+              </a:buClr>
+              <a:buSzPct val="45000"/>
+              <a:buFont typeface="Wingdings" charset="2"/>
+              <a:buChar char=""/>
+            </a:pPr>
+            <a:r>
+              <a:rPr b="0" lang="en-US" sz="2000" spc="-1" strike="noStrike">
+                <a:latin typeface="Arial"/>
+              </a:rPr>
+              <a:t>Fifth Outline Level</a:t>
+            </a:r>
+            <a:endParaRPr b="0" lang="en-US" sz="2000" spc="-1" strike="noStrike">
+              <a:latin typeface="Arial"/>
+            </a:endParaRPr>
+          </a:p>
+          <a:p>
+            <a:pPr lvl="5" marL="2592000" indent="-216000">
+              <a:spcBef>
+                <a:spcPts val="283"/>
+              </a:spcBef>
+              <a:buClr>
+                <a:srgbClr val="000000"/>
+              </a:buClr>
+              <a:buSzPct val="45000"/>
+              <a:buFont typeface="Wingdings" charset="2"/>
+              <a:buChar char=""/>
+            </a:pPr>
+            <a:r>
+              <a:rPr b="0" lang="en-US" sz="2000" spc="-1" strike="noStrike">
+                <a:latin typeface="Arial"/>
+              </a:rPr>
+              <a:t>Sixth Outline Level</a:t>
+            </a:r>
+            <a:endParaRPr b="0" lang="en-US" sz="2000" spc="-1" strike="noStrike">
+              <a:latin typeface="Arial"/>
+            </a:endParaRPr>
+          </a:p>
+          <a:p>
+            <a:pPr lvl="6" marL="3024000" indent="-216000">
+              <a:spcBef>
+                <a:spcPts val="283"/>
+              </a:spcBef>
+              <a:buClr>
+                <a:srgbClr val="000000"/>
+              </a:buClr>
+              <a:buSzPct val="45000"/>
+              <a:buFont typeface="Wingdings" charset="2"/>
+              <a:buChar char=""/>
+            </a:pPr>
+            <a:r>
+              <a:rPr b="0" lang="en-US" sz="2000" spc="-1" strike="noStrike">
+                <a:latin typeface="Arial"/>
+              </a:rPr>
+              <a:t>Seventh Outline Level</a:t>
+            </a:r>
+            <a:endParaRPr b="0" lang="en-US" sz="2000" spc="-1" strike="noStrike">
               <a:latin typeface="Arial"/>
             </a:endParaRPr>
           </a:p>
@@ -10880,426 +8095,6 @@
     <p:sldLayoutId id="2147483684" r:id="rId12"/>
     <p:sldLayoutId id="2147483685" r:id="rId13"/>
     <p:sldLayoutId id="2147483686" r:id="rId14"/>
-  </p:sldLayoutIdLst>
-</p:sldMaster>
-</file>
-
-<file path=ppt/slideMasters/slideMaster4.xml><?xml version="1.0" encoding="utf-8"?>
-<p:sldMaster xmlns:a="http://schemas.openxmlformats.org/drawingml/2006/main" xmlns:p="http://schemas.openxmlformats.org/presentationml/2006/main" xmlns:r="http://schemas.openxmlformats.org/officeDocument/2006/relationships" xmlns:p14="http://schemas.microsoft.com/office/powerpoint/2010/main" xmlns:p15="http://schemas.microsoft.com/office/powerpoint/2012/main" xmlns:mc="http://schemas.openxmlformats.org/markup-compatibility/2006">
-  <p:cSld>
-    <p:bg>
-      <p:bgPr>
-        <a:blipFill rotWithShape="0">
-          <a:blip r:embed="rId2"/>
-          <a:stretch/>
-        </a:blipFill>
-      </p:bgPr>
-    </p:bg>
-    <p:spTree>
-      <p:nvGrpSpPr>
-        <p:cNvPr id="1" name=""/>
-        <p:cNvGrpSpPr/>
-        <p:nvPr/>
-      </p:nvGrpSpPr>
-      <p:grpSpPr>
-        <a:xfrm>
-          <a:off x="0" y="0"/>
-          <a:ext cx="0" cy="0"/>
-          <a:chOff x="0" y="0"/>
-          <a:chExt cx="0" cy="0"/>
-        </a:xfrm>
-      </p:grpSpPr>
-      <p:sp>
-        <p:nvSpPr>
-          <p:cNvPr id="123" name="PlaceHolder 1"/>
-          <p:cNvSpPr>
-            <a:spLocks noGrp="1"/>
-          </p:cNvSpPr>
-          <p:nvPr>
-            <p:ph type="title"/>
-          </p:nvPr>
-        </p:nvSpPr>
-        <p:spPr>
-          <a:xfrm>
-            <a:off x="504000" y="225720"/>
-            <a:ext cx="9071640" cy="946800"/>
-          </a:xfrm>
-          <a:prstGeom prst="rect">
-            <a:avLst/>
-          </a:prstGeom>
-          <a:noFill/>
-          <a:ln w="0">
-            <a:noFill/>
-          </a:ln>
-        </p:spPr>
-        <p:txBody>
-          <a:bodyPr lIns="0" rIns="0" tIns="0" bIns="0" anchor="ctr">
-            <a:noAutofit/>
-          </a:bodyPr>
-          <a:p>
-            <a:pPr algn="ctr">
-              <a:buNone/>
-            </a:pPr>
-            <a:r>
-              <a:rPr b="0" lang="en-US" sz="3300" spc="-1" strike="noStrike">
-                <a:latin typeface="Arial"/>
-              </a:rPr>
-              <a:t>Click to edit the title text format</a:t>
-            </a:r>
-            <a:endParaRPr b="0" lang="en-US" sz="3300" spc="-1" strike="noStrike">
-              <a:latin typeface="Arial"/>
-            </a:endParaRPr>
-          </a:p>
-        </p:txBody>
-      </p:sp>
-      <p:sp>
-        <p:nvSpPr>
-          <p:cNvPr id="124" name="PlaceHolder 2"/>
-          <p:cNvSpPr>
-            <a:spLocks noGrp="1"/>
-          </p:cNvSpPr>
-          <p:nvPr>
-            <p:ph type="body"/>
-          </p:nvPr>
-        </p:nvSpPr>
-        <p:spPr>
-          <a:xfrm>
-            <a:off x="504000" y="1326600"/>
-            <a:ext cx="9071640" cy="3288240"/>
-          </a:xfrm>
-          <a:prstGeom prst="rect">
-            <a:avLst/>
-          </a:prstGeom>
-          <a:noFill/>
-          <a:ln w="0">
-            <a:noFill/>
-          </a:ln>
-        </p:spPr>
-        <p:txBody>
-          <a:bodyPr lIns="0" rIns="0" tIns="0" bIns="0" anchor="t">
-            <a:normAutofit/>
-          </a:bodyPr>
-          <a:p>
-            <a:pPr marL="432000" indent="-324000">
-              <a:spcBef>
-                <a:spcPts val="1060"/>
-              </a:spcBef>
-              <a:buClr>
-                <a:srgbClr val="000000"/>
-              </a:buClr>
-              <a:buSzPct val="45000"/>
-              <a:buFont typeface="Wingdings" charset="2"/>
-              <a:buChar char=""/>
-            </a:pPr>
-            <a:r>
-              <a:rPr b="0" lang="en-US" sz="2400" spc="-1" strike="noStrike">
-                <a:latin typeface="Arial"/>
-              </a:rPr>
-              <a:t>Click to edit the outline text format</a:t>
-            </a:r>
-            <a:endParaRPr b="0" lang="en-US" sz="2400" spc="-1" strike="noStrike">
-              <a:latin typeface="Arial"/>
-            </a:endParaRPr>
-          </a:p>
-          <a:p>
-            <a:pPr lvl="1" marL="864000" indent="-324000">
-              <a:spcBef>
-                <a:spcPts val="850"/>
-              </a:spcBef>
-              <a:buClr>
-                <a:srgbClr val="000000"/>
-              </a:buClr>
-              <a:buSzPct val="75000"/>
-              <a:buFont typeface="Symbol" charset="2"/>
-              <a:buChar char=""/>
-            </a:pPr>
-            <a:r>
-              <a:rPr b="0" lang="en-US" sz="2100" spc="-1" strike="noStrike">
-                <a:latin typeface="Arial"/>
-              </a:rPr>
-              <a:t>Second Outline Level</a:t>
-            </a:r>
-            <a:endParaRPr b="0" lang="en-US" sz="2100" spc="-1" strike="noStrike">
-              <a:latin typeface="Arial"/>
-            </a:endParaRPr>
-          </a:p>
-          <a:p>
-            <a:pPr lvl="2" marL="1296000" indent="-288000">
-              <a:spcBef>
-                <a:spcPts val="638"/>
-              </a:spcBef>
-              <a:buClr>
-                <a:srgbClr val="000000"/>
-              </a:buClr>
-              <a:buSzPct val="45000"/>
-              <a:buFont typeface="Wingdings" charset="2"/>
-              <a:buChar char=""/>
-            </a:pPr>
-            <a:r>
-              <a:rPr b="0" lang="en-US" sz="1800" spc="-1" strike="noStrike">
-                <a:latin typeface="Arial"/>
-              </a:rPr>
-              <a:t>Third Outline Level</a:t>
-            </a:r>
-            <a:endParaRPr b="0" lang="en-US" sz="1800" spc="-1" strike="noStrike">
-              <a:latin typeface="Arial"/>
-            </a:endParaRPr>
-          </a:p>
-          <a:p>
-            <a:pPr lvl="3" marL="1728000" indent="-216000">
-              <a:spcBef>
-                <a:spcPts val="425"/>
-              </a:spcBef>
-              <a:buClr>
-                <a:srgbClr val="000000"/>
-              </a:buClr>
-              <a:buSzPct val="75000"/>
-              <a:buFont typeface="Symbol" charset="2"/>
-              <a:buChar char=""/>
-            </a:pPr>
-            <a:r>
-              <a:rPr b="0" lang="en-US" sz="1500" spc="-1" strike="noStrike">
-                <a:latin typeface="Arial"/>
-              </a:rPr>
-              <a:t>Fourth Outline Level</a:t>
-            </a:r>
-            <a:endParaRPr b="0" lang="en-US" sz="1500" spc="-1" strike="noStrike">
-              <a:latin typeface="Arial"/>
-            </a:endParaRPr>
-          </a:p>
-          <a:p>
-            <a:pPr lvl="4" marL="2160000" indent="-216000">
-              <a:spcBef>
-                <a:spcPts val="213"/>
-              </a:spcBef>
-              <a:buClr>
-                <a:srgbClr val="000000"/>
-              </a:buClr>
-              <a:buSzPct val="45000"/>
-              <a:buFont typeface="Wingdings" charset="2"/>
-              <a:buChar char=""/>
-            </a:pPr>
-            <a:r>
-              <a:rPr b="0" lang="en-US" sz="1500" spc="-1" strike="noStrike">
-                <a:latin typeface="Arial"/>
-              </a:rPr>
-              <a:t>Fifth Outline Level</a:t>
-            </a:r>
-            <a:endParaRPr b="0" lang="en-US" sz="1500" spc="-1" strike="noStrike">
-              <a:latin typeface="Arial"/>
-            </a:endParaRPr>
-          </a:p>
-          <a:p>
-            <a:pPr lvl="5" marL="2592000" indent="-216000">
-              <a:spcBef>
-                <a:spcPts val="213"/>
-              </a:spcBef>
-              <a:buClr>
-                <a:srgbClr val="000000"/>
-              </a:buClr>
-              <a:buSzPct val="45000"/>
-              <a:buFont typeface="Wingdings" charset="2"/>
-              <a:buChar char=""/>
-            </a:pPr>
-            <a:r>
-              <a:rPr b="0" lang="en-US" sz="1500" spc="-1" strike="noStrike">
-                <a:latin typeface="Arial"/>
-              </a:rPr>
-              <a:t>Sixth Outline Level</a:t>
-            </a:r>
-            <a:endParaRPr b="0" lang="en-US" sz="1500" spc="-1" strike="noStrike">
-              <a:latin typeface="Arial"/>
-            </a:endParaRPr>
-          </a:p>
-          <a:p>
-            <a:pPr lvl="6" marL="3024000" indent="-216000">
-              <a:spcBef>
-                <a:spcPts val="213"/>
-              </a:spcBef>
-              <a:buClr>
-                <a:srgbClr val="000000"/>
-              </a:buClr>
-              <a:buSzPct val="45000"/>
-              <a:buFont typeface="Wingdings" charset="2"/>
-              <a:buChar char=""/>
-            </a:pPr>
-            <a:r>
-              <a:rPr b="0" lang="en-US" sz="1500" spc="-1" strike="noStrike">
-                <a:latin typeface="Arial"/>
-              </a:rPr>
-              <a:t>Seventh Outline Level</a:t>
-            </a:r>
-            <a:endParaRPr b="0" lang="en-US" sz="1500" spc="-1" strike="noStrike">
-              <a:latin typeface="Arial"/>
-            </a:endParaRPr>
-          </a:p>
-        </p:txBody>
-      </p:sp>
-      <p:sp>
-        <p:nvSpPr>
-          <p:cNvPr id="125" name="PlaceHolder 3"/>
-          <p:cNvSpPr>
-            <a:spLocks noGrp="1"/>
-          </p:cNvSpPr>
-          <p:nvPr>
-            <p:ph type="dt" idx="10"/>
-          </p:nvPr>
-        </p:nvSpPr>
-        <p:spPr>
-          <a:xfrm>
-            <a:off x="504000" y="5165280"/>
-            <a:ext cx="2348280" cy="390960"/>
-          </a:xfrm>
-          <a:prstGeom prst="rect">
-            <a:avLst/>
-          </a:prstGeom>
-          <a:noFill/>
-          <a:ln w="0">
-            <a:noFill/>
-          </a:ln>
-        </p:spPr>
-        <p:txBody>
-          <a:bodyPr lIns="0" rIns="0" tIns="0" bIns="0" anchor="t">
-            <a:noAutofit/>
-          </a:bodyPr>
-          <a:lstStyle>
-            <a:lvl1pPr>
-              <a:defRPr b="0" lang="en-US" sz="1400" spc="-1" strike="noStrike">
-                <a:latin typeface="Arial"/>
-              </a:defRPr>
-            </a:lvl1pPr>
-          </a:lstStyle>
-          <a:p>
-            <a:r>
-              <a:rPr b="0" lang="en-US" sz="1400" spc="-1" strike="noStrike">
-                <a:latin typeface="Arial"/>
-              </a:rPr>
-              <a:t>&lt;date/time&gt;</a:t>
-            </a:r>
-            <a:endParaRPr b="0" lang="en-US" sz="1400" spc="-1" strike="noStrike">
-              <a:latin typeface="Arial"/>
-            </a:endParaRPr>
-          </a:p>
-        </p:txBody>
-      </p:sp>
-      <p:sp>
-        <p:nvSpPr>
-          <p:cNvPr id="126" name="PlaceHolder 4"/>
-          <p:cNvSpPr>
-            <a:spLocks noGrp="1"/>
-          </p:cNvSpPr>
-          <p:nvPr>
-            <p:ph type="ftr" idx="11"/>
-          </p:nvPr>
-        </p:nvSpPr>
-        <p:spPr>
-          <a:xfrm>
-            <a:off x="3447360" y="5165280"/>
-            <a:ext cx="3195000" cy="390960"/>
-          </a:xfrm>
-          <a:prstGeom prst="rect">
-            <a:avLst/>
-          </a:prstGeom>
-          <a:noFill/>
-          <a:ln w="0">
-            <a:noFill/>
-          </a:ln>
-        </p:spPr>
-        <p:txBody>
-          <a:bodyPr lIns="0" rIns="0" tIns="0" bIns="0" anchor="t">
-            <a:noAutofit/>
-          </a:bodyPr>
-          <a:lstStyle>
-            <a:lvl1pPr algn="ctr">
-              <a:buNone/>
-              <a:defRPr b="0" lang="en-US" sz="1400" spc="-1" strike="noStrike">
-                <a:latin typeface="Arial"/>
-              </a:defRPr>
-            </a:lvl1pPr>
-          </a:lstStyle>
-          <a:p>
-            <a:pPr algn="ctr">
-              <a:buNone/>
-            </a:pPr>
-            <a:r>
-              <a:rPr b="0" lang="en-US" sz="1400" spc="-1" strike="noStrike">
-                <a:latin typeface="Arial"/>
-              </a:rPr>
-              <a:t>&lt;footer&gt;</a:t>
-            </a:r>
-            <a:endParaRPr b="0" lang="en-US" sz="1400" spc="-1" strike="noStrike">
-              <a:latin typeface="Arial"/>
-            </a:endParaRPr>
-          </a:p>
-        </p:txBody>
-      </p:sp>
-      <p:sp>
-        <p:nvSpPr>
-          <p:cNvPr id="127" name="PlaceHolder 5"/>
-          <p:cNvSpPr>
-            <a:spLocks noGrp="1"/>
-          </p:cNvSpPr>
-          <p:nvPr>
-            <p:ph type="sldNum" idx="12"/>
-          </p:nvPr>
-        </p:nvSpPr>
-        <p:spPr>
-          <a:xfrm>
-            <a:off x="7227360" y="5165280"/>
-            <a:ext cx="2348280" cy="390960"/>
-          </a:xfrm>
-          <a:prstGeom prst="rect">
-            <a:avLst/>
-          </a:prstGeom>
-          <a:noFill/>
-          <a:ln w="0">
-            <a:noFill/>
-          </a:ln>
-        </p:spPr>
-        <p:txBody>
-          <a:bodyPr lIns="0" rIns="0" tIns="0" bIns="0" anchor="t">
-            <a:noAutofit/>
-          </a:bodyPr>
-          <a:lstStyle>
-            <a:lvl1pPr algn="r">
-              <a:buNone/>
-              <a:defRPr b="0" lang="en-US" sz="1400" spc="-1" strike="noStrike">
-                <a:latin typeface="Arial"/>
-              </a:defRPr>
-            </a:lvl1pPr>
-          </a:lstStyle>
-          <a:p>
-            <a:pPr algn="r">
-              <a:buNone/>
-            </a:pPr>
-            <a:fld id="{9B192454-5957-4D0D-9B63-97CDF7A1471F}" type="slidenum">
-              <a:rPr b="0" lang="en-US" sz="1400" spc="-1" strike="noStrike">
-                <a:latin typeface="Arial"/>
-              </a:rPr>
-              <a:t>&lt;number&gt;</a:t>
-            </a:fld>
-            <a:endParaRPr b="0" lang="en-US" sz="1400" spc="-1" strike="noStrike">
-              <a:latin typeface="Arial"/>
-            </a:endParaRPr>
-          </a:p>
-        </p:txBody>
-      </p:sp>
-    </p:spTree>
-  </p:cSld>
-  <p:clrMap bg1="lt1" bg2="lt2" tx1="dk1" tx2="dk2" accent1="accent1" accent2="accent2" accent3="accent3" accent4="accent4" accent5="accent5" accent6="accent6" hlink="hlink" folHlink="folHlink"/>
-  <p:sldLayoutIdLst>
-    <p:sldLayoutId id="2147483688" r:id="rId3"/>
-    <p:sldLayoutId id="2147483689" r:id="rId4"/>
-    <p:sldLayoutId id="2147483690" r:id="rId5"/>
-    <p:sldLayoutId id="2147483691" r:id="rId6"/>
-    <p:sldLayoutId id="2147483692" r:id="rId7"/>
-    <p:sldLayoutId id="2147483693" r:id="rId8"/>
-    <p:sldLayoutId id="2147483694" r:id="rId9"/>
-    <p:sldLayoutId id="2147483695" r:id="rId10"/>
-    <p:sldLayoutId id="2147483696" r:id="rId11"/>
-    <p:sldLayoutId id="2147483697" r:id="rId12"/>
-    <p:sldLayoutId id="2147483698" r:id="rId13"/>
-    <p:sldLayoutId id="2147483699" r:id="rId14"/>
   </p:sldLayoutIdLst>
 </p:sldMaster>
 </file>
@@ -11323,7 +8118,7 @@
       </p:grpSpPr>
       <p:sp>
         <p:nvSpPr>
-          <p:cNvPr id="164" name="PlaceHolder 1"/>
+          <p:cNvPr id="123" name="PlaceHolder 1"/>
           <p:cNvSpPr>
             <a:spLocks noGrp="1"/>
           </p:cNvSpPr>
@@ -11333,8 +8128,8 @@
         </p:nvSpPr>
         <p:spPr>
           <a:xfrm>
-            <a:off x="504000" y="810000"/>
-            <a:ext cx="9071640" cy="1296000"/>
+            <a:off x="512280" y="375840"/>
+            <a:ext cx="9071280" cy="1295640"/>
           </a:xfrm>
           <a:prstGeom prst="rect">
             <a:avLst/>
@@ -11350,6 +8145,9 @@
           </a:bodyPr>
           <a:p>
             <a:pPr algn="ctr">
+              <a:lnSpc>
+                <a:spcPct val="100000"/>
+              </a:lnSpc>
               <a:buNone/>
             </a:pPr>
             <a:r>
@@ -11362,17 +8160,14 @@
               <a:t>Access Control</a:t>
             </a:r>
             <a:endParaRPr b="0" lang="en-US" sz="4400" spc="-1" strike="noStrike">
-              <a:solidFill>
-                <a:srgbClr val="ffffff"/>
-              </a:solidFill>
-              <a:latin typeface="Arial"/>
-            </a:endParaRPr>
-          </a:p>
-        </p:txBody>
-      </p:sp>
-      <p:sp>
-        <p:nvSpPr>
-          <p:cNvPr id="165" name="PlaceHolder 2"/>
+              <a:latin typeface="Arial"/>
+            </a:endParaRPr>
+          </a:p>
+        </p:txBody>
+      </p:sp>
+      <p:sp>
+        <p:nvSpPr>
+          <p:cNvPr id="124" name="PlaceHolder 2"/>
           <p:cNvSpPr>
             <a:spLocks noGrp="1"/>
           </p:cNvSpPr>
@@ -11382,8 +8177,8 @@
         </p:nvSpPr>
         <p:spPr>
           <a:xfrm>
-            <a:off x="504000" y="2376000"/>
-            <a:ext cx="9071640" cy="2754000"/>
+            <a:off x="3704400" y="1600200"/>
+            <a:ext cx="2696400" cy="595800"/>
           </a:xfrm>
           <a:prstGeom prst="rect">
             <a:avLst/>
@@ -11398,18 +8193,47 @@
             <a:noAutofit/>
           </a:bodyPr>
           <a:p>
-            <a:pPr algn="ctr">
+            <a:pPr>
+              <a:lnSpc>
+                <a:spcPct val="100000"/>
+              </a:lnSpc>
               <a:buNone/>
             </a:pPr>
-            <a:endParaRPr b="0" lang="en-US" sz="3200" spc="-1" strike="noStrike">
-              <a:solidFill>
-                <a:srgbClr val="ffffff"/>
-              </a:solidFill>
-              <a:latin typeface="Arial"/>
-            </a:endParaRPr>
-          </a:p>
-        </p:txBody>
-      </p:sp>
+            <a:r>
+              <a:rPr b="0" lang="en-US" sz="1800" spc="-1" strike="noStrike">
+                <a:latin typeface="Arial"/>
+              </a:rPr>
+              <a:t>Building Access Control</a:t>
+            </a:r>
+            <a:endParaRPr b="0" lang="en-US" sz="1800" spc="-1" strike="noStrike">
+              <a:latin typeface="Arial"/>
+            </a:endParaRPr>
+          </a:p>
+        </p:txBody>
+      </p:sp>
+      <p:pic>
+        <p:nvPicPr>
+          <p:cNvPr id="125" name="" descr=""/>
+          <p:cNvPicPr/>
+          <p:nvPr/>
+        </p:nvPicPr>
+        <p:blipFill>
+          <a:blip r:embed="rId1"/>
+          <a:stretch/>
+        </p:blipFill>
+        <p:spPr>
+          <a:xfrm>
+            <a:off x="3890160" y="2514600"/>
+            <a:ext cx="2003760" cy="2286000"/>
+          </a:xfrm>
+          <a:prstGeom prst="rect">
+            <a:avLst/>
+          </a:prstGeom>
+          <a:ln w="0">
+            <a:noFill/>
+          </a:ln>
+        </p:spPr>
+      </p:pic>
     </p:spTree>
   </p:cSld>
   <mc:AlternateContent>
@@ -11442,7 +8266,7 @@
       </p:grpSpPr>
       <p:sp>
         <p:nvSpPr>
-          <p:cNvPr id="166" name="PlaceHolder 1"/>
+          <p:cNvPr id="126" name="PlaceHolder 1"/>
           <p:cNvSpPr>
             <a:spLocks noGrp="1"/>
           </p:cNvSpPr>
@@ -11452,8 +8276,8 @@
         </p:nvSpPr>
         <p:spPr>
           <a:xfrm>
-            <a:off x="504000" y="225720"/>
-            <a:ext cx="9071640" cy="946800"/>
+            <a:off x="4114800" y="228600"/>
+            <a:ext cx="1828800" cy="946440"/>
           </a:xfrm>
           <a:prstGeom prst="rect">
             <a:avLst/>
@@ -11468,18 +8292,27 @@
             <a:noAutofit/>
           </a:bodyPr>
           <a:p>
-            <a:pPr algn="ctr">
+            <a:pPr>
+              <a:lnSpc>
+                <a:spcPct val="100000"/>
+              </a:lnSpc>
               <a:buNone/>
             </a:pPr>
-            <a:endParaRPr b="0" lang="en-US" sz="3300" spc="-1" strike="noStrike">
-              <a:latin typeface="Arial"/>
-            </a:endParaRPr>
-          </a:p>
-        </p:txBody>
-      </p:sp>
-      <p:sp>
-        <p:nvSpPr>
-          <p:cNvPr id="167" name="PlaceHolder 2"/>
+            <a:r>
+              <a:rPr b="0" lang="en-US" sz="1800" spc="-1" strike="noStrike">
+                <a:latin typeface="Linux Biolinum G"/>
+              </a:rPr>
+              <a:t>INTRODUCTION</a:t>
+            </a:r>
+            <a:endParaRPr b="0" lang="en-US" sz="1800" spc="-1" strike="noStrike">
+              <a:latin typeface="Linux Biolinum G"/>
+            </a:endParaRPr>
+          </a:p>
+        </p:txBody>
+      </p:sp>
+      <p:sp>
+        <p:nvSpPr>
+          <p:cNvPr id="127" name="PlaceHolder 2"/>
           <p:cNvSpPr>
             <a:spLocks noGrp="1"/>
           </p:cNvSpPr>
@@ -11490,7 +8323,7 @@
         <p:spPr>
           <a:xfrm>
             <a:off x="504000" y="1326600"/>
-            <a:ext cx="9071640" cy="3288240"/>
+            <a:ext cx="9071280" cy="3287880"/>
           </a:xfrm>
           <a:prstGeom prst="rect">
             <a:avLst/>
@@ -11505,7 +8338,59 @@
             <a:normAutofit/>
           </a:bodyPr>
           <a:p>
-            <a:endParaRPr b="0" lang="en-US" sz="2400" spc="-1" strike="noStrike">
+            <a:pPr indent="-324000">
+              <a:lnSpc>
+                <a:spcPct val="100000"/>
+              </a:lnSpc>
+              <a:buClr>
+                <a:srgbClr val="000000"/>
+              </a:buClr>
+              <a:buFont typeface="Wingdings" charset="2"/>
+              <a:buChar char=""/>
+            </a:pPr>
+            <a:r>
+              <a:rPr b="0" lang="en-US" sz="1800" spc="-1" strike="noStrike">
+                <a:latin typeface="Arial"/>
+              </a:rPr>
+              <a:t>Today, cybersecurity is a growing concern to not only government agencies, but to business as well. Everyone used to manage access to campuses, offices, and laboratories through the use of key and guards. Access was managed by the issuing of keys.</a:t>
+            </a:r>
+            <a:endParaRPr b="0" lang="en-US" sz="1800" spc="-1" strike="noStrike">
+              <a:latin typeface="Arial"/>
+            </a:endParaRPr>
+          </a:p>
+          <a:p>
+            <a:pPr indent="-324000">
+              <a:lnSpc>
+                <a:spcPct val="100000"/>
+              </a:lnSpc>
+              <a:buClr>
+                <a:srgbClr val="000000"/>
+              </a:buClr>
+              <a:buFont typeface="Wingdings" charset="2"/>
+              <a:buChar char=""/>
+            </a:pPr>
+            <a:endParaRPr b="0" lang="en-US" sz="1800" spc="-1" strike="noStrike">
+              <a:latin typeface="Arial"/>
+            </a:endParaRPr>
+          </a:p>
+          <a:p>
+            <a:pPr indent="-324000">
+              <a:lnSpc>
+                <a:spcPct val="100000"/>
+              </a:lnSpc>
+              <a:buClr>
+                <a:srgbClr val="000000"/>
+              </a:buClr>
+              <a:buFont typeface="Wingdings" charset="2"/>
+              <a:buChar char=""/>
+            </a:pPr>
+            <a:r>
+              <a:rPr b="0" lang="en-US" sz="1800" spc="-1" strike="noStrike">
+                <a:latin typeface="Arial"/>
+              </a:rPr>
+              <a:t>While the options of guards and keys are still relevant to day, a better security solution reduces the human factor in physical security. Keys get lost, locks have to be changed, then there’s the unpredictable human factor to take into account. </a:t>
+            </a:r>
+            <a:endParaRPr b="0" lang="en-US" sz="1800" spc="-1" strike="noStrike">
               <a:latin typeface="Arial"/>
             </a:endParaRPr>
           </a:p>
@@ -11543,7 +8428,7 @@
       </p:grpSpPr>
       <p:pic>
         <p:nvPicPr>
-          <p:cNvPr id="168" name="" descr=""/>
+          <p:cNvPr id="128" name="" descr=""/>
           <p:cNvPicPr/>
           <p:nvPr/>
         </p:nvPicPr>
@@ -11554,7 +8439,7 @@
         <p:spPr>
           <a:xfrm>
             <a:off x="1619640" y="228600"/>
-            <a:ext cx="6903720" cy="3131640"/>
+            <a:ext cx="6903360" cy="3131280"/>
           </a:xfrm>
           <a:prstGeom prst="rect">
             <a:avLst/>
@@ -11564,6 +8449,42 @@
           </a:ln>
         </p:spPr>
       </p:pic>
+      <p:sp>
+        <p:nvSpPr>
+          <p:cNvPr id="129" name=""/>
+          <p:cNvSpPr txBox="1"/>
+          <p:nvPr/>
+        </p:nvSpPr>
+        <p:spPr>
+          <a:xfrm>
+            <a:off x="773280" y="3429000"/>
+            <a:ext cx="8827920" cy="1143000"/>
+          </a:xfrm>
+          <a:prstGeom prst="rect">
+            <a:avLst/>
+          </a:prstGeom>
+          <a:noFill/>
+          <a:ln w="0">
+            <a:noFill/>
+          </a:ln>
+        </p:spPr>
+        <p:txBody>
+          <a:bodyPr lIns="90000" rIns="90000" tIns="45000" bIns="45000" anchor="t">
+            <a:noAutofit/>
+          </a:bodyPr>
+          <a:p>
+            <a:r>
+              <a:rPr b="0" lang="en-US" sz="1800" spc="-1" strike="noStrike">
+                <a:latin typeface="Arial"/>
+              </a:rPr>
+              <a:t>Smart Church Solutions has also designed a door access application that logs events such as the opening of doors and whether access was accepted or denied.</a:t>
+            </a:r>
+            <a:endParaRPr b="0" lang="en-US" sz="1800" spc="-1" strike="noStrike">
+              <a:latin typeface="Arial"/>
+            </a:endParaRPr>
+          </a:p>
+        </p:txBody>
+      </p:sp>
     </p:spTree>
   </p:cSld>
   <mc:AlternateContent>
@@ -11596,18 +8517,20 @@
       </p:grpSpPr>
       <p:pic>
         <p:nvPicPr>
-          <p:cNvPr id="169" name="" descr=""/>
+          <p:cNvPr id="130" name="" descr="">
+            <a:hlinkClick r:id="rId1"/>
+          </p:cNvPr>
           <p:cNvPicPr/>
           <p:nvPr/>
         </p:nvPicPr>
         <p:blipFill>
-          <a:blip r:embed="rId1"/>
+          <a:blip r:embed="rId2"/>
           <a:stretch/>
         </p:blipFill>
         <p:spPr>
           <a:xfrm>
             <a:off x="2514600" y="360360"/>
-            <a:ext cx="5446440" cy="3068640"/>
+            <a:ext cx="5446080" cy="3068280"/>
           </a:xfrm>
           <a:prstGeom prst="rect">
             <a:avLst/>
@@ -11617,6 +8540,42 @@
           </a:ln>
         </p:spPr>
       </p:pic>
+      <p:sp>
+        <p:nvSpPr>
+          <p:cNvPr id="131" name=""/>
+          <p:cNvSpPr txBox="1"/>
+          <p:nvPr/>
+        </p:nvSpPr>
+        <p:spPr>
+          <a:xfrm>
+            <a:off x="914400" y="3657600"/>
+            <a:ext cx="8458200" cy="1371600"/>
+          </a:xfrm>
+          <a:prstGeom prst="rect">
+            <a:avLst/>
+          </a:prstGeom>
+          <a:noFill/>
+          <a:ln w="0">
+            <a:noFill/>
+          </a:ln>
+        </p:spPr>
+        <p:txBody>
+          <a:bodyPr lIns="90000" rIns="90000" tIns="45000" bIns="45000" anchor="t">
+            <a:noAutofit/>
+          </a:bodyPr>
+          <a:p>
+            <a:r>
+              <a:rPr b="0" lang="en-US" sz="1800" spc="-1" strike="noStrike">
+                <a:latin typeface="Arial"/>
+              </a:rPr>
+              <a:t>Bosch has a software suite that can scale up as needed. You can integrate video camera feeds, guard tours, and access controls to your system.</a:t>
+            </a:r>
+            <a:endParaRPr b="0" lang="en-US" sz="1800" spc="-1" strike="noStrike">
+              <a:latin typeface="Arial"/>
+            </a:endParaRPr>
+          </a:p>
+        </p:txBody>
+      </p:sp>
     </p:spTree>
   </p:cSld>
   <mc:AlternateContent>
@@ -12306,230 +9265,4 @@
     </a:fmtScheme>
   </a:themeElements>
 </a:theme>
-</file>
-
-<file path=ppt/theme/theme4.xml><?xml version="1.0" encoding="utf-8"?>
-<a:theme xmlns:a="http://schemas.openxmlformats.org/drawingml/2006/main" name="Office Theme">
-  <a:themeElements>
-    <a:clrScheme name="Office">
-      <a:dk1>
-        <a:sysClr val="windowText" lastClr="000000"/>
-      </a:dk1>
-      <a:lt1>
-        <a:sysClr val="window" lastClr="FFFFFF"/>
-      </a:lt1>
-      <a:dk2>
-        <a:srgbClr val="1f497d"/>
-      </a:dk2>
-      <a:lt2>
-        <a:srgbClr val="eeece1"/>
-      </a:lt2>
-      <a:accent1>
-        <a:srgbClr val="4f81bd"/>
-      </a:accent1>
-      <a:accent2>
-        <a:srgbClr val="c0504d"/>
-      </a:accent2>
-      <a:accent3>
-        <a:srgbClr val="9bbb59"/>
-      </a:accent3>
-      <a:accent4>
-        <a:srgbClr val="8064a2"/>
-      </a:accent4>
-      <a:accent5>
-        <a:srgbClr val="4bacc6"/>
-      </a:accent5>
-      <a:accent6>
-        <a:srgbClr val="f79646"/>
-      </a:accent6>
-      <a:hlink>
-        <a:srgbClr val="0000ff"/>
-      </a:hlink>
-      <a:folHlink>
-        <a:srgbClr val="800080"/>
-      </a:folHlink>
-    </a:clrScheme>
-    <a:fontScheme name="Office">
-      <a:majorFont>
-        <a:latin typeface="Arial"/>
-        <a:ea typeface="DejaVu Sans"/>
-        <a:cs typeface="DejaVu Sans"/>
-      </a:majorFont>
-      <a:minorFont>
-        <a:latin typeface="Arial"/>
-        <a:ea typeface="DejaVu Sans"/>
-        <a:cs typeface="DejaVu Sans"/>
-      </a:minorFont>
-    </a:fontScheme>
-    <a:fmtScheme name="Office">
-      <a:fillStyleLst>
-        <a:solidFill>
-          <a:schemeClr val="phClr"/>
-        </a:solidFill>
-        <a:gradFill rotWithShape="1">
-          <a:gsLst>
-            <a:gs pos="0">
-              <a:schemeClr val="phClr">
-                <a:tint val="50000"/>
-                <a:satMod val="300000"/>
-              </a:schemeClr>
-            </a:gs>
-            <a:gs pos="35000">
-              <a:schemeClr val="phClr">
-                <a:tint val="37000"/>
-                <a:satMod val="300000"/>
-              </a:schemeClr>
-            </a:gs>
-            <a:gs pos="100000">
-              <a:schemeClr val="phClr">
-                <a:tint val="15000"/>
-                <a:satMod val="350000"/>
-              </a:schemeClr>
-            </a:gs>
-          </a:gsLst>
-          <a:lin ang="16200000" scaled="1"/>
-        </a:gradFill>
-        <a:gradFill rotWithShape="1">
-          <a:gsLst>
-            <a:gs pos="0">
-              <a:schemeClr val="phClr">
-                <a:shade val="51000"/>
-                <a:satMod val="130000"/>
-              </a:schemeClr>
-            </a:gs>
-            <a:gs pos="80000">
-              <a:schemeClr val="phClr">
-                <a:shade val="93000"/>
-                <a:satMod val="130000"/>
-              </a:schemeClr>
-            </a:gs>
-            <a:gs pos="100000">
-              <a:schemeClr val="phClr">
-                <a:shade val="94000"/>
-                <a:satMod val="135000"/>
-              </a:schemeClr>
-            </a:gs>
-          </a:gsLst>
-          <a:lin ang="16200000" scaled="0"/>
-        </a:gradFill>
-      </a:fillStyleLst>
-      <a:lnStyleLst>
-        <a:ln w="9525" cap="flat" cmpd="sng" algn="ctr">
-          <a:solidFill>
-            <a:schemeClr val="phClr">
-              <a:shade val="95000"/>
-              <a:satMod val="105000"/>
-            </a:schemeClr>
-          </a:solidFill>
-          <a:prstDash val="solid"/>
-          <a:miter/>
-        </a:ln>
-        <a:ln w="25400" cap="flat" cmpd="sng" algn="ctr">
-          <a:solidFill>
-            <a:schemeClr val="phClr"/>
-          </a:solidFill>
-          <a:prstDash val="solid"/>
-          <a:miter/>
-        </a:ln>
-        <a:ln w="38100" cap="flat" cmpd="sng" algn="ctr">
-          <a:solidFill>
-            <a:schemeClr val="phClr"/>
-          </a:solidFill>
-          <a:prstDash val="solid"/>
-          <a:miter/>
-        </a:ln>
-      </a:lnStyleLst>
-      <a:effectStyleLst>
-        <a:effectStyle>
-          <a:effectLst>
-            <a:outerShdw blurRad="40000" dist="20000" dir="5400000" rotWithShape="0">
-              <a:srgbClr val="000000">
-                <a:alpha val="38000"/>
-              </a:srgbClr>
-            </a:outerShdw>
-          </a:effectLst>
-        </a:effectStyle>
-        <a:effectStyle>
-          <a:effectLst>
-            <a:outerShdw blurRad="40000" dist="23000" dir="5400000" rotWithShape="0">
-              <a:srgbClr val="000000">
-                <a:alpha val="35000"/>
-              </a:srgbClr>
-            </a:outerShdw>
-          </a:effectLst>
-        </a:effectStyle>
-        <a:effectStyle>
-          <a:effectLst>
-            <a:outerShdw blurRad="40000" dist="23000" dir="5400000" rotWithShape="0">
-              <a:srgbClr val="000000">
-                <a:alpha val="35000"/>
-              </a:srgbClr>
-            </a:outerShdw>
-          </a:effectLst>
-          <a:scene3d>
-            <a:camera prst="orthographicFront">
-              <a:rot lat="0" lon="0" rev="0"/>
-            </a:camera>
-            <a:lightRig rig="threePt" dir="t">
-              <a:rot lat="0" lon="0" rev="1200000"/>
-            </a:lightRig>
-          </a:scene3d>
-          <a:sp3d>
-            <a:bevelT w="63500" h="25400"/>
-          </a:sp3d>
-        </a:effectStyle>
-      </a:effectStyleLst>
-      <a:bgFillStyleLst>
-        <a:solidFill>
-          <a:schemeClr val="phClr"/>
-        </a:solidFill>
-        <a:gradFill rotWithShape="1">
-          <a:gsLst>
-            <a:gs pos="0">
-              <a:schemeClr val="phClr">
-                <a:tint val="40000"/>
-                <a:satMod val="350000"/>
-              </a:schemeClr>
-            </a:gs>
-            <a:gs pos="40000">
-              <a:schemeClr val="phClr">
-                <a:tint val="45000"/>
-                <a:shade val="99000"/>
-                <a:satMod val="350000"/>
-              </a:schemeClr>
-            </a:gs>
-            <a:gs pos="100000">
-              <a:schemeClr val="phClr">
-                <a:shade val="20000"/>
-                <a:satMod val="255000"/>
-              </a:schemeClr>
-            </a:gs>
-          </a:gsLst>
-          <a:path path="circle">
-            <a:fillToRect l="50000" t="-80000" r="50000" b="180000"/>
-          </a:path>
-        </a:gradFill>
-        <a:gradFill rotWithShape="1">
-          <a:gsLst>
-            <a:gs pos="0">
-              <a:schemeClr val="phClr">
-                <a:tint val="80000"/>
-                <a:satMod val="300000"/>
-              </a:schemeClr>
-            </a:gs>
-            <a:gs pos="100000">
-              <a:schemeClr val="phClr">
-                <a:shade val="30000"/>
-                <a:satMod val="200000"/>
-              </a:schemeClr>
-            </a:gs>
-          </a:gsLst>
-          <a:path path="circle">
-            <a:fillToRect l="50000" t="50000" r="50000" b="50000"/>
-          </a:path>
-        </a:gradFill>
-      </a:bgFillStyleLst>
-    </a:fmtScheme>
-  </a:themeElements>
-</a:theme>
 </file>